--- a/Weekly_Report/2020_zenki/4_15/2020_4_15.pptx
+++ b/Weekly_Report/2020_zenki/4_15/2020_4_15.pptx
@@ -6,6 +6,7 @@
   </p:sldMasterIdLst>
   <p:sldIdLst>
     <p:sldId id="256" r:id="rId2"/>
+    <p:sldId id="257" r:id="rId3"/>
   </p:sldIdLst>
   <p:sldSz cx="12192000" cy="6858000"/>
   <p:notesSz cx="6858000" cy="9144000"/>
@@ -259,7 +260,7 @@
           <a:p>
             <a:fld id="{947E86A9-F887-4A73-8CC7-5EAFDEE0F179}" type="datetimeFigureOut">
               <a:rPr kumimoji="1" lang="ja-JP" altLang="en-US" smtClean="0"/>
-              <a:t>2020/5/13</a:t>
+              <a:t>2020/6/17</a:t>
             </a:fld>
             <a:endParaRPr kumimoji="1" lang="ja-JP" altLang="en-US"/>
           </a:p>
@@ -489,7 +490,7 @@
           <a:p>
             <a:fld id="{947E86A9-F887-4A73-8CC7-5EAFDEE0F179}" type="datetimeFigureOut">
               <a:rPr kumimoji="1" lang="ja-JP" altLang="en-US" smtClean="0"/>
-              <a:t>2020/5/13</a:t>
+              <a:t>2020/6/17</a:t>
             </a:fld>
             <a:endParaRPr kumimoji="1" lang="ja-JP" altLang="en-US"/>
           </a:p>
@@ -729,7 +730,7 @@
           <a:p>
             <a:fld id="{947E86A9-F887-4A73-8CC7-5EAFDEE0F179}" type="datetimeFigureOut">
               <a:rPr kumimoji="1" lang="ja-JP" altLang="en-US" smtClean="0"/>
-              <a:t>2020/5/13</a:t>
+              <a:t>2020/6/17</a:t>
             </a:fld>
             <a:endParaRPr kumimoji="1" lang="ja-JP" altLang="en-US"/>
           </a:p>
@@ -959,7 +960,7 @@
           <a:p>
             <a:fld id="{947E86A9-F887-4A73-8CC7-5EAFDEE0F179}" type="datetimeFigureOut">
               <a:rPr kumimoji="1" lang="ja-JP" altLang="en-US" smtClean="0"/>
-              <a:t>2020/5/13</a:t>
+              <a:t>2020/6/17</a:t>
             </a:fld>
             <a:endParaRPr kumimoji="1" lang="ja-JP" altLang="en-US"/>
           </a:p>
@@ -1234,7 +1235,7 @@
           <a:p>
             <a:fld id="{947E86A9-F887-4A73-8CC7-5EAFDEE0F179}" type="datetimeFigureOut">
               <a:rPr kumimoji="1" lang="ja-JP" altLang="en-US" smtClean="0"/>
-              <a:t>2020/5/13</a:t>
+              <a:t>2020/6/17</a:t>
             </a:fld>
             <a:endParaRPr kumimoji="1" lang="ja-JP" altLang="en-US"/>
           </a:p>
@@ -1563,7 +1564,7 @@
           <a:p>
             <a:fld id="{947E86A9-F887-4A73-8CC7-5EAFDEE0F179}" type="datetimeFigureOut">
               <a:rPr kumimoji="1" lang="ja-JP" altLang="en-US" smtClean="0"/>
-              <a:t>2020/5/13</a:t>
+              <a:t>2020/6/17</a:t>
             </a:fld>
             <a:endParaRPr kumimoji="1" lang="ja-JP" altLang="en-US"/>
           </a:p>
@@ -2039,7 +2040,7 @@
           <a:p>
             <a:fld id="{947E86A9-F887-4A73-8CC7-5EAFDEE0F179}" type="datetimeFigureOut">
               <a:rPr kumimoji="1" lang="ja-JP" altLang="en-US" smtClean="0"/>
-              <a:t>2020/5/13</a:t>
+              <a:t>2020/6/17</a:t>
             </a:fld>
             <a:endParaRPr kumimoji="1" lang="ja-JP" altLang="en-US"/>
           </a:p>
@@ -2180,7 +2181,7 @@
           <a:p>
             <a:fld id="{947E86A9-F887-4A73-8CC7-5EAFDEE0F179}" type="datetimeFigureOut">
               <a:rPr kumimoji="1" lang="ja-JP" altLang="en-US" smtClean="0"/>
-              <a:t>2020/5/13</a:t>
+              <a:t>2020/6/17</a:t>
             </a:fld>
             <a:endParaRPr kumimoji="1" lang="ja-JP" altLang="en-US"/>
           </a:p>
@@ -2293,7 +2294,7 @@
           <a:p>
             <a:fld id="{947E86A9-F887-4A73-8CC7-5EAFDEE0F179}" type="datetimeFigureOut">
               <a:rPr kumimoji="1" lang="ja-JP" altLang="en-US" smtClean="0"/>
-              <a:t>2020/5/13</a:t>
+              <a:t>2020/6/17</a:t>
             </a:fld>
             <a:endParaRPr kumimoji="1" lang="ja-JP" altLang="en-US"/>
           </a:p>
@@ -2636,7 +2637,7 @@
           <a:p>
             <a:fld id="{947E86A9-F887-4A73-8CC7-5EAFDEE0F179}" type="datetimeFigureOut">
               <a:rPr kumimoji="1" lang="ja-JP" altLang="en-US" smtClean="0"/>
-              <a:t>2020/5/13</a:t>
+              <a:t>2020/6/17</a:t>
             </a:fld>
             <a:endParaRPr kumimoji="1" lang="ja-JP" altLang="en-US"/>
           </a:p>
@@ -2924,7 +2925,7 @@
           <a:p>
             <a:fld id="{947E86A9-F887-4A73-8CC7-5EAFDEE0F179}" type="datetimeFigureOut">
               <a:rPr kumimoji="1" lang="ja-JP" altLang="en-US" smtClean="0"/>
-              <a:t>2020/5/13</a:t>
+              <a:t>2020/6/17</a:t>
             </a:fld>
             <a:endParaRPr kumimoji="1" lang="ja-JP" altLang="en-US"/>
           </a:p>
@@ -3197,7 +3198,7 @@
           <a:p>
             <a:fld id="{947E86A9-F887-4A73-8CC7-5EAFDEE0F179}" type="datetimeFigureOut">
               <a:rPr kumimoji="1" lang="ja-JP" altLang="en-US" smtClean="0"/>
-              <a:t>2020/5/13</a:t>
+              <a:t>2020/6/17</a:t>
             </a:fld>
             <a:endParaRPr kumimoji="1" lang="ja-JP" altLang="en-US"/>
           </a:p>
@@ -3887,6 +3888,1659 @@
             </a:p>
           </p:txBody>
         </p:sp>
+        <mc:AlternateContent xmlns:mc="http://schemas.openxmlformats.org/markup-compatibility/2006" xmlns:a14="http://schemas.microsoft.com/office/drawing/2010/main">
+          <mc:Choice Requires="a14">
+            <p:sp>
+              <p:nvSpPr>
+                <p:cNvPr id="9" name="四角形: 角を丸くする 8">
+                  <a:extLst>
+                    <a:ext uri="{FF2B5EF4-FFF2-40B4-BE49-F238E27FC236}">
+                      <a16:creationId xmlns:a16="http://schemas.microsoft.com/office/drawing/2014/main" id="{EEF59656-1619-4215-AE4C-8373FE829170}"/>
+                    </a:ext>
+                  </a:extLst>
+                </p:cNvPr>
+                <p:cNvSpPr/>
+                <p:nvPr/>
+              </p:nvSpPr>
+              <p:spPr>
+                <a:xfrm>
+                  <a:off x="5280491" y="5859264"/>
+                  <a:ext cx="1503768" cy="755288"/>
+                </a:xfrm>
+                <a:prstGeom prst="roundRect">
+                  <a:avLst/>
+                </a:prstGeom>
+                <a:solidFill>
+                  <a:schemeClr val="accent4">
+                    <a:lumMod val="60000"/>
+                    <a:lumOff val="40000"/>
+                    <a:alpha val="50000"/>
+                  </a:schemeClr>
+                </a:solidFill>
+                <a:ln>
+                  <a:solidFill>
+                    <a:schemeClr val="accent4">
+                      <a:lumMod val="20000"/>
+                      <a:lumOff val="80000"/>
+                    </a:schemeClr>
+                  </a:solidFill>
+                </a:ln>
+              </p:spPr>
+              <p:style>
+                <a:lnRef idx="2">
+                  <a:schemeClr val="accent1">
+                    <a:shade val="50000"/>
+                  </a:schemeClr>
+                </a:lnRef>
+                <a:fillRef idx="1">
+                  <a:schemeClr val="accent1"/>
+                </a:fillRef>
+                <a:effectRef idx="0">
+                  <a:schemeClr val="accent1"/>
+                </a:effectRef>
+                <a:fontRef idx="minor">
+                  <a:schemeClr val="lt1"/>
+                </a:fontRef>
+              </p:style>
+              <p:txBody>
+                <a:bodyPr rtlCol="0" anchor="ctr"/>
+                <a:lstStyle/>
+                <a:p>
+                  <a:pPr algn="ctr"/>
+                  <a14:m>
+                    <m:oMathPara xmlns:m="http://schemas.openxmlformats.org/officeDocument/2006/math">
+                      <m:oMathParaPr>
+                        <m:jc m:val="centerGroup"/>
+                      </m:oMathParaPr>
+                      <m:oMath xmlns:m="http://schemas.openxmlformats.org/officeDocument/2006/math">
+                        <m:sSub>
+                          <m:sSubPr>
+                            <m:ctrlPr>
+                              <a:rPr lang="en-US" altLang="ja-JP" sz="1600" b="1" i="1" smtClean="0">
+                                <a:solidFill>
+                                  <a:schemeClr val="tx1">
+                                    <a:lumMod val="75000"/>
+                                    <a:lumOff val="25000"/>
+                                  </a:schemeClr>
+                                </a:solidFill>
+                                <a:latin typeface="Cambria Math" panose="02040503050406030204" pitchFamily="18" charset="0"/>
+                              </a:rPr>
+                            </m:ctrlPr>
+                          </m:sSubPr>
+                          <m:e>
+                            <m:r>
+                              <a:rPr lang="en-US" altLang="ja-JP" sz="1600" b="1" i="1">
+                                <a:solidFill>
+                                  <a:schemeClr val="tx1">
+                                    <a:lumMod val="75000"/>
+                                    <a:lumOff val="25000"/>
+                                  </a:schemeClr>
+                                </a:solidFill>
+                                <a:latin typeface="Cambria Math" panose="02040503050406030204" pitchFamily="18" charset="0"/>
+                              </a:rPr>
+                              <m:t>𝑺</m:t>
+                            </m:r>
+                          </m:e>
+                          <m:sub>
+                            <m:r>
+                              <a:rPr lang="en-US" altLang="ja-JP" sz="1600" b="1" i="1" smtClean="0">
+                                <a:solidFill>
+                                  <a:schemeClr val="tx1">
+                                    <a:lumMod val="75000"/>
+                                    <a:lumOff val="25000"/>
+                                  </a:schemeClr>
+                                </a:solidFill>
+                                <a:latin typeface="Cambria Math" panose="02040503050406030204" pitchFamily="18" charset="0"/>
+                              </a:rPr>
+                              <m:t>𝟐</m:t>
+                            </m:r>
+                          </m:sub>
+                        </m:sSub>
+                      </m:oMath>
+                    </m:oMathPara>
+                  </a14:m>
+                  <a:endParaRPr lang="ja-JP" altLang="en-US" sz="1600" b="1" dirty="0">
+                    <a:solidFill>
+                      <a:schemeClr val="tx1">
+                        <a:lumMod val="75000"/>
+                        <a:lumOff val="25000"/>
+                      </a:schemeClr>
+                    </a:solidFill>
+                  </a:endParaRPr>
+                </a:p>
+              </p:txBody>
+            </p:sp>
+          </mc:Choice>
+          <mc:Fallback xmlns="">
+            <p:sp>
+              <p:nvSpPr>
+                <p:cNvPr id="9" name="四角形: 角を丸くする 8">
+                  <a:extLst>
+                    <a:ext uri="{FF2B5EF4-FFF2-40B4-BE49-F238E27FC236}">
+                      <a16:creationId xmlns:a16="http://schemas.microsoft.com/office/drawing/2014/main" id="{EEF59656-1619-4215-AE4C-8373FE829170}"/>
+                    </a:ext>
+                  </a:extLst>
+                </p:cNvPr>
+                <p:cNvSpPr>
+                  <a:spLocks noRot="1" noChangeAspect="1" noMove="1" noResize="1" noEditPoints="1" noAdjustHandles="1" noChangeArrowheads="1" noChangeShapeType="1" noTextEdit="1"/>
+                </p:cNvSpPr>
+                <p:nvPr/>
+              </p:nvSpPr>
+              <p:spPr>
+                <a:xfrm>
+                  <a:off x="5280491" y="5859264"/>
+                  <a:ext cx="1503768" cy="755288"/>
+                </a:xfrm>
+                <a:prstGeom prst="roundRect">
+                  <a:avLst/>
+                </a:prstGeom>
+                <a:blipFill>
+                  <a:blip r:embed="rId2"/>
+                  <a:stretch>
+                    <a:fillRect/>
+                  </a:stretch>
+                </a:blipFill>
+                <a:ln>
+                  <a:solidFill>
+                    <a:schemeClr val="accent4">
+                      <a:lumMod val="20000"/>
+                      <a:lumOff val="80000"/>
+                    </a:schemeClr>
+                  </a:solidFill>
+                </a:ln>
+              </p:spPr>
+              <p:txBody>
+                <a:bodyPr/>
+                <a:lstStyle/>
+                <a:p>
+                  <a:r>
+                    <a:rPr lang="ja-JP" altLang="en-US">
+                      <a:noFill/>
+                    </a:rPr>
+                    <a:t> </a:t>
+                  </a:r>
+                </a:p>
+              </p:txBody>
+            </p:sp>
+          </mc:Fallback>
+        </mc:AlternateContent>
+        <mc:AlternateContent xmlns:mc="http://schemas.openxmlformats.org/markup-compatibility/2006" xmlns:a14="http://schemas.microsoft.com/office/drawing/2010/main">
+          <mc:Choice Requires="a14">
+            <p:sp>
+              <p:nvSpPr>
+                <p:cNvPr id="10" name="四角形: 角を丸くする 9">
+                  <a:extLst>
+                    <a:ext uri="{FF2B5EF4-FFF2-40B4-BE49-F238E27FC236}">
+                      <a16:creationId xmlns:a16="http://schemas.microsoft.com/office/drawing/2014/main" id="{7FE822FB-63B9-4E23-97BE-1B5EB7BAF083}"/>
+                    </a:ext>
+                  </a:extLst>
+                </p:cNvPr>
+                <p:cNvSpPr/>
+                <p:nvPr/>
+              </p:nvSpPr>
+              <p:spPr>
+                <a:xfrm>
+                  <a:off x="3593733" y="5859264"/>
+                  <a:ext cx="1503768" cy="755288"/>
+                </a:xfrm>
+                <a:prstGeom prst="roundRect">
+                  <a:avLst/>
+                </a:prstGeom>
+                <a:solidFill>
+                  <a:schemeClr val="accent4">
+                    <a:lumMod val="60000"/>
+                    <a:lumOff val="40000"/>
+                    <a:alpha val="50000"/>
+                  </a:schemeClr>
+                </a:solidFill>
+                <a:ln>
+                  <a:solidFill>
+                    <a:schemeClr val="accent4">
+                      <a:lumMod val="20000"/>
+                      <a:lumOff val="80000"/>
+                    </a:schemeClr>
+                  </a:solidFill>
+                </a:ln>
+              </p:spPr>
+              <p:style>
+                <a:lnRef idx="2">
+                  <a:schemeClr val="accent1">
+                    <a:shade val="50000"/>
+                  </a:schemeClr>
+                </a:lnRef>
+                <a:fillRef idx="1">
+                  <a:schemeClr val="accent1"/>
+                </a:fillRef>
+                <a:effectRef idx="0">
+                  <a:schemeClr val="accent1"/>
+                </a:effectRef>
+                <a:fontRef idx="minor">
+                  <a:schemeClr val="lt1"/>
+                </a:fontRef>
+              </p:style>
+              <p:txBody>
+                <a:bodyPr rtlCol="0" anchor="ctr"/>
+                <a:lstStyle/>
+                <a:p>
+                  <a:pPr algn="ctr"/>
+                  <a14:m>
+                    <m:oMathPara xmlns:m="http://schemas.openxmlformats.org/officeDocument/2006/math">
+                      <m:oMathParaPr>
+                        <m:jc m:val="centerGroup"/>
+                      </m:oMathParaPr>
+                      <m:oMath xmlns:m="http://schemas.openxmlformats.org/officeDocument/2006/math">
+                        <m:sSub>
+                          <m:sSubPr>
+                            <m:ctrlPr>
+                              <a:rPr lang="en-US" altLang="ja-JP" sz="1600" b="1" i="1" smtClean="0">
+                                <a:solidFill>
+                                  <a:schemeClr val="tx1">
+                                    <a:lumMod val="75000"/>
+                                    <a:lumOff val="25000"/>
+                                  </a:schemeClr>
+                                </a:solidFill>
+                                <a:latin typeface="Cambria Math" panose="02040503050406030204" pitchFamily="18" charset="0"/>
+                              </a:rPr>
+                            </m:ctrlPr>
+                          </m:sSubPr>
+                          <m:e>
+                            <m:r>
+                              <a:rPr lang="en-US" altLang="ja-JP" sz="1600" b="1" i="1" smtClean="0">
+                                <a:solidFill>
+                                  <a:schemeClr val="tx1">
+                                    <a:lumMod val="75000"/>
+                                    <a:lumOff val="25000"/>
+                                  </a:schemeClr>
+                                </a:solidFill>
+                                <a:latin typeface="Cambria Math" panose="02040503050406030204" pitchFamily="18" charset="0"/>
+                              </a:rPr>
+                              <m:t>𝑺</m:t>
+                            </m:r>
+                          </m:e>
+                          <m:sub>
+                            <m:r>
+                              <a:rPr lang="en-US" altLang="ja-JP" sz="1600" b="1" i="1" smtClean="0">
+                                <a:solidFill>
+                                  <a:schemeClr val="tx1">
+                                    <a:lumMod val="75000"/>
+                                    <a:lumOff val="25000"/>
+                                  </a:schemeClr>
+                                </a:solidFill>
+                                <a:latin typeface="Cambria Math" panose="02040503050406030204" pitchFamily="18" charset="0"/>
+                              </a:rPr>
+                              <m:t>𝟏</m:t>
+                            </m:r>
+                          </m:sub>
+                        </m:sSub>
+                      </m:oMath>
+                    </m:oMathPara>
+                  </a14:m>
+                  <a:endParaRPr lang="ja-JP" altLang="en-US" sz="1600" b="1" dirty="0">
+                    <a:solidFill>
+                      <a:schemeClr val="tx1">
+                        <a:lumMod val="75000"/>
+                        <a:lumOff val="25000"/>
+                      </a:schemeClr>
+                    </a:solidFill>
+                  </a:endParaRPr>
+                </a:p>
+              </p:txBody>
+            </p:sp>
+          </mc:Choice>
+          <mc:Fallback xmlns="">
+            <p:sp>
+              <p:nvSpPr>
+                <p:cNvPr id="10" name="四角形: 角を丸くする 9">
+                  <a:extLst>
+                    <a:ext uri="{FF2B5EF4-FFF2-40B4-BE49-F238E27FC236}">
+                      <a16:creationId xmlns:a16="http://schemas.microsoft.com/office/drawing/2014/main" id="{7FE822FB-63B9-4E23-97BE-1B5EB7BAF083}"/>
+                    </a:ext>
+                  </a:extLst>
+                </p:cNvPr>
+                <p:cNvSpPr>
+                  <a:spLocks noRot="1" noChangeAspect="1" noMove="1" noResize="1" noEditPoints="1" noAdjustHandles="1" noChangeArrowheads="1" noChangeShapeType="1" noTextEdit="1"/>
+                </p:cNvSpPr>
+                <p:nvPr/>
+              </p:nvSpPr>
+              <p:spPr>
+                <a:xfrm>
+                  <a:off x="3593733" y="5859264"/>
+                  <a:ext cx="1503768" cy="755288"/>
+                </a:xfrm>
+                <a:prstGeom prst="roundRect">
+                  <a:avLst/>
+                </a:prstGeom>
+                <a:blipFill>
+                  <a:blip r:embed="rId3"/>
+                  <a:stretch>
+                    <a:fillRect/>
+                  </a:stretch>
+                </a:blipFill>
+                <a:ln>
+                  <a:solidFill>
+                    <a:schemeClr val="accent4">
+                      <a:lumMod val="20000"/>
+                      <a:lumOff val="80000"/>
+                    </a:schemeClr>
+                  </a:solidFill>
+                </a:ln>
+              </p:spPr>
+              <p:txBody>
+                <a:bodyPr/>
+                <a:lstStyle/>
+                <a:p>
+                  <a:r>
+                    <a:rPr lang="ja-JP" altLang="en-US">
+                      <a:noFill/>
+                    </a:rPr>
+                    <a:t> </a:t>
+                  </a:r>
+                </a:p>
+              </p:txBody>
+            </p:sp>
+          </mc:Fallback>
+        </mc:AlternateContent>
+        <mc:AlternateContent xmlns:mc="http://schemas.openxmlformats.org/markup-compatibility/2006" xmlns:a14="http://schemas.microsoft.com/office/drawing/2010/main">
+          <mc:Choice Requires="a14">
+            <p:sp>
+              <p:nvSpPr>
+                <p:cNvPr id="11" name="四角形: 角を丸くする 10">
+                  <a:extLst>
+                    <a:ext uri="{FF2B5EF4-FFF2-40B4-BE49-F238E27FC236}">
+                      <a16:creationId xmlns:a16="http://schemas.microsoft.com/office/drawing/2014/main" id="{C7BEFDDB-5542-40D4-807F-9FD1652B138D}"/>
+                    </a:ext>
+                  </a:extLst>
+                </p:cNvPr>
+                <p:cNvSpPr/>
+                <p:nvPr/>
+              </p:nvSpPr>
+              <p:spPr>
+                <a:xfrm>
+                  <a:off x="6967249" y="5859264"/>
+                  <a:ext cx="1503768" cy="755288"/>
+                </a:xfrm>
+                <a:prstGeom prst="roundRect">
+                  <a:avLst/>
+                </a:prstGeom>
+                <a:solidFill>
+                  <a:schemeClr val="accent4">
+                    <a:lumMod val="60000"/>
+                    <a:lumOff val="40000"/>
+                    <a:alpha val="50000"/>
+                  </a:schemeClr>
+                </a:solidFill>
+                <a:ln>
+                  <a:solidFill>
+                    <a:schemeClr val="accent4">
+                      <a:lumMod val="20000"/>
+                      <a:lumOff val="80000"/>
+                    </a:schemeClr>
+                  </a:solidFill>
+                </a:ln>
+              </p:spPr>
+              <p:style>
+                <a:lnRef idx="2">
+                  <a:schemeClr val="accent1">
+                    <a:shade val="50000"/>
+                  </a:schemeClr>
+                </a:lnRef>
+                <a:fillRef idx="1">
+                  <a:schemeClr val="accent1"/>
+                </a:fillRef>
+                <a:effectRef idx="0">
+                  <a:schemeClr val="accent1"/>
+                </a:effectRef>
+                <a:fontRef idx="minor">
+                  <a:schemeClr val="lt1"/>
+                </a:fontRef>
+              </p:style>
+              <p:txBody>
+                <a:bodyPr rtlCol="0" anchor="ctr"/>
+                <a:lstStyle/>
+                <a:p>
+                  <a:pPr algn="ctr"/>
+                  <a14:m>
+                    <m:oMathPara xmlns:m="http://schemas.openxmlformats.org/officeDocument/2006/math">
+                      <m:oMathParaPr>
+                        <m:jc m:val="centerGroup"/>
+                      </m:oMathParaPr>
+                      <m:oMath xmlns:m="http://schemas.openxmlformats.org/officeDocument/2006/math">
+                        <m:sSub>
+                          <m:sSubPr>
+                            <m:ctrlPr>
+                              <a:rPr lang="en-US" altLang="ja-JP" sz="1400" b="1" i="1" smtClean="0">
+                                <a:solidFill>
+                                  <a:schemeClr val="tx1">
+                                    <a:lumMod val="75000"/>
+                                    <a:lumOff val="25000"/>
+                                  </a:schemeClr>
+                                </a:solidFill>
+                                <a:latin typeface="Cambria Math" panose="02040503050406030204" pitchFamily="18" charset="0"/>
+                              </a:rPr>
+                            </m:ctrlPr>
+                          </m:sSubPr>
+                          <m:e>
+                            <m:r>
+                              <a:rPr lang="en-US" altLang="ja-JP" sz="1400" b="1" i="1">
+                                <a:solidFill>
+                                  <a:schemeClr val="tx1">
+                                    <a:lumMod val="75000"/>
+                                    <a:lumOff val="25000"/>
+                                  </a:schemeClr>
+                                </a:solidFill>
+                                <a:latin typeface="Cambria Math" panose="02040503050406030204" pitchFamily="18" charset="0"/>
+                              </a:rPr>
+                              <m:t>𝑺</m:t>
+                            </m:r>
+                          </m:e>
+                          <m:sub>
+                            <m:r>
+                              <a:rPr lang="en-US" altLang="ja-JP" sz="1400" b="1" i="1" smtClean="0">
+                                <a:solidFill>
+                                  <a:schemeClr val="tx1">
+                                    <a:lumMod val="75000"/>
+                                    <a:lumOff val="25000"/>
+                                  </a:schemeClr>
+                                </a:solidFill>
+                                <a:latin typeface="Cambria Math" panose="02040503050406030204" pitchFamily="18" charset="0"/>
+                              </a:rPr>
+                              <m:t>𝟑</m:t>
+                            </m:r>
+                          </m:sub>
+                        </m:sSub>
+                      </m:oMath>
+                    </m:oMathPara>
+                  </a14:m>
+                  <a:endParaRPr lang="ja-JP" altLang="en-US" sz="1400" b="1" dirty="0">
+                    <a:solidFill>
+                      <a:schemeClr val="tx1">
+                        <a:lumMod val="75000"/>
+                        <a:lumOff val="25000"/>
+                      </a:schemeClr>
+                    </a:solidFill>
+                  </a:endParaRPr>
+                </a:p>
+              </p:txBody>
+            </p:sp>
+          </mc:Choice>
+          <mc:Fallback xmlns="">
+            <p:sp>
+              <p:nvSpPr>
+                <p:cNvPr id="11" name="四角形: 角を丸くする 10">
+                  <a:extLst>
+                    <a:ext uri="{FF2B5EF4-FFF2-40B4-BE49-F238E27FC236}">
+                      <a16:creationId xmlns:a16="http://schemas.microsoft.com/office/drawing/2014/main" id="{C7BEFDDB-5542-40D4-807F-9FD1652B138D}"/>
+                    </a:ext>
+                  </a:extLst>
+                </p:cNvPr>
+                <p:cNvSpPr>
+                  <a:spLocks noRot="1" noChangeAspect="1" noMove="1" noResize="1" noEditPoints="1" noAdjustHandles="1" noChangeArrowheads="1" noChangeShapeType="1" noTextEdit="1"/>
+                </p:cNvSpPr>
+                <p:nvPr/>
+              </p:nvSpPr>
+              <p:spPr>
+                <a:xfrm>
+                  <a:off x="6967249" y="5859264"/>
+                  <a:ext cx="1503768" cy="755288"/>
+                </a:xfrm>
+                <a:prstGeom prst="roundRect">
+                  <a:avLst/>
+                </a:prstGeom>
+                <a:blipFill>
+                  <a:blip r:embed="rId4"/>
+                  <a:stretch>
+                    <a:fillRect/>
+                  </a:stretch>
+                </a:blipFill>
+                <a:ln>
+                  <a:solidFill>
+                    <a:schemeClr val="accent4">
+                      <a:lumMod val="20000"/>
+                      <a:lumOff val="80000"/>
+                    </a:schemeClr>
+                  </a:solidFill>
+                </a:ln>
+              </p:spPr>
+              <p:txBody>
+                <a:bodyPr/>
+                <a:lstStyle/>
+                <a:p>
+                  <a:r>
+                    <a:rPr lang="ja-JP" altLang="en-US">
+                      <a:noFill/>
+                    </a:rPr>
+                    <a:t> </a:t>
+                  </a:r>
+                </a:p>
+              </p:txBody>
+            </p:sp>
+          </mc:Fallback>
+        </mc:AlternateContent>
+        <p:sp>
+          <p:nvSpPr>
+            <p:cNvPr id="12" name="正方形/長方形 11">
+              <a:extLst>
+                <a:ext uri="{FF2B5EF4-FFF2-40B4-BE49-F238E27FC236}">
+                  <a16:creationId xmlns:a16="http://schemas.microsoft.com/office/drawing/2014/main" id="{D0FF42E4-FDD0-44BC-AC13-CF54AFB238FB}"/>
+                </a:ext>
+              </a:extLst>
+            </p:cNvPr>
+            <p:cNvSpPr/>
+            <p:nvPr/>
+          </p:nvSpPr>
+          <p:spPr>
+            <a:xfrm>
+              <a:off x="3986072" y="5261130"/>
+              <a:ext cx="719091" cy="486052"/>
+            </a:xfrm>
+            <a:prstGeom prst="rect">
+              <a:avLst/>
+            </a:prstGeom>
+            <a:solidFill>
+              <a:schemeClr val="accent6">
+                <a:lumMod val="50000"/>
+              </a:schemeClr>
+            </a:solidFill>
+            <a:ln>
+              <a:solidFill>
+                <a:schemeClr val="accent6">
+                  <a:lumMod val="50000"/>
+                </a:schemeClr>
+              </a:solidFill>
+            </a:ln>
+          </p:spPr>
+          <p:style>
+            <a:lnRef idx="2">
+              <a:schemeClr val="accent1">
+                <a:shade val="50000"/>
+              </a:schemeClr>
+            </a:lnRef>
+            <a:fillRef idx="1">
+              <a:schemeClr val="accent1"/>
+            </a:fillRef>
+            <a:effectRef idx="0">
+              <a:schemeClr val="accent1"/>
+            </a:effectRef>
+            <a:fontRef idx="minor">
+              <a:schemeClr val="lt1"/>
+            </a:fontRef>
+          </p:style>
+          <p:txBody>
+            <a:bodyPr rtlCol="0" anchor="ctr"/>
+            <a:lstStyle/>
+            <a:p>
+              <a:pPr algn="ctr"/>
+              <a:r>
+                <a:rPr kumimoji="1" lang="en-US" altLang="ja-JP" sz="1600" b="1" dirty="0" err="1"/>
+                <a:t>Emb</a:t>
+              </a:r>
+              <a:endParaRPr kumimoji="1" lang="ja-JP" altLang="en-US" sz="1600" b="1" dirty="0"/>
+            </a:p>
+          </p:txBody>
+        </p:sp>
+        <p:sp>
+          <p:nvSpPr>
+            <p:cNvPr id="13" name="正方形/長方形 12">
+              <a:extLst>
+                <a:ext uri="{FF2B5EF4-FFF2-40B4-BE49-F238E27FC236}">
+                  <a16:creationId xmlns:a16="http://schemas.microsoft.com/office/drawing/2014/main" id="{7965FCAA-57D9-4838-9B9E-609A7164BA18}"/>
+                </a:ext>
+              </a:extLst>
+            </p:cNvPr>
+            <p:cNvSpPr/>
+            <p:nvPr/>
+          </p:nvSpPr>
+          <p:spPr>
+            <a:xfrm>
+              <a:off x="5672830" y="5261130"/>
+              <a:ext cx="719091" cy="486052"/>
+            </a:xfrm>
+            <a:prstGeom prst="rect">
+              <a:avLst/>
+            </a:prstGeom>
+            <a:solidFill>
+              <a:schemeClr val="accent6">
+                <a:lumMod val="50000"/>
+              </a:schemeClr>
+            </a:solidFill>
+            <a:ln>
+              <a:solidFill>
+                <a:schemeClr val="accent6">
+                  <a:lumMod val="50000"/>
+                </a:schemeClr>
+              </a:solidFill>
+            </a:ln>
+          </p:spPr>
+          <p:style>
+            <a:lnRef idx="2">
+              <a:schemeClr val="accent1">
+                <a:shade val="50000"/>
+              </a:schemeClr>
+            </a:lnRef>
+            <a:fillRef idx="1">
+              <a:schemeClr val="accent1"/>
+            </a:fillRef>
+            <a:effectRef idx="0">
+              <a:schemeClr val="accent1"/>
+            </a:effectRef>
+            <a:fontRef idx="minor">
+              <a:schemeClr val="lt1"/>
+            </a:fontRef>
+          </p:style>
+          <p:txBody>
+            <a:bodyPr rtlCol="0" anchor="ctr"/>
+            <a:lstStyle/>
+            <a:p>
+              <a:pPr algn="ctr"/>
+              <a:r>
+                <a:rPr lang="en-US" altLang="ja-JP" sz="1600" b="1" dirty="0" err="1"/>
+                <a:t>Emb</a:t>
+              </a:r>
+              <a:endParaRPr lang="ja-JP" altLang="en-US" sz="1600" b="1" dirty="0"/>
+            </a:p>
+          </p:txBody>
+        </p:sp>
+        <p:sp>
+          <p:nvSpPr>
+            <p:cNvPr id="14" name="正方形/長方形 13">
+              <a:extLst>
+                <a:ext uri="{FF2B5EF4-FFF2-40B4-BE49-F238E27FC236}">
+                  <a16:creationId xmlns:a16="http://schemas.microsoft.com/office/drawing/2014/main" id="{BF86EF15-8A02-4C3E-B26A-8B4C9B8D73F9}"/>
+                </a:ext>
+              </a:extLst>
+            </p:cNvPr>
+            <p:cNvSpPr/>
+            <p:nvPr/>
+          </p:nvSpPr>
+          <p:spPr>
+            <a:xfrm>
+              <a:off x="7359587" y="5261130"/>
+              <a:ext cx="719091" cy="486052"/>
+            </a:xfrm>
+            <a:prstGeom prst="rect">
+              <a:avLst/>
+            </a:prstGeom>
+            <a:solidFill>
+              <a:schemeClr val="accent6">
+                <a:lumMod val="50000"/>
+              </a:schemeClr>
+            </a:solidFill>
+            <a:ln>
+              <a:solidFill>
+                <a:schemeClr val="accent6">
+                  <a:lumMod val="50000"/>
+                </a:schemeClr>
+              </a:solidFill>
+            </a:ln>
+          </p:spPr>
+          <p:style>
+            <a:lnRef idx="2">
+              <a:schemeClr val="accent1">
+                <a:shade val="50000"/>
+              </a:schemeClr>
+            </a:lnRef>
+            <a:fillRef idx="1">
+              <a:schemeClr val="accent1"/>
+            </a:fillRef>
+            <a:effectRef idx="0">
+              <a:schemeClr val="accent1"/>
+            </a:effectRef>
+            <a:fontRef idx="minor">
+              <a:schemeClr val="lt1"/>
+            </a:fontRef>
+          </p:style>
+          <p:txBody>
+            <a:bodyPr rtlCol="0" anchor="ctr"/>
+            <a:lstStyle/>
+            <a:p>
+              <a:pPr algn="ctr"/>
+              <a:r>
+                <a:rPr lang="en-US" altLang="ja-JP" sz="1600" b="1" dirty="0" err="1"/>
+                <a:t>Emb</a:t>
+              </a:r>
+              <a:endParaRPr lang="ja-JP" altLang="en-US" sz="1600" b="1" dirty="0"/>
+            </a:p>
+          </p:txBody>
+        </p:sp>
+        <p:sp>
+          <p:nvSpPr>
+            <p:cNvPr id="16" name="楕円 15">
+              <a:extLst>
+                <a:ext uri="{FF2B5EF4-FFF2-40B4-BE49-F238E27FC236}">
+                  <a16:creationId xmlns:a16="http://schemas.microsoft.com/office/drawing/2014/main" id="{C6340C93-938F-4B78-9588-3A132982C4D6}"/>
+                </a:ext>
+              </a:extLst>
+            </p:cNvPr>
+            <p:cNvSpPr/>
+            <p:nvPr/>
+          </p:nvSpPr>
+          <p:spPr>
+            <a:xfrm>
+              <a:off x="5672829" y="2428047"/>
+              <a:ext cx="719091" cy="665825"/>
+            </a:xfrm>
+            <a:prstGeom prst="ellipse">
+              <a:avLst/>
+            </a:prstGeom>
+            <a:solidFill>
+              <a:schemeClr val="bg2"/>
+            </a:solidFill>
+            <a:ln>
+              <a:solidFill>
+                <a:schemeClr val="bg2">
+                  <a:lumMod val="50000"/>
+                </a:schemeClr>
+              </a:solidFill>
+            </a:ln>
+          </p:spPr>
+          <p:style>
+            <a:lnRef idx="2">
+              <a:schemeClr val="accent1">
+                <a:shade val="50000"/>
+              </a:schemeClr>
+            </a:lnRef>
+            <a:fillRef idx="1">
+              <a:schemeClr val="accent1"/>
+            </a:fillRef>
+            <a:effectRef idx="0">
+              <a:schemeClr val="accent1"/>
+            </a:effectRef>
+            <a:fontRef idx="minor">
+              <a:schemeClr val="lt1"/>
+            </a:fontRef>
+          </p:style>
+          <p:txBody>
+            <a:bodyPr rtlCol="0" anchor="ctr"/>
+            <a:lstStyle/>
+            <a:p>
+              <a:pPr algn="ctr"/>
+              <a:r>
+                <a:rPr kumimoji="1" lang="en-US" altLang="ja-JP" sz="3200" b="1" dirty="0">
+                  <a:solidFill>
+                    <a:schemeClr val="bg2">
+                      <a:lumMod val="50000"/>
+                    </a:schemeClr>
+                  </a:solidFill>
+                </a:rPr>
+                <a:t>+</a:t>
+              </a:r>
+              <a:endParaRPr kumimoji="1" lang="ja-JP" altLang="en-US" sz="3200" b="1" dirty="0">
+                <a:solidFill>
+                  <a:schemeClr val="bg2">
+                    <a:lumMod val="50000"/>
+                  </a:schemeClr>
+                </a:solidFill>
+              </a:endParaRPr>
+            </a:p>
+          </p:txBody>
+        </p:sp>
+        <p:cxnSp>
+          <p:nvCxnSpPr>
+            <p:cNvPr id="18" name="直線矢印コネクタ 17">
+              <a:extLst>
+                <a:ext uri="{FF2B5EF4-FFF2-40B4-BE49-F238E27FC236}">
+                  <a16:creationId xmlns:a16="http://schemas.microsoft.com/office/drawing/2014/main" id="{6D331F32-FAB5-4C21-8C81-D7BC3D19E9A4}"/>
+                </a:ext>
+              </a:extLst>
+            </p:cNvPr>
+            <p:cNvCxnSpPr>
+              <a:cxnSpLocks/>
+              <a:endCxn id="7" idx="2"/>
+            </p:cNvCxnSpPr>
+            <p:nvPr/>
+          </p:nvCxnSpPr>
+          <p:spPr>
+            <a:xfrm flipV="1">
+              <a:off x="4345619" y="3931700"/>
+              <a:ext cx="0" cy="301841"/>
+            </a:xfrm>
+            <a:prstGeom prst="straightConnector1">
+              <a:avLst/>
+            </a:prstGeom>
+            <a:ln w="6350">
+              <a:solidFill>
+                <a:schemeClr val="accent2">
+                  <a:lumMod val="75000"/>
+                </a:schemeClr>
+              </a:solidFill>
+              <a:tailEnd type="triangle"/>
+            </a:ln>
+          </p:spPr>
+          <p:style>
+            <a:lnRef idx="1">
+              <a:schemeClr val="accent1"/>
+            </a:lnRef>
+            <a:fillRef idx="0">
+              <a:schemeClr val="accent1"/>
+            </a:fillRef>
+            <a:effectRef idx="0">
+              <a:schemeClr val="accent1"/>
+            </a:effectRef>
+            <a:fontRef idx="minor">
+              <a:schemeClr val="tx1"/>
+            </a:fontRef>
+          </p:style>
+        </p:cxnSp>
+        <p:cxnSp>
+          <p:nvCxnSpPr>
+            <p:cNvPr id="22" name="直線矢印コネクタ 21">
+              <a:extLst>
+                <a:ext uri="{FF2B5EF4-FFF2-40B4-BE49-F238E27FC236}">
+                  <a16:creationId xmlns:a16="http://schemas.microsoft.com/office/drawing/2014/main" id="{5EFFD011-B342-4071-A9DA-44C3211DDCD5}"/>
+                </a:ext>
+              </a:extLst>
+            </p:cNvPr>
+            <p:cNvCxnSpPr>
+              <a:cxnSpLocks/>
+              <a:stCxn id="4" idx="0"/>
+              <a:endCxn id="5" idx="2"/>
+            </p:cNvCxnSpPr>
+            <p:nvPr/>
+          </p:nvCxnSpPr>
+          <p:spPr>
+            <a:xfrm flipV="1">
+              <a:off x="6032376" y="3931700"/>
+              <a:ext cx="1" cy="301842"/>
+            </a:xfrm>
+            <a:prstGeom prst="straightConnector1">
+              <a:avLst/>
+            </a:prstGeom>
+            <a:ln w="6350">
+              <a:solidFill>
+                <a:schemeClr val="accent2">
+                  <a:lumMod val="75000"/>
+                </a:schemeClr>
+              </a:solidFill>
+              <a:tailEnd type="triangle"/>
+            </a:ln>
+          </p:spPr>
+          <p:style>
+            <a:lnRef idx="1">
+              <a:schemeClr val="accent1"/>
+            </a:lnRef>
+            <a:fillRef idx="0">
+              <a:schemeClr val="accent1"/>
+            </a:fillRef>
+            <a:effectRef idx="0">
+              <a:schemeClr val="accent1"/>
+            </a:effectRef>
+            <a:fontRef idx="minor">
+              <a:schemeClr val="tx1"/>
+            </a:fontRef>
+          </p:style>
+        </p:cxnSp>
+        <p:cxnSp>
+          <p:nvCxnSpPr>
+            <p:cNvPr id="25" name="直線矢印コネクタ 24">
+              <a:extLst>
+                <a:ext uri="{FF2B5EF4-FFF2-40B4-BE49-F238E27FC236}">
+                  <a16:creationId xmlns:a16="http://schemas.microsoft.com/office/drawing/2014/main" id="{C00DB2CA-B195-46E0-ADC6-C0E1832A65BC}"/>
+                </a:ext>
+              </a:extLst>
+            </p:cNvPr>
+            <p:cNvCxnSpPr>
+              <a:cxnSpLocks/>
+              <a:endCxn id="6" idx="2"/>
+            </p:cNvCxnSpPr>
+            <p:nvPr/>
+          </p:nvCxnSpPr>
+          <p:spPr>
+            <a:xfrm flipV="1">
+              <a:off x="7719135" y="3931700"/>
+              <a:ext cx="0" cy="301841"/>
+            </a:xfrm>
+            <a:prstGeom prst="straightConnector1">
+              <a:avLst/>
+            </a:prstGeom>
+            <a:ln w="6350">
+              <a:solidFill>
+                <a:schemeClr val="accent2">
+                  <a:lumMod val="75000"/>
+                </a:schemeClr>
+              </a:solidFill>
+              <a:tailEnd type="triangle"/>
+            </a:ln>
+          </p:spPr>
+          <p:style>
+            <a:lnRef idx="1">
+              <a:schemeClr val="accent1"/>
+            </a:lnRef>
+            <a:fillRef idx="0">
+              <a:schemeClr val="accent1"/>
+            </a:fillRef>
+            <a:effectRef idx="0">
+              <a:schemeClr val="accent1"/>
+            </a:effectRef>
+            <a:fontRef idx="minor">
+              <a:schemeClr val="tx1"/>
+            </a:fontRef>
+          </p:style>
+        </p:cxnSp>
+        <p:cxnSp>
+          <p:nvCxnSpPr>
+            <p:cNvPr id="28" name="直線矢印コネクタ 27">
+              <a:extLst>
+                <a:ext uri="{FF2B5EF4-FFF2-40B4-BE49-F238E27FC236}">
+                  <a16:creationId xmlns:a16="http://schemas.microsoft.com/office/drawing/2014/main" id="{57E6488B-081A-43A3-8A58-9954AC8C0519}"/>
+                </a:ext>
+              </a:extLst>
+            </p:cNvPr>
+            <p:cNvCxnSpPr>
+              <a:cxnSpLocks/>
+              <a:stCxn id="12" idx="0"/>
+            </p:cNvCxnSpPr>
+            <p:nvPr/>
+          </p:nvCxnSpPr>
+          <p:spPr>
+            <a:xfrm flipV="1">
+              <a:off x="4345618" y="5149047"/>
+              <a:ext cx="1" cy="112083"/>
+            </a:xfrm>
+            <a:prstGeom prst="straightConnector1">
+              <a:avLst/>
+            </a:prstGeom>
+            <a:ln w="6350">
+              <a:solidFill>
+                <a:schemeClr val="accent2">
+                  <a:lumMod val="75000"/>
+                </a:schemeClr>
+              </a:solidFill>
+              <a:tailEnd type="triangle"/>
+            </a:ln>
+          </p:spPr>
+          <p:style>
+            <a:lnRef idx="1">
+              <a:schemeClr val="accent1"/>
+            </a:lnRef>
+            <a:fillRef idx="0">
+              <a:schemeClr val="accent1"/>
+            </a:fillRef>
+            <a:effectRef idx="0">
+              <a:schemeClr val="accent1"/>
+            </a:effectRef>
+            <a:fontRef idx="minor">
+              <a:schemeClr val="tx1"/>
+            </a:fontRef>
+          </p:style>
+        </p:cxnSp>
+        <p:cxnSp>
+          <p:nvCxnSpPr>
+            <p:cNvPr id="31" name="直線矢印コネクタ 30">
+              <a:extLst>
+                <a:ext uri="{FF2B5EF4-FFF2-40B4-BE49-F238E27FC236}">
+                  <a16:creationId xmlns:a16="http://schemas.microsoft.com/office/drawing/2014/main" id="{46CF40E6-D02F-45FB-BCED-2C24A6F581F3}"/>
+                </a:ext>
+              </a:extLst>
+            </p:cNvPr>
+            <p:cNvCxnSpPr>
+              <a:cxnSpLocks/>
+            </p:cNvCxnSpPr>
+            <p:nvPr/>
+          </p:nvCxnSpPr>
+          <p:spPr>
+            <a:xfrm flipV="1">
+              <a:off x="4345617" y="5747181"/>
+              <a:ext cx="1" cy="112083"/>
+            </a:xfrm>
+            <a:prstGeom prst="straightConnector1">
+              <a:avLst/>
+            </a:prstGeom>
+            <a:ln w="6350">
+              <a:solidFill>
+                <a:schemeClr val="accent2">
+                  <a:lumMod val="75000"/>
+                </a:schemeClr>
+              </a:solidFill>
+              <a:tailEnd type="triangle"/>
+            </a:ln>
+          </p:spPr>
+          <p:style>
+            <a:lnRef idx="1">
+              <a:schemeClr val="accent1"/>
+            </a:lnRef>
+            <a:fillRef idx="0">
+              <a:schemeClr val="accent1"/>
+            </a:fillRef>
+            <a:effectRef idx="0">
+              <a:schemeClr val="accent1"/>
+            </a:effectRef>
+            <a:fontRef idx="minor">
+              <a:schemeClr val="tx1"/>
+            </a:fontRef>
+          </p:style>
+        </p:cxnSp>
+        <p:cxnSp>
+          <p:nvCxnSpPr>
+            <p:cNvPr id="32" name="直線矢印コネクタ 31">
+              <a:extLst>
+                <a:ext uri="{FF2B5EF4-FFF2-40B4-BE49-F238E27FC236}">
+                  <a16:creationId xmlns:a16="http://schemas.microsoft.com/office/drawing/2014/main" id="{1AB9F0B0-D608-4A97-B06E-7C5FE7426FB9}"/>
+                </a:ext>
+              </a:extLst>
+            </p:cNvPr>
+            <p:cNvCxnSpPr>
+              <a:cxnSpLocks/>
+            </p:cNvCxnSpPr>
+            <p:nvPr/>
+          </p:nvCxnSpPr>
+          <p:spPr>
+            <a:xfrm flipV="1">
+              <a:off x="6032373" y="5149046"/>
+              <a:ext cx="1" cy="112083"/>
+            </a:xfrm>
+            <a:prstGeom prst="straightConnector1">
+              <a:avLst/>
+            </a:prstGeom>
+            <a:ln w="6350">
+              <a:solidFill>
+                <a:schemeClr val="accent2">
+                  <a:lumMod val="75000"/>
+                </a:schemeClr>
+              </a:solidFill>
+              <a:tailEnd type="triangle"/>
+            </a:ln>
+          </p:spPr>
+          <p:style>
+            <a:lnRef idx="1">
+              <a:schemeClr val="accent1"/>
+            </a:lnRef>
+            <a:fillRef idx="0">
+              <a:schemeClr val="accent1"/>
+            </a:fillRef>
+            <a:effectRef idx="0">
+              <a:schemeClr val="accent1"/>
+            </a:effectRef>
+            <a:fontRef idx="minor">
+              <a:schemeClr val="tx1"/>
+            </a:fontRef>
+          </p:style>
+        </p:cxnSp>
+        <p:cxnSp>
+          <p:nvCxnSpPr>
+            <p:cNvPr id="33" name="直線矢印コネクタ 32">
+              <a:extLst>
+                <a:ext uri="{FF2B5EF4-FFF2-40B4-BE49-F238E27FC236}">
+                  <a16:creationId xmlns:a16="http://schemas.microsoft.com/office/drawing/2014/main" id="{6146CC50-0A9A-4142-AFF3-B2A6BE9410D0}"/>
+                </a:ext>
+              </a:extLst>
+            </p:cNvPr>
+            <p:cNvCxnSpPr>
+              <a:cxnSpLocks/>
+            </p:cNvCxnSpPr>
+            <p:nvPr/>
+          </p:nvCxnSpPr>
+          <p:spPr>
+            <a:xfrm flipV="1">
+              <a:off x="6032373" y="5747180"/>
+              <a:ext cx="1" cy="112083"/>
+            </a:xfrm>
+            <a:prstGeom prst="straightConnector1">
+              <a:avLst/>
+            </a:prstGeom>
+            <a:ln w="6350">
+              <a:solidFill>
+                <a:schemeClr val="accent2">
+                  <a:lumMod val="75000"/>
+                </a:schemeClr>
+              </a:solidFill>
+              <a:tailEnd type="triangle"/>
+            </a:ln>
+          </p:spPr>
+          <p:style>
+            <a:lnRef idx="1">
+              <a:schemeClr val="accent1"/>
+            </a:lnRef>
+            <a:fillRef idx="0">
+              <a:schemeClr val="accent1"/>
+            </a:fillRef>
+            <a:effectRef idx="0">
+              <a:schemeClr val="accent1"/>
+            </a:effectRef>
+            <a:fontRef idx="minor">
+              <a:schemeClr val="tx1"/>
+            </a:fontRef>
+          </p:style>
+        </p:cxnSp>
+        <p:cxnSp>
+          <p:nvCxnSpPr>
+            <p:cNvPr id="34" name="直線矢印コネクタ 33">
+              <a:extLst>
+                <a:ext uri="{FF2B5EF4-FFF2-40B4-BE49-F238E27FC236}">
+                  <a16:creationId xmlns:a16="http://schemas.microsoft.com/office/drawing/2014/main" id="{3FFCC8DF-1B2A-4025-8B20-3F495DBAB1F1}"/>
+                </a:ext>
+              </a:extLst>
+            </p:cNvPr>
+            <p:cNvCxnSpPr>
+              <a:cxnSpLocks/>
+            </p:cNvCxnSpPr>
+            <p:nvPr/>
+          </p:nvCxnSpPr>
+          <p:spPr>
+            <a:xfrm flipV="1">
+              <a:off x="7719128" y="5149046"/>
+              <a:ext cx="1" cy="112083"/>
+            </a:xfrm>
+            <a:prstGeom prst="straightConnector1">
+              <a:avLst/>
+            </a:prstGeom>
+            <a:ln w="6350">
+              <a:solidFill>
+                <a:schemeClr val="accent2">
+                  <a:lumMod val="75000"/>
+                </a:schemeClr>
+              </a:solidFill>
+              <a:tailEnd type="triangle"/>
+            </a:ln>
+          </p:spPr>
+          <p:style>
+            <a:lnRef idx="1">
+              <a:schemeClr val="accent1"/>
+            </a:lnRef>
+            <a:fillRef idx="0">
+              <a:schemeClr val="accent1"/>
+            </a:fillRef>
+            <a:effectRef idx="0">
+              <a:schemeClr val="accent1"/>
+            </a:effectRef>
+            <a:fontRef idx="minor">
+              <a:schemeClr val="tx1"/>
+            </a:fontRef>
+          </p:style>
+        </p:cxnSp>
+        <p:cxnSp>
+          <p:nvCxnSpPr>
+            <p:cNvPr id="35" name="直線矢印コネクタ 34">
+              <a:extLst>
+                <a:ext uri="{FF2B5EF4-FFF2-40B4-BE49-F238E27FC236}">
+                  <a16:creationId xmlns:a16="http://schemas.microsoft.com/office/drawing/2014/main" id="{B6158A02-AF76-4121-871B-F1D1DA0CF916}"/>
+                </a:ext>
+              </a:extLst>
+            </p:cNvPr>
+            <p:cNvCxnSpPr>
+              <a:cxnSpLocks/>
+            </p:cNvCxnSpPr>
+            <p:nvPr/>
+          </p:nvCxnSpPr>
+          <p:spPr>
+            <a:xfrm flipV="1">
+              <a:off x="7719128" y="5747180"/>
+              <a:ext cx="1" cy="112083"/>
+            </a:xfrm>
+            <a:prstGeom prst="straightConnector1">
+              <a:avLst/>
+            </a:prstGeom>
+            <a:ln w="6350">
+              <a:solidFill>
+                <a:schemeClr val="accent2">
+                  <a:lumMod val="75000"/>
+                </a:schemeClr>
+              </a:solidFill>
+              <a:tailEnd type="triangle"/>
+            </a:ln>
+          </p:spPr>
+          <p:style>
+            <a:lnRef idx="1">
+              <a:schemeClr val="accent1"/>
+            </a:lnRef>
+            <a:fillRef idx="0">
+              <a:schemeClr val="accent1"/>
+            </a:fillRef>
+            <a:effectRef idx="0">
+              <a:schemeClr val="accent1"/>
+            </a:effectRef>
+            <a:fontRef idx="minor">
+              <a:schemeClr val="tx1"/>
+            </a:fontRef>
+          </p:style>
+        </p:cxnSp>
+        <p:cxnSp>
+          <p:nvCxnSpPr>
+            <p:cNvPr id="36" name="直線矢印コネクタ 35">
+              <a:extLst>
+                <a:ext uri="{FF2B5EF4-FFF2-40B4-BE49-F238E27FC236}">
+                  <a16:creationId xmlns:a16="http://schemas.microsoft.com/office/drawing/2014/main" id="{4962119B-7CE0-4007-B9AC-4041732036BA}"/>
+                </a:ext>
+              </a:extLst>
+            </p:cNvPr>
+            <p:cNvCxnSpPr>
+              <a:cxnSpLocks/>
+              <a:stCxn id="7" idx="0"/>
+              <a:endCxn id="16" idx="2"/>
+            </p:cNvCxnSpPr>
+            <p:nvPr/>
+          </p:nvCxnSpPr>
+          <p:spPr>
+            <a:xfrm flipV="1">
+              <a:off x="4345619" y="2760960"/>
+              <a:ext cx="1327210" cy="684688"/>
+            </a:xfrm>
+            <a:prstGeom prst="straightConnector1">
+              <a:avLst/>
+            </a:prstGeom>
+            <a:ln w="6350">
+              <a:solidFill>
+                <a:schemeClr val="accent2">
+                  <a:lumMod val="75000"/>
+                </a:schemeClr>
+              </a:solidFill>
+              <a:tailEnd type="triangle"/>
+            </a:ln>
+          </p:spPr>
+          <p:style>
+            <a:lnRef idx="1">
+              <a:schemeClr val="accent1"/>
+            </a:lnRef>
+            <a:fillRef idx="0">
+              <a:schemeClr val="accent1"/>
+            </a:fillRef>
+            <a:effectRef idx="0">
+              <a:schemeClr val="accent1"/>
+            </a:effectRef>
+            <a:fontRef idx="minor">
+              <a:schemeClr val="tx1"/>
+            </a:fontRef>
+          </p:style>
+        </p:cxnSp>
+        <p:cxnSp>
+          <p:nvCxnSpPr>
+            <p:cNvPr id="40" name="直線矢印コネクタ 39">
+              <a:extLst>
+                <a:ext uri="{FF2B5EF4-FFF2-40B4-BE49-F238E27FC236}">
+                  <a16:creationId xmlns:a16="http://schemas.microsoft.com/office/drawing/2014/main" id="{069632D4-DEB1-40E3-A2DC-656AA6F4D344}"/>
+                </a:ext>
+              </a:extLst>
+            </p:cNvPr>
+            <p:cNvCxnSpPr>
+              <a:cxnSpLocks/>
+              <a:stCxn id="5" idx="0"/>
+              <a:endCxn id="16" idx="4"/>
+            </p:cNvCxnSpPr>
+            <p:nvPr/>
+          </p:nvCxnSpPr>
+          <p:spPr>
+            <a:xfrm flipH="1" flipV="1">
+              <a:off x="6032375" y="3093872"/>
+              <a:ext cx="2" cy="351776"/>
+            </a:xfrm>
+            <a:prstGeom prst="straightConnector1">
+              <a:avLst/>
+            </a:prstGeom>
+            <a:ln w="6350">
+              <a:solidFill>
+                <a:schemeClr val="accent2">
+                  <a:lumMod val="75000"/>
+                </a:schemeClr>
+              </a:solidFill>
+              <a:tailEnd type="triangle"/>
+            </a:ln>
+          </p:spPr>
+          <p:style>
+            <a:lnRef idx="1">
+              <a:schemeClr val="accent1"/>
+            </a:lnRef>
+            <a:fillRef idx="0">
+              <a:schemeClr val="accent1"/>
+            </a:fillRef>
+            <a:effectRef idx="0">
+              <a:schemeClr val="accent1"/>
+            </a:effectRef>
+            <a:fontRef idx="minor">
+              <a:schemeClr val="tx1"/>
+            </a:fontRef>
+          </p:style>
+        </p:cxnSp>
+        <p:cxnSp>
+          <p:nvCxnSpPr>
+            <p:cNvPr id="43" name="直線矢印コネクタ 42">
+              <a:extLst>
+                <a:ext uri="{FF2B5EF4-FFF2-40B4-BE49-F238E27FC236}">
+                  <a16:creationId xmlns:a16="http://schemas.microsoft.com/office/drawing/2014/main" id="{8BE19B32-E700-4C30-9CC7-6B7622100F2E}"/>
+                </a:ext>
+              </a:extLst>
+            </p:cNvPr>
+            <p:cNvCxnSpPr>
+              <a:cxnSpLocks/>
+              <a:stCxn id="6" idx="0"/>
+              <a:endCxn id="16" idx="6"/>
+            </p:cNvCxnSpPr>
+            <p:nvPr/>
+          </p:nvCxnSpPr>
+          <p:spPr>
+            <a:xfrm flipH="1" flipV="1">
+              <a:off x="6391920" y="2760960"/>
+              <a:ext cx="1327215" cy="684688"/>
+            </a:xfrm>
+            <a:prstGeom prst="straightConnector1">
+              <a:avLst/>
+            </a:prstGeom>
+            <a:ln w="6350">
+              <a:solidFill>
+                <a:schemeClr val="accent2">
+                  <a:lumMod val="75000"/>
+                </a:schemeClr>
+              </a:solidFill>
+              <a:tailEnd type="triangle"/>
+            </a:ln>
+          </p:spPr>
+          <p:style>
+            <a:lnRef idx="1">
+              <a:schemeClr val="accent1"/>
+            </a:lnRef>
+            <a:fillRef idx="0">
+              <a:schemeClr val="accent1"/>
+            </a:fillRef>
+            <a:effectRef idx="0">
+              <a:schemeClr val="accent1"/>
+            </a:effectRef>
+            <a:fontRef idx="minor">
+              <a:schemeClr val="tx1"/>
+            </a:fontRef>
+          </p:style>
+        </p:cxnSp>
+      </p:grpSp>
+    </p:spTree>
+    <p:extLst>
+      <p:ext uri="{BB962C8B-B14F-4D97-AF65-F5344CB8AC3E}">
+        <p14:creationId xmlns:p14="http://schemas.microsoft.com/office/powerpoint/2010/main" val="3667563251"/>
+      </p:ext>
+    </p:extLst>
+  </p:cSld>
+  <p:clrMapOvr>
+    <a:masterClrMapping/>
+  </p:clrMapOvr>
+</p:sld>
+</file>
+
+<file path=ppt/slides/slide2.xml><?xml version="1.0" encoding="utf-8"?>
+<p:sld xmlns:a="http://schemas.openxmlformats.org/drawingml/2006/main" xmlns:r="http://schemas.openxmlformats.org/officeDocument/2006/relationships" xmlns:p="http://schemas.openxmlformats.org/presentationml/2006/main">
+  <p:cSld>
+    <p:spTree>
+      <p:nvGrpSpPr>
+        <p:cNvPr id="1" name=""/>
+        <p:cNvGrpSpPr/>
+        <p:nvPr/>
+      </p:nvGrpSpPr>
+      <p:grpSpPr>
+        <a:xfrm>
+          <a:off x="0" y="0"/>
+          <a:ext cx="0" cy="0"/>
+          <a:chOff x="0" y="0"/>
+          <a:chExt cx="0" cy="0"/>
+        </a:xfrm>
+      </p:grpSpPr>
+      <p:grpSp>
+        <p:nvGrpSpPr>
+          <p:cNvPr id="20" name="グループ化 19">
+            <a:extLst>
+              <a:ext uri="{FF2B5EF4-FFF2-40B4-BE49-F238E27FC236}">
+                <a16:creationId xmlns:a16="http://schemas.microsoft.com/office/drawing/2014/main" id="{19CA5CD6-A027-4656-BA63-854984B54CF8}"/>
+              </a:ext>
+            </a:extLst>
+          </p:cNvPr>
+          <p:cNvGrpSpPr/>
+          <p:nvPr/>
+        </p:nvGrpSpPr>
+        <p:grpSpPr>
+          <a:xfrm>
+            <a:off x="3133004" y="307652"/>
+            <a:ext cx="5095782" cy="5465456"/>
+            <a:chOff x="3262544" y="617001"/>
+            <a:chExt cx="5095782" cy="5465456"/>
+          </a:xfrm>
+        </p:grpSpPr>
+        <p:sp>
+          <p:nvSpPr>
+            <p:cNvPr id="15" name="正方形/長方形 14">
+              <a:extLst>
+                <a:ext uri="{FF2B5EF4-FFF2-40B4-BE49-F238E27FC236}">
+                  <a16:creationId xmlns:a16="http://schemas.microsoft.com/office/drawing/2014/main" id="{229A1D4D-59BC-413F-9C7A-A75466EFC610}"/>
+                </a:ext>
+              </a:extLst>
+            </p:cNvPr>
+            <p:cNvSpPr/>
+            <p:nvPr/>
+          </p:nvSpPr>
+          <p:spPr>
+            <a:xfrm>
+              <a:off x="3595456" y="1472585"/>
+              <a:ext cx="4456590" cy="837828"/>
+            </a:xfrm>
+            <a:prstGeom prst="rect">
+              <a:avLst/>
+            </a:prstGeom>
+            <a:solidFill>
+              <a:schemeClr val="accent5">
+                <a:lumMod val="20000"/>
+                <a:lumOff val="80000"/>
+              </a:schemeClr>
+            </a:solidFill>
+          </p:spPr>
+          <p:style>
+            <a:lnRef idx="2">
+              <a:schemeClr val="accent1">
+                <a:shade val="50000"/>
+              </a:schemeClr>
+            </a:lnRef>
+            <a:fillRef idx="1">
+              <a:schemeClr val="accent1"/>
+            </a:fillRef>
+            <a:effectRef idx="0">
+              <a:schemeClr val="accent1"/>
+            </a:effectRef>
+            <a:fontRef idx="minor">
+              <a:schemeClr val="lt1"/>
+            </a:fontRef>
+          </p:style>
+          <p:txBody>
+            <a:bodyPr rtlCol="0" anchor="ctr"/>
+            <a:lstStyle/>
+            <a:p>
+              <a:pPr algn="ctr"/>
+              <a:endParaRPr kumimoji="1" lang="ja-JP" altLang="en-US"/>
+            </a:p>
+          </p:txBody>
+        </p:sp>
+        <p:sp>
+          <p:nvSpPr>
+            <p:cNvPr id="4" name="四角形: 角を丸くする 3">
+              <a:extLst>
+                <a:ext uri="{FF2B5EF4-FFF2-40B4-BE49-F238E27FC236}">
+                  <a16:creationId xmlns:a16="http://schemas.microsoft.com/office/drawing/2014/main" id="{8CE5FD73-3703-49A2-B80D-99005EC55B78}"/>
+                </a:ext>
+              </a:extLst>
+            </p:cNvPr>
+            <p:cNvSpPr/>
+            <p:nvPr/>
+          </p:nvSpPr>
+          <p:spPr>
+            <a:xfrm>
+              <a:off x="3262544" y="2419551"/>
+              <a:ext cx="5095782" cy="915505"/>
+            </a:xfrm>
+            <a:prstGeom prst="roundRect">
+              <a:avLst/>
+            </a:prstGeom>
+            <a:solidFill>
+              <a:schemeClr val="bg2">
+                <a:lumMod val="25000"/>
+              </a:schemeClr>
+            </a:solidFill>
+            <a:ln>
+              <a:solidFill>
+                <a:schemeClr val="tx1">
+                  <a:lumMod val="50000"/>
+                  <a:lumOff val="50000"/>
+                </a:schemeClr>
+              </a:solidFill>
+            </a:ln>
+          </p:spPr>
+          <p:style>
+            <a:lnRef idx="2">
+              <a:schemeClr val="accent1">
+                <a:shade val="50000"/>
+              </a:schemeClr>
+            </a:lnRef>
+            <a:fillRef idx="1">
+              <a:schemeClr val="accent1"/>
+            </a:fillRef>
+            <a:effectRef idx="0">
+              <a:schemeClr val="accent1"/>
+            </a:effectRef>
+            <a:fontRef idx="minor">
+              <a:schemeClr val="lt1"/>
+            </a:fontRef>
+          </p:style>
+          <p:txBody>
+            <a:bodyPr rtlCol="0" anchor="ctr"/>
+            <a:lstStyle/>
+            <a:p>
+              <a:pPr algn="ctr"/>
+              <a:r>
+                <a:rPr kumimoji="1" lang="en-US" altLang="ja-JP" sz="2800" b="1" dirty="0"/>
+                <a:t>Bi LSTM</a:t>
+              </a:r>
+              <a:endParaRPr kumimoji="1" lang="ja-JP" altLang="en-US" sz="2800" b="1" dirty="0"/>
+            </a:p>
+          </p:txBody>
+        </p:sp>
+        <p:sp>
+          <p:nvSpPr>
+            <p:cNvPr id="5" name="正方形/長方形 4">
+              <a:extLst>
+                <a:ext uri="{FF2B5EF4-FFF2-40B4-BE49-F238E27FC236}">
+                  <a16:creationId xmlns:a16="http://schemas.microsoft.com/office/drawing/2014/main" id="{26FC1CCF-B789-4C9C-8D47-91F33CD87A2C}"/>
+                </a:ext>
+              </a:extLst>
+            </p:cNvPr>
+            <p:cNvSpPr/>
+            <p:nvPr/>
+          </p:nvSpPr>
+          <p:spPr>
+            <a:xfrm>
+              <a:off x="5450889" y="1634602"/>
+              <a:ext cx="719091" cy="486052"/>
+            </a:xfrm>
+            <a:prstGeom prst="rect">
+              <a:avLst/>
+            </a:prstGeom>
+          </p:spPr>
+          <p:style>
+            <a:lnRef idx="2">
+              <a:schemeClr val="accent1">
+                <a:shade val="50000"/>
+              </a:schemeClr>
+            </a:lnRef>
+            <a:fillRef idx="1">
+              <a:schemeClr val="accent1"/>
+            </a:fillRef>
+            <a:effectRef idx="0">
+              <a:schemeClr val="accent1"/>
+            </a:effectRef>
+            <a:fontRef idx="minor">
+              <a:schemeClr val="lt1"/>
+            </a:fontRef>
+          </p:style>
+          <p:txBody>
+            <a:bodyPr rtlCol="0" anchor="ctr"/>
+            <a:lstStyle/>
+            <a:p>
+              <a:pPr algn="ctr"/>
+              <a:endParaRPr kumimoji="1" lang="ja-JP" altLang="en-US"/>
+            </a:p>
+          </p:txBody>
+        </p:sp>
+        <p:sp>
+          <p:nvSpPr>
+            <p:cNvPr id="6" name="正方形/長方形 5">
+              <a:extLst>
+                <a:ext uri="{FF2B5EF4-FFF2-40B4-BE49-F238E27FC236}">
+                  <a16:creationId xmlns:a16="http://schemas.microsoft.com/office/drawing/2014/main" id="{85A16A30-FFA8-4983-97BE-ACC4BD8CA1D0}"/>
+                </a:ext>
+              </a:extLst>
+            </p:cNvPr>
+            <p:cNvSpPr/>
+            <p:nvPr/>
+          </p:nvSpPr>
+          <p:spPr>
+            <a:xfrm>
+              <a:off x="7137647" y="1634602"/>
+              <a:ext cx="719091" cy="486052"/>
+            </a:xfrm>
+            <a:prstGeom prst="rect">
+              <a:avLst/>
+            </a:prstGeom>
+          </p:spPr>
+          <p:style>
+            <a:lnRef idx="2">
+              <a:schemeClr val="accent1">
+                <a:shade val="50000"/>
+              </a:schemeClr>
+            </a:lnRef>
+            <a:fillRef idx="1">
+              <a:schemeClr val="accent1"/>
+            </a:fillRef>
+            <a:effectRef idx="0">
+              <a:schemeClr val="accent1"/>
+            </a:effectRef>
+            <a:fontRef idx="minor">
+              <a:schemeClr val="lt1"/>
+            </a:fontRef>
+          </p:style>
+          <p:txBody>
+            <a:bodyPr rtlCol="0" anchor="ctr"/>
+            <a:lstStyle/>
+            <a:p>
+              <a:pPr algn="ctr"/>
+              <a:endParaRPr kumimoji="1" lang="ja-JP" altLang="en-US"/>
+            </a:p>
+          </p:txBody>
+        </p:sp>
+        <p:sp>
+          <p:nvSpPr>
+            <p:cNvPr id="7" name="正方形/長方形 6">
+              <a:extLst>
+                <a:ext uri="{FF2B5EF4-FFF2-40B4-BE49-F238E27FC236}">
+                  <a16:creationId xmlns:a16="http://schemas.microsoft.com/office/drawing/2014/main" id="{3EB15F8F-2CB0-4389-92AC-27EAF20125B5}"/>
+                </a:ext>
+              </a:extLst>
+            </p:cNvPr>
+            <p:cNvSpPr/>
+            <p:nvPr/>
+          </p:nvSpPr>
+          <p:spPr>
+            <a:xfrm>
+              <a:off x="3764131" y="1634602"/>
+              <a:ext cx="719091" cy="486052"/>
+            </a:xfrm>
+            <a:prstGeom prst="rect">
+              <a:avLst/>
+            </a:prstGeom>
+          </p:spPr>
+          <p:style>
+            <a:lnRef idx="2">
+              <a:schemeClr val="accent1">
+                <a:shade val="50000"/>
+              </a:schemeClr>
+            </a:lnRef>
+            <a:fillRef idx="1">
+              <a:schemeClr val="accent1"/>
+            </a:fillRef>
+            <a:effectRef idx="0">
+              <a:schemeClr val="accent1"/>
+            </a:effectRef>
+            <a:fontRef idx="minor">
+              <a:schemeClr val="lt1"/>
+            </a:fontRef>
+          </p:style>
+          <p:txBody>
+            <a:bodyPr rtlCol="0" anchor="ctr"/>
+            <a:lstStyle/>
+            <a:p>
+              <a:pPr algn="ctr"/>
+              <a:endParaRPr kumimoji="1" lang="ja-JP" altLang="en-US" dirty="0"/>
+            </a:p>
+          </p:txBody>
+        </p:sp>
         <mc:AlternateContent xmlns:mc="http://schemas.openxmlformats.org/markup-compatibility/2006">
           <mc:Choice xmlns:a14="http://schemas.microsoft.com/office/drawing/2010/main" Requires="a14">
             <p:sp>
@@ -3903,7 +5557,7 @@
               </p:nvSpPr>
               <p:spPr>
                 <a:xfrm>
-                  <a:off x="5280491" y="5859264"/>
+                  <a:off x="5058547" y="4845754"/>
                   <a:ext cx="1503768" cy="755288"/>
                 </a:xfrm>
                 <a:prstGeom prst="roundRect">
@@ -4027,7 +5681,7 @@
               </p:nvSpPr>
               <p:spPr>
                 <a:xfrm>
-                  <a:off x="5280491" y="5859264"/>
+                  <a:off x="5058547" y="4845754"/>
                   <a:ext cx="1503768" cy="755288"/>
                 </a:xfrm>
                 <a:prstGeom prst="roundRect">
@@ -4079,7 +5733,7 @@
               </p:nvSpPr>
               <p:spPr>
                 <a:xfrm>
-                  <a:off x="3593733" y="5859264"/>
+                  <a:off x="3371791" y="4845754"/>
                   <a:ext cx="1503768" cy="755288"/>
                 </a:xfrm>
                 <a:prstGeom prst="roundRect">
@@ -4203,7 +5857,7 @@
               </p:nvSpPr>
               <p:spPr>
                 <a:xfrm>
-                  <a:off x="3593733" y="5859264"/>
+                  <a:off x="3371791" y="4845754"/>
                   <a:ext cx="1503768" cy="755288"/>
                 </a:xfrm>
                 <a:prstGeom prst="roundRect">
@@ -4255,7 +5909,7 @@
               </p:nvSpPr>
               <p:spPr>
                 <a:xfrm>
-                  <a:off x="6967249" y="5859264"/>
+                  <a:off x="6745302" y="4845754"/>
                   <a:ext cx="1503768" cy="755288"/>
                 </a:xfrm>
                 <a:prstGeom prst="roundRect">
@@ -4379,7 +6033,7 @@
               </p:nvSpPr>
               <p:spPr>
                 <a:xfrm>
-                  <a:off x="6967249" y="5859264"/>
+                  <a:off x="6745302" y="4845754"/>
                   <a:ext cx="1503768" cy="755288"/>
                 </a:xfrm>
                 <a:prstGeom prst="roundRect">
@@ -4429,7 +6083,7 @@
           </p:nvSpPr>
           <p:spPr>
             <a:xfrm>
-              <a:off x="3986072" y="5261130"/>
+              <a:off x="3764130" y="3450084"/>
               <a:ext cx="719091" cy="486052"/>
             </a:xfrm>
             <a:prstGeom prst="rect">
@@ -4470,10 +6124,21 @@
             <a:p>
               <a:pPr algn="ctr"/>
               <a:r>
-                <a:rPr kumimoji="1" lang="en-US" altLang="ja-JP" sz="1600" b="1" dirty="0" err="1"/>
-                <a:t>Emb</a:t>
+                <a:rPr kumimoji="1" lang="en-US" altLang="ja-JP" sz="1400" b="1" dirty="0"/>
+                <a:t>[CLS]</a:t>
               </a:r>
-              <a:endParaRPr kumimoji="1" lang="ja-JP" altLang="en-US" sz="1600" b="1" dirty="0"/>
+            </a:p>
+            <a:p>
+              <a:pPr algn="ctr"/>
+              <a:r>
+                <a:rPr lang="en-US" altLang="ja-JP" sz="1400" b="1" dirty="0" err="1"/>
+                <a:t>Vec</a:t>
+              </a:r>
+              <a:r>
+                <a:rPr lang="en-US" altLang="ja-JP" sz="1400" b="1" dirty="0"/>
+                <a:t> 1</a:t>
+              </a:r>
+              <a:endParaRPr kumimoji="1" lang="ja-JP" altLang="en-US" sz="1400" b="1" dirty="0"/>
             </a:p>
           </p:txBody>
         </p:sp>
@@ -4491,7 +6156,7 @@
           </p:nvSpPr>
           <p:spPr>
             <a:xfrm>
-              <a:off x="5672830" y="5261130"/>
+              <a:off x="5450888" y="3450084"/>
               <a:ext cx="719091" cy="486052"/>
             </a:xfrm>
             <a:prstGeom prst="rect">
@@ -4532,10 +6197,21 @@
             <a:p>
               <a:pPr algn="ctr"/>
               <a:r>
-                <a:rPr lang="en-US" altLang="ja-JP" sz="1600" b="1" dirty="0" err="1"/>
-                <a:t>Emb</a:t>
+                <a:rPr lang="en-US" altLang="ja-JP" sz="1400" b="1" dirty="0"/>
+                <a:t>[CLS]</a:t>
               </a:r>
-              <a:endParaRPr lang="ja-JP" altLang="en-US" sz="1600" b="1" dirty="0"/>
+            </a:p>
+            <a:p>
+              <a:pPr algn="ctr"/>
+              <a:r>
+                <a:rPr lang="en-US" altLang="ja-JP" sz="1400" b="1" dirty="0" err="1"/>
+                <a:t>Vec</a:t>
+              </a:r>
+              <a:r>
+                <a:rPr lang="en-US" altLang="ja-JP" sz="1400" b="1" dirty="0"/>
+                <a:t> 2</a:t>
+              </a:r>
+              <a:endParaRPr lang="ja-JP" altLang="en-US" sz="1400" b="1" dirty="0"/>
             </a:p>
           </p:txBody>
         </p:sp>
@@ -4553,7 +6229,7 @@
           </p:nvSpPr>
           <p:spPr>
             <a:xfrm>
-              <a:off x="7359587" y="5261130"/>
+              <a:off x="7137645" y="3450084"/>
               <a:ext cx="719091" cy="486052"/>
             </a:xfrm>
             <a:prstGeom prst="rect">
@@ -4594,10 +6270,21 @@
             <a:p>
               <a:pPr algn="ctr"/>
               <a:r>
-                <a:rPr lang="en-US" altLang="ja-JP" sz="1600" b="1" dirty="0" err="1"/>
-                <a:t>Emb</a:t>
+                <a:rPr lang="en-US" altLang="ja-JP" sz="1400" b="1" dirty="0"/>
+                <a:t>[CLS]</a:t>
               </a:r>
-              <a:endParaRPr lang="ja-JP" altLang="en-US" sz="1600" b="1" dirty="0"/>
+            </a:p>
+            <a:p>
+              <a:pPr algn="ctr"/>
+              <a:r>
+                <a:rPr lang="en-US" altLang="ja-JP" sz="1400" b="1" dirty="0" err="1"/>
+                <a:t>Vec</a:t>
+              </a:r>
+              <a:r>
+                <a:rPr lang="en-US" altLang="ja-JP" sz="1400" b="1" dirty="0"/>
+                <a:t> 3</a:t>
+              </a:r>
+              <a:endParaRPr lang="ja-JP" altLang="en-US" sz="1400" b="1" dirty="0"/>
             </a:p>
           </p:txBody>
         </p:sp>
@@ -4615,7 +6302,7 @@
           </p:nvSpPr>
           <p:spPr>
             <a:xfrm>
-              <a:off x="5672829" y="2428047"/>
+              <a:off x="5450887" y="617001"/>
               <a:ext cx="719091" cy="665825"/>
             </a:xfrm>
             <a:prstGeom prst="ellipse">
@@ -4690,7 +6377,7 @@
           </p:nvCxnSpPr>
           <p:spPr>
             <a:xfrm flipV="1">
-              <a:off x="4345619" y="3931700"/>
+              <a:off x="4123677" y="2120654"/>
               <a:ext cx="0" cy="301841"/>
             </a:xfrm>
             <a:prstGeom prst="straightConnector1">
@@ -4738,8 +6425,8 @@
           </p:nvCxnSpPr>
           <p:spPr>
             <a:xfrm flipV="1">
-              <a:off x="6032376" y="3931700"/>
-              <a:ext cx="1" cy="301842"/>
+              <a:off x="5810435" y="2120654"/>
+              <a:ext cx="0" cy="298897"/>
             </a:xfrm>
             <a:prstGeom prst="straightConnector1">
               <a:avLst/>
@@ -4785,7 +6472,7 @@
           </p:nvCxnSpPr>
           <p:spPr>
             <a:xfrm flipV="1">
-              <a:off x="7719135" y="3931700"/>
+              <a:off x="7497193" y="2120654"/>
               <a:ext cx="0" cy="301841"/>
             </a:xfrm>
             <a:prstGeom prst="straightConnector1">
@@ -4832,7 +6519,7 @@
           </p:nvCxnSpPr>
           <p:spPr>
             <a:xfrm flipV="1">
-              <a:off x="4345618" y="5149047"/>
+              <a:off x="4123676" y="3338001"/>
               <a:ext cx="1" cy="112083"/>
             </a:xfrm>
             <a:prstGeom prst="straightConnector1">
@@ -4878,7 +6565,7 @@
           </p:nvCxnSpPr>
           <p:spPr>
             <a:xfrm flipV="1">
-              <a:off x="4345617" y="5747181"/>
+              <a:off x="4123674" y="4733672"/>
               <a:ext cx="1" cy="112083"/>
             </a:xfrm>
             <a:prstGeom prst="straightConnector1">
@@ -4924,7 +6611,7 @@
           </p:nvCxnSpPr>
           <p:spPr>
             <a:xfrm flipV="1">
-              <a:off x="6032373" y="5149046"/>
+              <a:off x="5810431" y="3338000"/>
               <a:ext cx="1" cy="112083"/>
             </a:xfrm>
             <a:prstGeom prst="straightConnector1">
@@ -4970,7 +6657,7 @@
           </p:nvCxnSpPr>
           <p:spPr>
             <a:xfrm flipV="1">
-              <a:off x="6032373" y="5747180"/>
+              <a:off x="5810430" y="4733671"/>
               <a:ext cx="1" cy="112083"/>
             </a:xfrm>
             <a:prstGeom prst="straightConnector1">
@@ -5016,7 +6703,7 @@
           </p:nvCxnSpPr>
           <p:spPr>
             <a:xfrm flipV="1">
-              <a:off x="7719128" y="5149046"/>
+              <a:off x="7497186" y="3338000"/>
               <a:ext cx="1" cy="112083"/>
             </a:xfrm>
             <a:prstGeom prst="straightConnector1">
@@ -5062,7 +6749,7 @@
           </p:nvCxnSpPr>
           <p:spPr>
             <a:xfrm flipV="1">
-              <a:off x="7719128" y="5747180"/>
+              <a:off x="7497185" y="4733671"/>
               <a:ext cx="1" cy="112083"/>
             </a:xfrm>
             <a:prstGeom prst="straightConnector1">
@@ -5110,7 +6797,7 @@
           </p:nvCxnSpPr>
           <p:spPr>
             <a:xfrm flipV="1">
-              <a:off x="4345619" y="2760960"/>
+              <a:off x="4123677" y="949914"/>
               <a:ext cx="1327210" cy="684688"/>
             </a:xfrm>
             <a:prstGeom prst="straightConnector1">
@@ -5158,7 +6845,7 @@
           </p:nvCxnSpPr>
           <p:spPr>
             <a:xfrm flipH="1" flipV="1">
-              <a:off x="6032375" y="3093872"/>
+              <a:off x="5810433" y="1282826"/>
               <a:ext cx="2" cy="351776"/>
             </a:xfrm>
             <a:prstGeom prst="straightConnector1">
@@ -5206,7 +6893,7 @@
           </p:nvCxnSpPr>
           <p:spPr>
             <a:xfrm flipH="1" flipV="1">
-              <a:off x="6391920" y="2760960"/>
+              <a:off x="6169978" y="949914"/>
               <a:ext cx="1327215" cy="684688"/>
             </a:xfrm>
             <a:prstGeom prst="straightConnector1">
@@ -5236,11 +6923,271 @@
             </a:fontRef>
           </p:style>
         </p:cxnSp>
+        <p:cxnSp>
+          <p:nvCxnSpPr>
+            <p:cNvPr id="27" name="直線矢印コネクタ 26">
+              <a:extLst>
+                <a:ext uri="{FF2B5EF4-FFF2-40B4-BE49-F238E27FC236}">
+                  <a16:creationId xmlns:a16="http://schemas.microsoft.com/office/drawing/2014/main" id="{B408452D-184A-4575-BAF4-A9EEE69498F4}"/>
+                </a:ext>
+              </a:extLst>
+            </p:cNvPr>
+            <p:cNvCxnSpPr>
+              <a:cxnSpLocks/>
+            </p:cNvCxnSpPr>
+            <p:nvPr/>
+          </p:nvCxnSpPr>
+          <p:spPr>
+            <a:xfrm flipV="1">
+              <a:off x="4123673" y="3936137"/>
+              <a:ext cx="1" cy="112083"/>
+            </a:xfrm>
+            <a:prstGeom prst="straightConnector1">
+              <a:avLst/>
+            </a:prstGeom>
+            <a:ln w="6350">
+              <a:solidFill>
+                <a:schemeClr val="accent2">
+                  <a:lumMod val="75000"/>
+                </a:schemeClr>
+              </a:solidFill>
+              <a:tailEnd type="triangle"/>
+            </a:ln>
+          </p:spPr>
+          <p:style>
+            <a:lnRef idx="1">
+              <a:schemeClr val="accent1"/>
+            </a:lnRef>
+            <a:fillRef idx="0">
+              <a:schemeClr val="accent1"/>
+            </a:fillRef>
+            <a:effectRef idx="0">
+              <a:schemeClr val="accent1"/>
+            </a:effectRef>
+            <a:fontRef idx="minor">
+              <a:schemeClr val="tx1"/>
+            </a:fontRef>
+          </p:style>
+        </p:cxnSp>
+        <p:cxnSp>
+          <p:nvCxnSpPr>
+            <p:cNvPr id="29" name="直線矢印コネクタ 28">
+              <a:extLst>
+                <a:ext uri="{FF2B5EF4-FFF2-40B4-BE49-F238E27FC236}">
+                  <a16:creationId xmlns:a16="http://schemas.microsoft.com/office/drawing/2014/main" id="{C8869595-4C34-4E42-9667-E705DF70F9C3}"/>
+                </a:ext>
+              </a:extLst>
+            </p:cNvPr>
+            <p:cNvCxnSpPr>
+              <a:cxnSpLocks/>
+            </p:cNvCxnSpPr>
+            <p:nvPr/>
+          </p:nvCxnSpPr>
+          <p:spPr>
+            <a:xfrm flipV="1">
+              <a:off x="5810429" y="3936136"/>
+              <a:ext cx="1" cy="112083"/>
+            </a:xfrm>
+            <a:prstGeom prst="straightConnector1">
+              <a:avLst/>
+            </a:prstGeom>
+            <a:ln w="6350">
+              <a:solidFill>
+                <a:schemeClr val="accent2">
+                  <a:lumMod val="75000"/>
+                </a:schemeClr>
+              </a:solidFill>
+              <a:tailEnd type="triangle"/>
+            </a:ln>
+          </p:spPr>
+          <p:style>
+            <a:lnRef idx="1">
+              <a:schemeClr val="accent1"/>
+            </a:lnRef>
+            <a:fillRef idx="0">
+              <a:schemeClr val="accent1"/>
+            </a:fillRef>
+            <a:effectRef idx="0">
+              <a:schemeClr val="accent1"/>
+            </a:effectRef>
+            <a:fontRef idx="minor">
+              <a:schemeClr val="tx1"/>
+            </a:fontRef>
+          </p:style>
+        </p:cxnSp>
+        <p:cxnSp>
+          <p:nvCxnSpPr>
+            <p:cNvPr id="30" name="直線矢印コネクタ 29">
+              <a:extLst>
+                <a:ext uri="{FF2B5EF4-FFF2-40B4-BE49-F238E27FC236}">
+                  <a16:creationId xmlns:a16="http://schemas.microsoft.com/office/drawing/2014/main" id="{5386954F-F6F7-4C60-9E0B-E1450EB67A3B}"/>
+                </a:ext>
+              </a:extLst>
+            </p:cNvPr>
+            <p:cNvCxnSpPr>
+              <a:cxnSpLocks/>
+            </p:cNvCxnSpPr>
+            <p:nvPr/>
+          </p:nvCxnSpPr>
+          <p:spPr>
+            <a:xfrm flipV="1">
+              <a:off x="7497184" y="3936136"/>
+              <a:ext cx="1" cy="112083"/>
+            </a:xfrm>
+            <a:prstGeom prst="straightConnector1">
+              <a:avLst/>
+            </a:prstGeom>
+            <a:ln w="6350">
+              <a:solidFill>
+                <a:schemeClr val="accent2">
+                  <a:lumMod val="75000"/>
+                </a:schemeClr>
+              </a:solidFill>
+              <a:tailEnd type="triangle"/>
+            </a:ln>
+          </p:spPr>
+          <p:style>
+            <a:lnRef idx="1">
+              <a:schemeClr val="accent1"/>
+            </a:lnRef>
+            <a:fillRef idx="0">
+              <a:schemeClr val="accent1"/>
+            </a:fillRef>
+            <a:effectRef idx="0">
+              <a:schemeClr val="accent1"/>
+            </a:effectRef>
+            <a:fontRef idx="minor">
+              <a:schemeClr val="tx1"/>
+            </a:fontRef>
+          </p:style>
+        </p:cxnSp>
+        <p:sp>
+          <p:nvSpPr>
+            <p:cNvPr id="2" name="正方形/長方形 1">
+              <a:extLst>
+                <a:ext uri="{FF2B5EF4-FFF2-40B4-BE49-F238E27FC236}">
+                  <a16:creationId xmlns:a16="http://schemas.microsoft.com/office/drawing/2014/main" id="{D3186BDE-4196-4486-A945-D9D7974A8A94}"/>
+                </a:ext>
+              </a:extLst>
+            </p:cNvPr>
+            <p:cNvSpPr/>
+            <p:nvPr/>
+          </p:nvSpPr>
+          <p:spPr>
+            <a:xfrm>
+              <a:off x="3446109" y="4048219"/>
+              <a:ext cx="4728640" cy="685451"/>
+            </a:xfrm>
+            <a:prstGeom prst="rect">
+              <a:avLst/>
+            </a:prstGeom>
+            <a:solidFill>
+              <a:schemeClr val="accent4"/>
+            </a:solidFill>
+            <a:ln>
+              <a:solidFill>
+                <a:schemeClr val="accent4">
+                  <a:lumMod val="75000"/>
+                </a:schemeClr>
+              </a:solidFill>
+            </a:ln>
+          </p:spPr>
+          <p:style>
+            <a:lnRef idx="2">
+              <a:schemeClr val="accent1">
+                <a:shade val="50000"/>
+              </a:schemeClr>
+            </a:lnRef>
+            <a:fillRef idx="1">
+              <a:schemeClr val="accent1"/>
+            </a:fillRef>
+            <a:effectRef idx="0">
+              <a:schemeClr val="accent1"/>
+            </a:effectRef>
+            <a:fontRef idx="minor">
+              <a:schemeClr val="lt1"/>
+            </a:fontRef>
+          </p:style>
+          <p:txBody>
+            <a:bodyPr rtlCol="0" anchor="ctr"/>
+            <a:lstStyle/>
+            <a:p>
+              <a:pPr algn="ctr"/>
+              <a:r>
+                <a:rPr kumimoji="1" lang="en-US" altLang="ja-JP" sz="3600" b="1" dirty="0"/>
+                <a:t>BERT</a:t>
+              </a:r>
+              <a:r>
+                <a:rPr kumimoji="1" lang="ja-JP" altLang="en-US" dirty="0"/>
+                <a:t> </a:t>
+              </a:r>
+            </a:p>
+          </p:txBody>
+        </p:sp>
+        <p:sp>
+          <p:nvSpPr>
+            <p:cNvPr id="17" name="テキスト ボックス 16">
+              <a:extLst>
+                <a:ext uri="{FF2B5EF4-FFF2-40B4-BE49-F238E27FC236}">
+                  <a16:creationId xmlns:a16="http://schemas.microsoft.com/office/drawing/2014/main" id="{79D28BB4-3D88-43B7-A51E-C5BE913235D5}"/>
+                </a:ext>
+              </a:extLst>
+            </p:cNvPr>
+            <p:cNvSpPr txBox="1"/>
+            <p:nvPr/>
+          </p:nvSpPr>
+          <p:spPr>
+            <a:xfrm>
+              <a:off x="3726101" y="5713125"/>
+              <a:ext cx="4168656" cy="369332"/>
+            </a:xfrm>
+            <a:prstGeom prst="rect">
+              <a:avLst/>
+            </a:prstGeom>
+            <a:noFill/>
+          </p:spPr>
+          <p:txBody>
+            <a:bodyPr wrap="square" rtlCol="0">
+              <a:spAutoFit/>
+            </a:bodyPr>
+            <a:lstStyle/>
+            <a:p>
+              <a:r>
+                <a:rPr kumimoji="1" lang="ja-JP" altLang="en-US" dirty="0"/>
+                <a:t>連続する </a:t>
+              </a:r>
+              <a:r>
+                <a:rPr kumimoji="1" lang="en-US" altLang="ja-JP" dirty="0"/>
+                <a:t>n </a:t>
+              </a:r>
+              <a:r>
+                <a:rPr kumimoji="1" lang="ja-JP" altLang="en-US" dirty="0"/>
+                <a:t>文のセリフの </a:t>
+              </a:r>
+              <a:r>
+                <a:rPr kumimoji="1" lang="en-US" altLang="ja-JP" dirty="0"/>
+                <a:t>BERT</a:t>
+              </a:r>
+              <a:r>
+                <a:rPr kumimoji="1" lang="ja-JP" altLang="en-US" dirty="0"/>
+                <a:t> </a:t>
+              </a:r>
+              <a:r>
+                <a:rPr kumimoji="1" lang="en-US" altLang="ja-JP" dirty="0"/>
+                <a:t>id </a:t>
+              </a:r>
+              <a:r>
+                <a:rPr kumimoji="1" lang="ja-JP" altLang="en-US" dirty="0"/>
+                <a:t>列</a:t>
+              </a:r>
+            </a:p>
+          </p:txBody>
+        </p:sp>
       </p:grpSp>
     </p:spTree>
     <p:extLst>
       <p:ext uri="{BB962C8B-B14F-4D97-AF65-F5344CB8AC3E}">
-        <p14:creationId xmlns:p14="http://schemas.microsoft.com/office/powerpoint/2010/main" val="3667563251"/>
+        <p14:creationId xmlns:p14="http://schemas.microsoft.com/office/powerpoint/2010/main" val="3460404762"/>
       </p:ext>
     </p:extLst>
   </p:cSld>

--- a/Weekly_Report/2020_zenki/4_15/2020_4_15.pptx
+++ b/Weekly_Report/2020_zenki/4_15/2020_4_15.pptx
@@ -260,7 +260,7 @@
           <a:p>
             <a:fld id="{947E86A9-F887-4A73-8CC7-5EAFDEE0F179}" type="datetimeFigureOut">
               <a:rPr kumimoji="1" lang="ja-JP" altLang="en-US" smtClean="0"/>
-              <a:t>2020/6/17</a:t>
+              <a:t>2020/6/29</a:t>
             </a:fld>
             <a:endParaRPr kumimoji="1" lang="ja-JP" altLang="en-US"/>
           </a:p>
@@ -490,7 +490,7 @@
           <a:p>
             <a:fld id="{947E86A9-F887-4A73-8CC7-5EAFDEE0F179}" type="datetimeFigureOut">
               <a:rPr kumimoji="1" lang="ja-JP" altLang="en-US" smtClean="0"/>
-              <a:t>2020/6/17</a:t>
+              <a:t>2020/6/29</a:t>
             </a:fld>
             <a:endParaRPr kumimoji="1" lang="ja-JP" altLang="en-US"/>
           </a:p>
@@ -730,7 +730,7 @@
           <a:p>
             <a:fld id="{947E86A9-F887-4A73-8CC7-5EAFDEE0F179}" type="datetimeFigureOut">
               <a:rPr kumimoji="1" lang="ja-JP" altLang="en-US" smtClean="0"/>
-              <a:t>2020/6/17</a:t>
+              <a:t>2020/6/29</a:t>
             </a:fld>
             <a:endParaRPr kumimoji="1" lang="ja-JP" altLang="en-US"/>
           </a:p>
@@ -960,7 +960,7 @@
           <a:p>
             <a:fld id="{947E86A9-F887-4A73-8CC7-5EAFDEE0F179}" type="datetimeFigureOut">
               <a:rPr kumimoji="1" lang="ja-JP" altLang="en-US" smtClean="0"/>
-              <a:t>2020/6/17</a:t>
+              <a:t>2020/6/29</a:t>
             </a:fld>
             <a:endParaRPr kumimoji="1" lang="ja-JP" altLang="en-US"/>
           </a:p>
@@ -1235,7 +1235,7 @@
           <a:p>
             <a:fld id="{947E86A9-F887-4A73-8CC7-5EAFDEE0F179}" type="datetimeFigureOut">
               <a:rPr kumimoji="1" lang="ja-JP" altLang="en-US" smtClean="0"/>
-              <a:t>2020/6/17</a:t>
+              <a:t>2020/6/29</a:t>
             </a:fld>
             <a:endParaRPr kumimoji="1" lang="ja-JP" altLang="en-US"/>
           </a:p>
@@ -1564,7 +1564,7 @@
           <a:p>
             <a:fld id="{947E86A9-F887-4A73-8CC7-5EAFDEE0F179}" type="datetimeFigureOut">
               <a:rPr kumimoji="1" lang="ja-JP" altLang="en-US" smtClean="0"/>
-              <a:t>2020/6/17</a:t>
+              <a:t>2020/6/29</a:t>
             </a:fld>
             <a:endParaRPr kumimoji="1" lang="ja-JP" altLang="en-US"/>
           </a:p>
@@ -2040,7 +2040,7 @@
           <a:p>
             <a:fld id="{947E86A9-F887-4A73-8CC7-5EAFDEE0F179}" type="datetimeFigureOut">
               <a:rPr kumimoji="1" lang="ja-JP" altLang="en-US" smtClean="0"/>
-              <a:t>2020/6/17</a:t>
+              <a:t>2020/6/29</a:t>
             </a:fld>
             <a:endParaRPr kumimoji="1" lang="ja-JP" altLang="en-US"/>
           </a:p>
@@ -2181,7 +2181,7 @@
           <a:p>
             <a:fld id="{947E86A9-F887-4A73-8CC7-5EAFDEE0F179}" type="datetimeFigureOut">
               <a:rPr kumimoji="1" lang="ja-JP" altLang="en-US" smtClean="0"/>
-              <a:t>2020/6/17</a:t>
+              <a:t>2020/6/29</a:t>
             </a:fld>
             <a:endParaRPr kumimoji="1" lang="ja-JP" altLang="en-US"/>
           </a:p>
@@ -2294,7 +2294,7 @@
           <a:p>
             <a:fld id="{947E86A9-F887-4A73-8CC7-5EAFDEE0F179}" type="datetimeFigureOut">
               <a:rPr kumimoji="1" lang="ja-JP" altLang="en-US" smtClean="0"/>
-              <a:t>2020/6/17</a:t>
+              <a:t>2020/6/29</a:t>
             </a:fld>
             <a:endParaRPr kumimoji="1" lang="ja-JP" altLang="en-US"/>
           </a:p>
@@ -2637,7 +2637,7 @@
           <a:p>
             <a:fld id="{947E86A9-F887-4A73-8CC7-5EAFDEE0F179}" type="datetimeFigureOut">
               <a:rPr kumimoji="1" lang="ja-JP" altLang="en-US" smtClean="0"/>
-              <a:t>2020/6/17</a:t>
+              <a:t>2020/6/29</a:t>
             </a:fld>
             <a:endParaRPr kumimoji="1" lang="ja-JP" altLang="en-US"/>
           </a:p>
@@ -2925,7 +2925,7 @@
           <a:p>
             <a:fld id="{947E86A9-F887-4A73-8CC7-5EAFDEE0F179}" type="datetimeFigureOut">
               <a:rPr kumimoji="1" lang="ja-JP" altLang="en-US" smtClean="0"/>
-              <a:t>2020/6/17</a:t>
+              <a:t>2020/6/29</a:t>
             </a:fld>
             <a:endParaRPr kumimoji="1" lang="ja-JP" altLang="en-US"/>
           </a:p>
@@ -3198,7 +3198,7 @@
           <a:p>
             <a:fld id="{947E86A9-F887-4A73-8CC7-5EAFDEE0F179}" type="datetimeFigureOut">
               <a:rPr kumimoji="1" lang="ja-JP" altLang="en-US" smtClean="0"/>
-              <a:t>2020/6/17</a:t>
+              <a:t>2020/6/29</a:t>
             </a:fld>
             <a:endParaRPr kumimoji="1" lang="ja-JP" altLang="en-US"/>
           </a:p>
@@ -5270,10 +5270,10 @@
       </p:grpSpPr>
       <p:grpSp>
         <p:nvGrpSpPr>
-          <p:cNvPr id="20" name="グループ化 19">
+          <p:cNvPr id="55" name="グループ化 54">
             <a:extLst>
               <a:ext uri="{FF2B5EF4-FFF2-40B4-BE49-F238E27FC236}">
-                <a16:creationId xmlns:a16="http://schemas.microsoft.com/office/drawing/2014/main" id="{19CA5CD6-A027-4656-BA63-854984B54CF8}"/>
+                <a16:creationId xmlns:a16="http://schemas.microsoft.com/office/drawing/2014/main" id="{C743BD62-E959-41CF-A218-240842DA8F78}"/>
               </a:ext>
             </a:extLst>
           </p:cNvPr>
@@ -5282,1757 +5282,1936 @@
         </p:nvGrpSpPr>
         <p:grpSpPr>
           <a:xfrm>
-            <a:off x="3133004" y="307652"/>
-            <a:ext cx="5095782" cy="5465456"/>
-            <a:chOff x="3262544" y="617001"/>
-            <a:chExt cx="5095782" cy="5465456"/>
+            <a:off x="3047855" y="719092"/>
+            <a:ext cx="3912237" cy="5609105"/>
+            <a:chOff x="3003468" y="318633"/>
+            <a:chExt cx="3854786" cy="5476903"/>
           </a:xfrm>
         </p:grpSpPr>
-        <p:sp>
-          <p:nvSpPr>
-            <p:cNvPr id="15" name="正方形/長方形 14">
+        <p:grpSp>
+          <p:nvGrpSpPr>
+            <p:cNvPr id="20" name="グループ化 19">
               <a:extLst>
                 <a:ext uri="{FF2B5EF4-FFF2-40B4-BE49-F238E27FC236}">
-                  <a16:creationId xmlns:a16="http://schemas.microsoft.com/office/drawing/2014/main" id="{229A1D4D-59BC-413F-9C7A-A75466EFC610}"/>
+                  <a16:creationId xmlns:a16="http://schemas.microsoft.com/office/drawing/2014/main" id="{19CA5CD6-A027-4656-BA63-854984B54CF8}"/>
                 </a:ext>
               </a:extLst>
             </p:cNvPr>
-            <p:cNvSpPr/>
+            <p:cNvGrpSpPr/>
             <p:nvPr/>
-          </p:nvSpPr>
-          <p:spPr>
+          </p:nvGrpSpPr>
+          <p:grpSpPr>
             <a:xfrm>
-              <a:off x="3595456" y="1472585"/>
-              <a:ext cx="4456590" cy="837828"/>
+              <a:off x="3012892" y="815948"/>
+              <a:ext cx="3845362" cy="4979588"/>
+              <a:chOff x="3092769" y="1057175"/>
+              <a:chExt cx="5435320" cy="5048016"/>
             </a:xfrm>
-            <a:prstGeom prst="rect">
-              <a:avLst/>
-            </a:prstGeom>
-            <a:solidFill>
-              <a:schemeClr val="accent5">
-                <a:lumMod val="20000"/>
-                <a:lumOff val="80000"/>
-              </a:schemeClr>
-            </a:solidFill>
-          </p:spPr>
-          <p:style>
-            <a:lnRef idx="2">
-              <a:schemeClr val="accent1">
-                <a:shade val="50000"/>
-              </a:schemeClr>
-            </a:lnRef>
-            <a:fillRef idx="1">
-              <a:schemeClr val="accent1"/>
-            </a:fillRef>
-            <a:effectRef idx="0">
-              <a:schemeClr val="accent1"/>
-            </a:effectRef>
-            <a:fontRef idx="minor">
-              <a:schemeClr val="lt1"/>
-            </a:fontRef>
-          </p:style>
-          <p:txBody>
-            <a:bodyPr rtlCol="0" anchor="ctr"/>
-            <a:lstStyle/>
-            <a:p>
-              <a:pPr algn="ctr"/>
-              <a:endParaRPr kumimoji="1" lang="ja-JP" altLang="en-US"/>
-            </a:p>
-          </p:txBody>
-        </p:sp>
-        <p:sp>
-          <p:nvSpPr>
-            <p:cNvPr id="4" name="四角形: 角を丸くする 3">
-              <a:extLst>
-                <a:ext uri="{FF2B5EF4-FFF2-40B4-BE49-F238E27FC236}">
-                  <a16:creationId xmlns:a16="http://schemas.microsoft.com/office/drawing/2014/main" id="{8CE5FD73-3703-49A2-B80D-99005EC55B78}"/>
-                </a:ext>
-              </a:extLst>
-            </p:cNvPr>
-            <p:cNvSpPr/>
-            <p:nvPr/>
-          </p:nvSpPr>
-          <p:spPr>
-            <a:xfrm>
-              <a:off x="3262544" y="2419551"/>
-              <a:ext cx="5095782" cy="915505"/>
-            </a:xfrm>
-            <a:prstGeom prst="roundRect">
-              <a:avLst/>
-            </a:prstGeom>
-            <a:solidFill>
-              <a:schemeClr val="bg2">
-                <a:lumMod val="25000"/>
-              </a:schemeClr>
-            </a:solidFill>
-            <a:ln>
+          </p:grpSpPr>
+          <p:sp>
+            <p:nvSpPr>
+              <p:cNvPr id="15" name="正方形/長方形 14">
+                <a:extLst>
+                  <a:ext uri="{FF2B5EF4-FFF2-40B4-BE49-F238E27FC236}">
+                    <a16:creationId xmlns:a16="http://schemas.microsoft.com/office/drawing/2014/main" id="{229A1D4D-59BC-413F-9C7A-A75466EFC610}"/>
+                  </a:ext>
+                </a:extLst>
+              </p:cNvPr>
+              <p:cNvSpPr/>
+              <p:nvPr/>
+            </p:nvSpPr>
+            <p:spPr>
+              <a:xfrm>
+                <a:off x="3568814" y="1688922"/>
+                <a:ext cx="4456589" cy="837828"/>
+              </a:xfrm>
+              <a:prstGeom prst="rect">
+                <a:avLst/>
+              </a:prstGeom>
               <a:solidFill>
-                <a:schemeClr val="tx1">
-                  <a:lumMod val="50000"/>
-                  <a:lumOff val="50000"/>
+                <a:schemeClr val="accent5">
+                  <a:lumMod val="20000"/>
+                  <a:lumOff val="80000"/>
                 </a:schemeClr>
               </a:solidFill>
-            </a:ln>
-          </p:spPr>
-          <p:style>
-            <a:lnRef idx="2">
-              <a:schemeClr val="accent1">
-                <a:shade val="50000"/>
-              </a:schemeClr>
-            </a:lnRef>
-            <a:fillRef idx="1">
-              <a:schemeClr val="accent1"/>
-            </a:fillRef>
-            <a:effectRef idx="0">
-              <a:schemeClr val="accent1"/>
-            </a:effectRef>
-            <a:fontRef idx="minor">
-              <a:schemeClr val="lt1"/>
-            </a:fontRef>
-          </p:style>
-          <p:txBody>
-            <a:bodyPr rtlCol="0" anchor="ctr"/>
-            <a:lstStyle/>
-            <a:p>
-              <a:pPr algn="ctr"/>
-              <a:r>
-                <a:rPr kumimoji="1" lang="en-US" altLang="ja-JP" sz="2800" b="1" dirty="0"/>
-                <a:t>Bi LSTM</a:t>
-              </a:r>
-              <a:endParaRPr kumimoji="1" lang="ja-JP" altLang="en-US" sz="2800" b="1" dirty="0"/>
-            </a:p>
-          </p:txBody>
-        </p:sp>
-        <p:sp>
-          <p:nvSpPr>
-            <p:cNvPr id="5" name="正方形/長方形 4">
-              <a:extLst>
-                <a:ext uri="{FF2B5EF4-FFF2-40B4-BE49-F238E27FC236}">
-                  <a16:creationId xmlns:a16="http://schemas.microsoft.com/office/drawing/2014/main" id="{26FC1CCF-B789-4C9C-8D47-91F33CD87A2C}"/>
-                </a:ext>
-              </a:extLst>
-            </p:cNvPr>
-            <p:cNvSpPr/>
-            <p:nvPr/>
-          </p:nvSpPr>
-          <p:spPr>
-            <a:xfrm>
-              <a:off x="5450889" y="1634602"/>
-              <a:ext cx="719091" cy="486052"/>
-            </a:xfrm>
-            <a:prstGeom prst="rect">
-              <a:avLst/>
-            </a:prstGeom>
-          </p:spPr>
-          <p:style>
-            <a:lnRef idx="2">
-              <a:schemeClr val="accent1">
-                <a:shade val="50000"/>
-              </a:schemeClr>
-            </a:lnRef>
-            <a:fillRef idx="1">
-              <a:schemeClr val="accent1"/>
-            </a:fillRef>
-            <a:effectRef idx="0">
-              <a:schemeClr val="accent1"/>
-            </a:effectRef>
-            <a:fontRef idx="minor">
-              <a:schemeClr val="lt1"/>
-            </a:fontRef>
-          </p:style>
-          <p:txBody>
-            <a:bodyPr rtlCol="0" anchor="ctr"/>
-            <a:lstStyle/>
-            <a:p>
-              <a:pPr algn="ctr"/>
-              <a:endParaRPr kumimoji="1" lang="ja-JP" altLang="en-US"/>
-            </a:p>
-          </p:txBody>
-        </p:sp>
-        <p:sp>
-          <p:nvSpPr>
-            <p:cNvPr id="6" name="正方形/長方形 5">
-              <a:extLst>
-                <a:ext uri="{FF2B5EF4-FFF2-40B4-BE49-F238E27FC236}">
-                  <a16:creationId xmlns:a16="http://schemas.microsoft.com/office/drawing/2014/main" id="{85A16A30-FFA8-4983-97BE-ACC4BD8CA1D0}"/>
-                </a:ext>
-              </a:extLst>
-            </p:cNvPr>
-            <p:cNvSpPr/>
-            <p:nvPr/>
-          </p:nvSpPr>
-          <p:spPr>
-            <a:xfrm>
-              <a:off x="7137647" y="1634602"/>
-              <a:ext cx="719091" cy="486052"/>
-            </a:xfrm>
-            <a:prstGeom prst="rect">
-              <a:avLst/>
-            </a:prstGeom>
-          </p:spPr>
-          <p:style>
-            <a:lnRef idx="2">
-              <a:schemeClr val="accent1">
-                <a:shade val="50000"/>
-              </a:schemeClr>
-            </a:lnRef>
-            <a:fillRef idx="1">
-              <a:schemeClr val="accent1"/>
-            </a:fillRef>
-            <a:effectRef idx="0">
-              <a:schemeClr val="accent1"/>
-            </a:effectRef>
-            <a:fontRef idx="minor">
-              <a:schemeClr val="lt1"/>
-            </a:fontRef>
-          </p:style>
-          <p:txBody>
-            <a:bodyPr rtlCol="0" anchor="ctr"/>
-            <a:lstStyle/>
-            <a:p>
-              <a:pPr algn="ctr"/>
-              <a:endParaRPr kumimoji="1" lang="ja-JP" altLang="en-US"/>
-            </a:p>
-          </p:txBody>
-        </p:sp>
-        <p:sp>
-          <p:nvSpPr>
-            <p:cNvPr id="7" name="正方形/長方形 6">
-              <a:extLst>
-                <a:ext uri="{FF2B5EF4-FFF2-40B4-BE49-F238E27FC236}">
-                  <a16:creationId xmlns:a16="http://schemas.microsoft.com/office/drawing/2014/main" id="{3EB15F8F-2CB0-4389-92AC-27EAF20125B5}"/>
-                </a:ext>
-              </a:extLst>
-            </p:cNvPr>
-            <p:cNvSpPr/>
-            <p:nvPr/>
-          </p:nvSpPr>
-          <p:spPr>
-            <a:xfrm>
-              <a:off x="3764131" y="1634602"/>
-              <a:ext cx="719091" cy="486052"/>
-            </a:xfrm>
-            <a:prstGeom prst="rect">
-              <a:avLst/>
-            </a:prstGeom>
-          </p:spPr>
-          <p:style>
-            <a:lnRef idx="2">
-              <a:schemeClr val="accent1">
-                <a:shade val="50000"/>
-              </a:schemeClr>
-            </a:lnRef>
-            <a:fillRef idx="1">
-              <a:schemeClr val="accent1"/>
-            </a:fillRef>
-            <a:effectRef idx="0">
-              <a:schemeClr val="accent1"/>
-            </a:effectRef>
-            <a:fontRef idx="minor">
-              <a:schemeClr val="lt1"/>
-            </a:fontRef>
-          </p:style>
-          <p:txBody>
-            <a:bodyPr rtlCol="0" anchor="ctr"/>
-            <a:lstStyle/>
-            <a:p>
-              <a:pPr algn="ctr"/>
-              <a:endParaRPr kumimoji="1" lang="ja-JP" altLang="en-US" dirty="0"/>
-            </a:p>
-          </p:txBody>
-        </p:sp>
-        <mc:AlternateContent xmlns:mc="http://schemas.openxmlformats.org/markup-compatibility/2006">
-          <mc:Choice xmlns:a14="http://schemas.microsoft.com/office/drawing/2010/main" Requires="a14">
-            <p:sp>
-              <p:nvSpPr>
-                <p:cNvPr id="9" name="四角形: 角を丸くする 8">
-                  <a:extLst>
-                    <a:ext uri="{FF2B5EF4-FFF2-40B4-BE49-F238E27FC236}">
-                      <a16:creationId xmlns:a16="http://schemas.microsoft.com/office/drawing/2014/main" id="{EEF59656-1619-4215-AE4C-8373FE829170}"/>
-                    </a:ext>
-                  </a:extLst>
-                </p:cNvPr>
-                <p:cNvSpPr/>
-                <p:nvPr/>
-              </p:nvSpPr>
-              <p:spPr>
-                <a:xfrm>
-                  <a:off x="5058547" y="4845754"/>
-                  <a:ext cx="1503768" cy="755288"/>
-                </a:xfrm>
-                <a:prstGeom prst="roundRect">
-                  <a:avLst/>
-                </a:prstGeom>
+            </p:spPr>
+            <p:style>
+              <a:lnRef idx="2">
+                <a:schemeClr val="accent1">
+                  <a:shade val="50000"/>
+                </a:schemeClr>
+              </a:lnRef>
+              <a:fillRef idx="1">
+                <a:schemeClr val="accent1"/>
+              </a:fillRef>
+              <a:effectRef idx="0">
+                <a:schemeClr val="accent1"/>
+              </a:effectRef>
+              <a:fontRef idx="minor">
+                <a:schemeClr val="lt1"/>
+              </a:fontRef>
+            </p:style>
+            <p:txBody>
+              <a:bodyPr rtlCol="0" anchor="ctr"/>
+              <a:lstStyle/>
+              <a:p>
+                <a:pPr algn="ctr"/>
+                <a:endParaRPr kumimoji="1" lang="ja-JP" altLang="en-US"/>
+              </a:p>
+            </p:txBody>
+          </p:sp>
+          <p:sp>
+            <p:nvSpPr>
+              <p:cNvPr id="4" name="四角形: 角を丸くする 3">
+                <a:extLst>
+                  <a:ext uri="{FF2B5EF4-FFF2-40B4-BE49-F238E27FC236}">
+                    <a16:creationId xmlns:a16="http://schemas.microsoft.com/office/drawing/2014/main" id="{8CE5FD73-3703-49A2-B80D-99005EC55B78}"/>
+                  </a:ext>
+                </a:extLst>
+              </p:cNvPr>
+              <p:cNvSpPr/>
+              <p:nvPr/>
+            </p:nvSpPr>
+            <p:spPr>
+              <a:xfrm>
+                <a:off x="3262544" y="2649606"/>
+                <a:ext cx="5095782" cy="685451"/>
+              </a:xfrm>
+              <a:prstGeom prst="roundRect">
+                <a:avLst/>
+              </a:prstGeom>
+              <a:solidFill>
+                <a:schemeClr val="bg2">
+                  <a:lumMod val="25000"/>
+                </a:schemeClr>
+              </a:solidFill>
+              <a:ln>
                 <a:solidFill>
-                  <a:schemeClr val="accent4">
-                    <a:lumMod val="60000"/>
-                    <a:lumOff val="40000"/>
-                    <a:alpha val="50000"/>
+                  <a:schemeClr val="tx1">
+                    <a:lumMod val="50000"/>
+                    <a:lumOff val="50000"/>
                   </a:schemeClr>
                 </a:solidFill>
-                <a:ln>
+              </a:ln>
+            </p:spPr>
+            <p:style>
+              <a:lnRef idx="2">
+                <a:schemeClr val="accent1">
+                  <a:shade val="50000"/>
+                </a:schemeClr>
+              </a:lnRef>
+              <a:fillRef idx="1">
+                <a:schemeClr val="accent1"/>
+              </a:fillRef>
+              <a:effectRef idx="0">
+                <a:schemeClr val="accent1"/>
+              </a:effectRef>
+              <a:fontRef idx="minor">
+                <a:schemeClr val="lt1"/>
+              </a:fontRef>
+            </p:style>
+            <p:txBody>
+              <a:bodyPr rtlCol="0" anchor="ctr"/>
+              <a:lstStyle/>
+              <a:p>
+                <a:pPr algn="ctr"/>
+                <a:r>
+                  <a:rPr kumimoji="1" lang="en-US" altLang="ja-JP" sz="2800" b="1" dirty="0"/>
+                  <a:t>Bi LSTM</a:t>
+                </a:r>
+                <a:endParaRPr kumimoji="1" lang="ja-JP" altLang="en-US" sz="2800" b="1" dirty="0"/>
+              </a:p>
+            </p:txBody>
+          </p:sp>
+          <p:sp>
+            <p:nvSpPr>
+              <p:cNvPr id="5" name="正方形/長方形 4">
+                <a:extLst>
+                  <a:ext uri="{FF2B5EF4-FFF2-40B4-BE49-F238E27FC236}">
+                    <a16:creationId xmlns:a16="http://schemas.microsoft.com/office/drawing/2014/main" id="{26FC1CCF-B789-4C9C-8D47-91F33CD87A2C}"/>
+                  </a:ext>
+                </a:extLst>
+              </p:cNvPr>
+              <p:cNvSpPr/>
+              <p:nvPr/>
+            </p:nvSpPr>
+            <p:spPr>
+              <a:xfrm>
+                <a:off x="5450888" y="1830509"/>
+                <a:ext cx="719091" cy="486052"/>
+              </a:xfrm>
+              <a:prstGeom prst="rect">
+                <a:avLst/>
+              </a:prstGeom>
+            </p:spPr>
+            <p:style>
+              <a:lnRef idx="2">
+                <a:schemeClr val="accent1">
+                  <a:shade val="50000"/>
+                </a:schemeClr>
+              </a:lnRef>
+              <a:fillRef idx="1">
+                <a:schemeClr val="accent1"/>
+              </a:fillRef>
+              <a:effectRef idx="0">
+                <a:schemeClr val="accent1"/>
+              </a:effectRef>
+              <a:fontRef idx="minor">
+                <a:schemeClr val="lt1"/>
+              </a:fontRef>
+            </p:style>
+            <p:txBody>
+              <a:bodyPr rtlCol="0" anchor="ctr"/>
+              <a:lstStyle/>
+              <a:p>
+                <a:pPr algn="ctr"/>
+                <a:endParaRPr kumimoji="1" lang="ja-JP" altLang="en-US"/>
+              </a:p>
+            </p:txBody>
+          </p:sp>
+          <p:sp>
+            <p:nvSpPr>
+              <p:cNvPr id="6" name="正方形/長方形 5">
+                <a:extLst>
+                  <a:ext uri="{FF2B5EF4-FFF2-40B4-BE49-F238E27FC236}">
+                    <a16:creationId xmlns:a16="http://schemas.microsoft.com/office/drawing/2014/main" id="{85A16A30-FFA8-4983-97BE-ACC4BD8CA1D0}"/>
+                  </a:ext>
+                </a:extLst>
+              </p:cNvPr>
+              <p:cNvSpPr/>
+              <p:nvPr/>
+            </p:nvSpPr>
+            <p:spPr>
+              <a:xfrm>
+                <a:off x="7124325" y="1830509"/>
+                <a:ext cx="719091" cy="486052"/>
+              </a:xfrm>
+              <a:prstGeom prst="rect">
+                <a:avLst/>
+              </a:prstGeom>
+            </p:spPr>
+            <p:style>
+              <a:lnRef idx="2">
+                <a:schemeClr val="accent1">
+                  <a:shade val="50000"/>
+                </a:schemeClr>
+              </a:lnRef>
+              <a:fillRef idx="1">
+                <a:schemeClr val="accent1"/>
+              </a:fillRef>
+              <a:effectRef idx="0">
+                <a:schemeClr val="accent1"/>
+              </a:effectRef>
+              <a:fontRef idx="minor">
+                <a:schemeClr val="lt1"/>
+              </a:fontRef>
+            </p:style>
+            <p:txBody>
+              <a:bodyPr rtlCol="0" anchor="ctr"/>
+              <a:lstStyle/>
+              <a:p>
+                <a:pPr algn="ctr"/>
+                <a:endParaRPr kumimoji="1" lang="ja-JP" altLang="en-US"/>
+              </a:p>
+            </p:txBody>
+          </p:sp>
+          <p:sp>
+            <p:nvSpPr>
+              <p:cNvPr id="7" name="正方形/長方形 6">
+                <a:extLst>
+                  <a:ext uri="{FF2B5EF4-FFF2-40B4-BE49-F238E27FC236}">
+                    <a16:creationId xmlns:a16="http://schemas.microsoft.com/office/drawing/2014/main" id="{3EB15F8F-2CB0-4389-92AC-27EAF20125B5}"/>
+                  </a:ext>
+                </a:extLst>
+              </p:cNvPr>
+              <p:cNvSpPr/>
+              <p:nvPr/>
+            </p:nvSpPr>
+            <p:spPr>
+              <a:xfrm>
+                <a:off x="3750809" y="1830509"/>
+                <a:ext cx="719091" cy="486052"/>
+              </a:xfrm>
+              <a:prstGeom prst="rect">
+                <a:avLst/>
+              </a:prstGeom>
+            </p:spPr>
+            <p:style>
+              <a:lnRef idx="2">
+                <a:schemeClr val="accent1">
+                  <a:shade val="50000"/>
+                </a:schemeClr>
+              </a:lnRef>
+              <a:fillRef idx="1">
+                <a:schemeClr val="accent1"/>
+              </a:fillRef>
+              <a:effectRef idx="0">
+                <a:schemeClr val="accent1"/>
+              </a:effectRef>
+              <a:fontRef idx="minor">
+                <a:schemeClr val="lt1"/>
+              </a:fontRef>
+            </p:style>
+            <p:txBody>
+              <a:bodyPr rtlCol="0" anchor="ctr"/>
+              <a:lstStyle/>
+              <a:p>
+                <a:pPr algn="ctr"/>
+                <a:endParaRPr kumimoji="1" lang="ja-JP" altLang="en-US" dirty="0"/>
+              </a:p>
+            </p:txBody>
+          </p:sp>
+          <mc:AlternateContent xmlns:mc="http://schemas.openxmlformats.org/markup-compatibility/2006">
+            <mc:Choice xmlns:a14="http://schemas.microsoft.com/office/drawing/2010/main" Requires="a14">
+              <p:sp>
+                <p:nvSpPr>
+                  <p:cNvPr id="9" name="四角形: 角を丸くする 8">
+                    <a:extLst>
+                      <a:ext uri="{FF2B5EF4-FFF2-40B4-BE49-F238E27FC236}">
+                        <a16:creationId xmlns:a16="http://schemas.microsoft.com/office/drawing/2014/main" id="{EEF59656-1619-4215-AE4C-8373FE829170}"/>
+                      </a:ext>
+                    </a:extLst>
+                  </p:cNvPr>
+                  <p:cNvSpPr/>
+                  <p:nvPr/>
+                </p:nvSpPr>
+                <p:spPr>
+                  <a:xfrm>
+                    <a:off x="5058547" y="4845754"/>
+                    <a:ext cx="1503768" cy="755288"/>
+                  </a:xfrm>
+                  <a:prstGeom prst="roundRect">
+                    <a:avLst/>
+                  </a:prstGeom>
                   <a:solidFill>
                     <a:schemeClr val="accent4">
-                      <a:lumMod val="20000"/>
-                      <a:lumOff val="80000"/>
+                      <a:lumMod val="60000"/>
+                      <a:lumOff val="40000"/>
+                      <a:alpha val="50000"/>
                     </a:schemeClr>
                   </a:solidFill>
-                </a:ln>
-              </p:spPr>
-              <p:style>
-                <a:lnRef idx="2">
-                  <a:schemeClr val="accent1">
-                    <a:shade val="50000"/>
-                  </a:schemeClr>
-                </a:lnRef>
-                <a:fillRef idx="1">
-                  <a:schemeClr val="accent1"/>
-                </a:fillRef>
-                <a:effectRef idx="0">
-                  <a:schemeClr val="accent1"/>
-                </a:effectRef>
-                <a:fontRef idx="minor">
-                  <a:schemeClr val="lt1"/>
-                </a:fontRef>
-              </p:style>
-              <p:txBody>
-                <a:bodyPr rtlCol="0" anchor="ctr"/>
-                <a:lstStyle/>
-                <a:p>
-                  <a:pPr algn="ctr"/>
-                  <a14:m>
-                    <m:oMathPara xmlns:m="http://schemas.openxmlformats.org/officeDocument/2006/math">
-                      <m:oMathParaPr>
-                        <m:jc m:val="centerGroup"/>
-                      </m:oMathParaPr>
-                      <m:oMath xmlns:m="http://schemas.openxmlformats.org/officeDocument/2006/math">
-                        <m:sSub>
-                          <m:sSubPr>
-                            <m:ctrlPr>
-                              <a:rPr lang="en-US" altLang="ja-JP" sz="1600" b="1" i="1" smtClean="0">
-                                <a:solidFill>
-                                  <a:schemeClr val="tx1">
-                                    <a:lumMod val="75000"/>
-                                    <a:lumOff val="25000"/>
-                                  </a:schemeClr>
-                                </a:solidFill>
-                                <a:latin typeface="Cambria Math" panose="02040503050406030204" pitchFamily="18" charset="0"/>
-                              </a:rPr>
-                            </m:ctrlPr>
-                          </m:sSubPr>
-                          <m:e>
-                            <m:r>
-                              <a:rPr lang="en-US" altLang="ja-JP" sz="1600" b="1" i="1">
-                                <a:solidFill>
-                                  <a:schemeClr val="tx1">
-                                    <a:lumMod val="75000"/>
-                                    <a:lumOff val="25000"/>
-                                  </a:schemeClr>
-                                </a:solidFill>
-                                <a:latin typeface="Cambria Math" panose="02040503050406030204" pitchFamily="18" charset="0"/>
-                              </a:rPr>
-                              <m:t>𝑺</m:t>
-                            </m:r>
-                          </m:e>
-                          <m:sub>
-                            <m:r>
-                              <a:rPr lang="en-US" altLang="ja-JP" sz="1600" b="1" i="1" smtClean="0">
-                                <a:solidFill>
-                                  <a:schemeClr val="tx1">
-                                    <a:lumMod val="75000"/>
-                                    <a:lumOff val="25000"/>
-                                  </a:schemeClr>
-                                </a:solidFill>
-                                <a:latin typeface="Cambria Math" panose="02040503050406030204" pitchFamily="18" charset="0"/>
-                              </a:rPr>
-                              <m:t>𝟐</m:t>
-                            </m:r>
-                          </m:sub>
-                        </m:sSub>
-                      </m:oMath>
-                    </m:oMathPara>
-                  </a14:m>
-                  <a:endParaRPr lang="ja-JP" altLang="en-US" sz="1600" b="1" dirty="0">
+                  <a:ln>
                     <a:solidFill>
-                      <a:schemeClr val="tx1">
-                        <a:lumMod val="75000"/>
-                        <a:lumOff val="25000"/>
+                      <a:schemeClr val="accent4">
+                        <a:lumMod val="20000"/>
+                        <a:lumOff val="80000"/>
                       </a:schemeClr>
                     </a:solidFill>
-                  </a:endParaRPr>
-                </a:p>
-              </p:txBody>
-            </p:sp>
-          </mc:Choice>
-          <mc:Fallback>
-            <p:sp>
-              <p:nvSpPr>
-                <p:cNvPr id="9" name="四角形: 角を丸くする 8">
-                  <a:extLst>
-                    <a:ext uri="{FF2B5EF4-FFF2-40B4-BE49-F238E27FC236}">
-                      <a16:creationId xmlns:a16="http://schemas.microsoft.com/office/drawing/2014/main" id="{EEF59656-1619-4215-AE4C-8373FE829170}"/>
-                    </a:ext>
-                  </a:extLst>
-                </p:cNvPr>
-                <p:cNvSpPr>
-                  <a:spLocks noRot="1" noChangeAspect="1" noMove="1" noResize="1" noEditPoints="1" noAdjustHandles="1" noChangeArrowheads="1" noChangeShapeType="1" noTextEdit="1"/>
-                </p:cNvSpPr>
-                <p:nvPr/>
-              </p:nvSpPr>
-              <p:spPr>
-                <a:xfrm>
-                  <a:off x="5058547" y="4845754"/>
-                  <a:ext cx="1503768" cy="755288"/>
-                </a:xfrm>
-                <a:prstGeom prst="roundRect">
-                  <a:avLst/>
-                </a:prstGeom>
-                <a:blipFill>
-                  <a:blip r:embed="rId2"/>
-                  <a:stretch>
-                    <a:fillRect/>
-                  </a:stretch>
-                </a:blipFill>
-                <a:ln>
+                  </a:ln>
+                </p:spPr>
+                <p:style>
+                  <a:lnRef idx="2">
+                    <a:schemeClr val="accent1">
+                      <a:shade val="50000"/>
+                    </a:schemeClr>
+                  </a:lnRef>
+                  <a:fillRef idx="1">
+                    <a:schemeClr val="accent1"/>
+                  </a:fillRef>
+                  <a:effectRef idx="0">
+                    <a:schemeClr val="accent1"/>
+                  </a:effectRef>
+                  <a:fontRef idx="minor">
+                    <a:schemeClr val="lt1"/>
+                  </a:fontRef>
+                </p:style>
+                <p:txBody>
+                  <a:bodyPr rtlCol="0" anchor="ctr"/>
+                  <a:lstStyle/>
+                  <a:p>
+                    <a:pPr algn="ctr"/>
+                    <a14:m>
+                      <m:oMathPara xmlns:m="http://schemas.openxmlformats.org/officeDocument/2006/math">
+                        <m:oMathParaPr>
+                          <m:jc m:val="centerGroup"/>
+                        </m:oMathParaPr>
+                        <m:oMath xmlns:m="http://schemas.openxmlformats.org/officeDocument/2006/math">
+                          <m:sSub>
+                            <m:sSubPr>
+                              <m:ctrlPr>
+                                <a:rPr lang="en-US" altLang="ja-JP" sz="1600" b="1" i="1" smtClean="0">
+                                  <a:solidFill>
+                                    <a:schemeClr val="tx1">
+                                      <a:lumMod val="75000"/>
+                                      <a:lumOff val="25000"/>
+                                    </a:schemeClr>
+                                  </a:solidFill>
+                                  <a:latin typeface="Cambria Math" panose="02040503050406030204" pitchFamily="18" charset="0"/>
+                                </a:rPr>
+                              </m:ctrlPr>
+                            </m:sSubPr>
+                            <m:e>
+                              <m:r>
+                                <a:rPr lang="en-US" altLang="ja-JP" sz="1600" b="1" i="1">
+                                  <a:solidFill>
+                                    <a:schemeClr val="tx1">
+                                      <a:lumMod val="75000"/>
+                                      <a:lumOff val="25000"/>
+                                    </a:schemeClr>
+                                  </a:solidFill>
+                                  <a:latin typeface="Cambria Math" panose="02040503050406030204" pitchFamily="18" charset="0"/>
+                                </a:rPr>
+                                <m:t>𝑺</m:t>
+                              </m:r>
+                            </m:e>
+                            <m:sub>
+                              <m:r>
+                                <a:rPr lang="en-US" altLang="ja-JP" sz="1600" b="1" i="1" smtClean="0">
+                                  <a:solidFill>
+                                    <a:schemeClr val="tx1">
+                                      <a:lumMod val="75000"/>
+                                      <a:lumOff val="25000"/>
+                                    </a:schemeClr>
+                                  </a:solidFill>
+                                  <a:latin typeface="Cambria Math" panose="02040503050406030204" pitchFamily="18" charset="0"/>
+                                </a:rPr>
+                                <m:t>𝟏</m:t>
+                              </m:r>
+                            </m:sub>
+                          </m:sSub>
+                        </m:oMath>
+                      </m:oMathPara>
+                    </a14:m>
+                    <a:endParaRPr lang="ja-JP" altLang="en-US" sz="1600" b="1" dirty="0">
+                      <a:solidFill>
+                        <a:schemeClr val="tx1">
+                          <a:lumMod val="75000"/>
+                          <a:lumOff val="25000"/>
+                        </a:schemeClr>
+                      </a:solidFill>
+                    </a:endParaRPr>
+                  </a:p>
+                </p:txBody>
+              </p:sp>
+            </mc:Choice>
+            <mc:Fallback>
+              <p:sp>
+                <p:nvSpPr>
+                  <p:cNvPr id="9" name="四角形: 角を丸くする 8">
+                    <a:extLst>
+                      <a:ext uri="{FF2B5EF4-FFF2-40B4-BE49-F238E27FC236}">
+                        <a16:creationId xmlns:a16="http://schemas.microsoft.com/office/drawing/2014/main" id="{EEF59656-1619-4215-AE4C-8373FE829170}"/>
+                      </a:ext>
+                    </a:extLst>
+                  </p:cNvPr>
+                  <p:cNvSpPr>
+                    <a:spLocks noRot="1" noChangeAspect="1" noMove="1" noResize="1" noEditPoints="1" noAdjustHandles="1" noChangeArrowheads="1" noChangeShapeType="1" noTextEdit="1"/>
+                  </p:cNvSpPr>
+                  <p:nvPr/>
+                </p:nvSpPr>
+                <p:spPr>
+                  <a:xfrm>
+                    <a:off x="5058547" y="4845754"/>
+                    <a:ext cx="1503768" cy="755288"/>
+                  </a:xfrm>
+                  <a:prstGeom prst="roundRect">
+                    <a:avLst/>
+                  </a:prstGeom>
+                  <a:blipFill>
+                    <a:blip r:embed="rId2"/>
+                    <a:stretch>
+                      <a:fillRect/>
+                    </a:stretch>
+                  </a:blipFill>
+                  <a:ln>
+                    <a:solidFill>
+                      <a:schemeClr val="accent4">
+                        <a:lumMod val="20000"/>
+                        <a:lumOff val="80000"/>
+                      </a:schemeClr>
+                    </a:solidFill>
+                  </a:ln>
+                </p:spPr>
+                <p:txBody>
+                  <a:bodyPr/>
+                  <a:lstStyle/>
+                  <a:p>
+                    <a:r>
+                      <a:rPr lang="ja-JP" altLang="en-US">
+                        <a:noFill/>
+                      </a:rPr>
+                      <a:t> </a:t>
+                    </a:r>
+                  </a:p>
+                </p:txBody>
+              </p:sp>
+            </mc:Fallback>
+          </mc:AlternateContent>
+          <mc:AlternateContent xmlns:mc="http://schemas.openxmlformats.org/markup-compatibility/2006">
+            <mc:Choice xmlns:a14="http://schemas.microsoft.com/office/drawing/2010/main" Requires="a14">
+              <p:sp>
+                <p:nvSpPr>
+                  <p:cNvPr id="10" name="四角形: 角を丸くする 9">
+                    <a:extLst>
+                      <a:ext uri="{FF2B5EF4-FFF2-40B4-BE49-F238E27FC236}">
+                        <a16:creationId xmlns:a16="http://schemas.microsoft.com/office/drawing/2014/main" id="{7FE822FB-63B9-4E23-97BE-1B5EB7BAF083}"/>
+                      </a:ext>
+                    </a:extLst>
+                  </p:cNvPr>
+                  <p:cNvSpPr/>
+                  <p:nvPr/>
+                </p:nvSpPr>
+                <p:spPr>
+                  <a:xfrm>
+                    <a:off x="3371791" y="4845754"/>
+                    <a:ext cx="1503768" cy="755288"/>
+                  </a:xfrm>
+                  <a:prstGeom prst="roundRect">
+                    <a:avLst/>
+                  </a:prstGeom>
                   <a:solidFill>
                     <a:schemeClr val="accent4">
-                      <a:lumMod val="20000"/>
-                      <a:lumOff val="80000"/>
+                      <a:lumMod val="60000"/>
+                      <a:lumOff val="40000"/>
+                      <a:alpha val="50000"/>
                     </a:schemeClr>
                   </a:solidFill>
-                </a:ln>
-              </p:spPr>
-              <p:txBody>
-                <a:bodyPr/>
-                <a:lstStyle/>
-                <a:p>
-                  <a:r>
-                    <a:rPr lang="ja-JP" altLang="en-US">
-                      <a:noFill/>
-                    </a:rPr>
-                    <a:t> </a:t>
-                  </a:r>
-                </a:p>
-              </p:txBody>
-            </p:sp>
-          </mc:Fallback>
-        </mc:AlternateContent>
-        <mc:AlternateContent xmlns:mc="http://schemas.openxmlformats.org/markup-compatibility/2006">
-          <mc:Choice xmlns:a14="http://schemas.microsoft.com/office/drawing/2010/main" Requires="a14">
-            <p:sp>
-              <p:nvSpPr>
-                <p:cNvPr id="10" name="四角形: 角を丸くする 9">
-                  <a:extLst>
-                    <a:ext uri="{FF2B5EF4-FFF2-40B4-BE49-F238E27FC236}">
-                      <a16:creationId xmlns:a16="http://schemas.microsoft.com/office/drawing/2014/main" id="{7FE822FB-63B9-4E23-97BE-1B5EB7BAF083}"/>
-                    </a:ext>
-                  </a:extLst>
-                </p:cNvPr>
-                <p:cNvSpPr/>
-                <p:nvPr/>
-              </p:nvSpPr>
-              <p:spPr>
-                <a:xfrm>
-                  <a:off x="3371791" y="4845754"/>
-                  <a:ext cx="1503768" cy="755288"/>
-                </a:xfrm>
-                <a:prstGeom prst="roundRect">
-                  <a:avLst/>
-                </a:prstGeom>
-                <a:solidFill>
-                  <a:schemeClr val="accent4">
-                    <a:lumMod val="60000"/>
-                    <a:lumOff val="40000"/>
-                    <a:alpha val="50000"/>
-                  </a:schemeClr>
-                </a:solidFill>
-                <a:ln>
+                  <a:ln>
+                    <a:solidFill>
+                      <a:schemeClr val="accent4">
+                        <a:lumMod val="20000"/>
+                        <a:lumOff val="80000"/>
+                      </a:schemeClr>
+                    </a:solidFill>
+                  </a:ln>
+                </p:spPr>
+                <p:style>
+                  <a:lnRef idx="2">
+                    <a:schemeClr val="accent1">
+                      <a:shade val="50000"/>
+                    </a:schemeClr>
+                  </a:lnRef>
+                  <a:fillRef idx="1">
+                    <a:schemeClr val="accent1"/>
+                  </a:fillRef>
+                  <a:effectRef idx="0">
+                    <a:schemeClr val="accent1"/>
+                  </a:effectRef>
+                  <a:fontRef idx="minor">
+                    <a:schemeClr val="lt1"/>
+                  </a:fontRef>
+                </p:style>
+                <p:txBody>
+                  <a:bodyPr rtlCol="0" anchor="ctr"/>
+                  <a:lstStyle/>
+                  <a:p>
+                    <a:pPr algn="ctr"/>
+                    <a14:m>
+                      <m:oMathPara xmlns:m="http://schemas.openxmlformats.org/officeDocument/2006/math">
+                        <m:oMathParaPr>
+                          <m:jc m:val="centerGroup"/>
+                        </m:oMathParaPr>
+                        <m:oMath xmlns:m="http://schemas.openxmlformats.org/officeDocument/2006/math">
+                          <m:sSub>
+                            <m:sSubPr>
+                              <m:ctrlPr>
+                                <a:rPr lang="en-US" altLang="ja-JP" sz="1600" b="1" i="1" smtClean="0">
+                                  <a:solidFill>
+                                    <a:schemeClr val="tx1">
+                                      <a:lumMod val="75000"/>
+                                      <a:lumOff val="25000"/>
+                                    </a:schemeClr>
+                                  </a:solidFill>
+                                  <a:latin typeface="Cambria Math" panose="02040503050406030204" pitchFamily="18" charset="0"/>
+                                </a:rPr>
+                              </m:ctrlPr>
+                            </m:sSubPr>
+                            <m:e>
+                              <m:r>
+                                <a:rPr lang="en-US" altLang="ja-JP" sz="1600" b="1" i="1" smtClean="0">
+                                  <a:solidFill>
+                                    <a:schemeClr val="tx1">
+                                      <a:lumMod val="75000"/>
+                                      <a:lumOff val="25000"/>
+                                    </a:schemeClr>
+                                  </a:solidFill>
+                                  <a:latin typeface="Cambria Math" panose="02040503050406030204" pitchFamily="18" charset="0"/>
+                                </a:rPr>
+                                <m:t>𝑺</m:t>
+                              </m:r>
+                            </m:e>
+                            <m:sub>
+                              <m:r>
+                                <a:rPr lang="en-US" altLang="ja-JP" sz="1600" b="1" i="1" smtClean="0">
+                                  <a:solidFill>
+                                    <a:schemeClr val="tx1">
+                                      <a:lumMod val="75000"/>
+                                      <a:lumOff val="25000"/>
+                                    </a:schemeClr>
+                                  </a:solidFill>
+                                  <a:latin typeface="Cambria Math" panose="02040503050406030204" pitchFamily="18" charset="0"/>
+                                </a:rPr>
+                                <m:t>𝟎</m:t>
+                              </m:r>
+                            </m:sub>
+                          </m:sSub>
+                        </m:oMath>
+                      </m:oMathPara>
+                    </a14:m>
+                    <a:endParaRPr lang="ja-JP" altLang="en-US" sz="1600" b="1" dirty="0">
+                      <a:solidFill>
+                        <a:schemeClr val="tx1">
+                          <a:lumMod val="75000"/>
+                          <a:lumOff val="25000"/>
+                        </a:schemeClr>
+                      </a:solidFill>
+                    </a:endParaRPr>
+                  </a:p>
+                </p:txBody>
+              </p:sp>
+            </mc:Choice>
+            <mc:Fallback>
+              <p:sp>
+                <p:nvSpPr>
+                  <p:cNvPr id="10" name="四角形: 角を丸くする 9">
+                    <a:extLst>
+                      <a:ext uri="{FF2B5EF4-FFF2-40B4-BE49-F238E27FC236}">
+                        <a16:creationId xmlns:a16="http://schemas.microsoft.com/office/drawing/2014/main" id="{7FE822FB-63B9-4E23-97BE-1B5EB7BAF083}"/>
+                      </a:ext>
+                    </a:extLst>
+                  </p:cNvPr>
+                  <p:cNvSpPr>
+                    <a:spLocks noRot="1" noChangeAspect="1" noMove="1" noResize="1" noEditPoints="1" noAdjustHandles="1" noChangeArrowheads="1" noChangeShapeType="1" noTextEdit="1"/>
+                  </p:cNvSpPr>
+                  <p:nvPr/>
+                </p:nvSpPr>
+                <p:spPr>
+                  <a:xfrm>
+                    <a:off x="3371791" y="4845754"/>
+                    <a:ext cx="1503768" cy="755288"/>
+                  </a:xfrm>
+                  <a:prstGeom prst="roundRect">
+                    <a:avLst/>
+                  </a:prstGeom>
+                  <a:blipFill>
+                    <a:blip r:embed="rId3"/>
+                    <a:stretch>
+                      <a:fillRect/>
+                    </a:stretch>
+                  </a:blipFill>
+                  <a:ln>
+                    <a:solidFill>
+                      <a:schemeClr val="accent4">
+                        <a:lumMod val="20000"/>
+                        <a:lumOff val="80000"/>
+                      </a:schemeClr>
+                    </a:solidFill>
+                  </a:ln>
+                </p:spPr>
+                <p:txBody>
+                  <a:bodyPr/>
+                  <a:lstStyle/>
+                  <a:p>
+                    <a:r>
+                      <a:rPr lang="ja-JP" altLang="en-US">
+                        <a:noFill/>
+                      </a:rPr>
+                      <a:t> </a:t>
+                    </a:r>
+                  </a:p>
+                </p:txBody>
+              </p:sp>
+            </mc:Fallback>
+          </mc:AlternateContent>
+          <mc:AlternateContent xmlns:mc="http://schemas.openxmlformats.org/markup-compatibility/2006">
+            <mc:Choice xmlns:a14="http://schemas.microsoft.com/office/drawing/2010/main" Requires="a14">
+              <p:sp>
+                <p:nvSpPr>
+                  <p:cNvPr id="11" name="四角形: 角を丸くする 10">
+                    <a:extLst>
+                      <a:ext uri="{FF2B5EF4-FFF2-40B4-BE49-F238E27FC236}">
+                        <a16:creationId xmlns:a16="http://schemas.microsoft.com/office/drawing/2014/main" id="{C7BEFDDB-5542-40D4-807F-9FD1652B138D}"/>
+                      </a:ext>
+                    </a:extLst>
+                  </p:cNvPr>
+                  <p:cNvSpPr/>
+                  <p:nvPr/>
+                </p:nvSpPr>
+                <p:spPr>
+                  <a:xfrm>
+                    <a:off x="6745302" y="4845754"/>
+                    <a:ext cx="1503768" cy="755288"/>
+                  </a:xfrm>
+                  <a:prstGeom prst="roundRect">
+                    <a:avLst/>
+                  </a:prstGeom>
                   <a:solidFill>
                     <a:schemeClr val="accent4">
-                      <a:lumMod val="20000"/>
-                      <a:lumOff val="80000"/>
+                      <a:lumMod val="60000"/>
+                      <a:lumOff val="40000"/>
+                      <a:alpha val="50000"/>
                     </a:schemeClr>
                   </a:solidFill>
-                </a:ln>
-              </p:spPr>
-              <p:style>
-                <a:lnRef idx="2">
-                  <a:schemeClr val="accent1">
-                    <a:shade val="50000"/>
-                  </a:schemeClr>
-                </a:lnRef>
-                <a:fillRef idx="1">
-                  <a:schemeClr val="accent1"/>
-                </a:fillRef>
-                <a:effectRef idx="0">
-                  <a:schemeClr val="accent1"/>
-                </a:effectRef>
-                <a:fontRef idx="minor">
-                  <a:schemeClr val="lt1"/>
-                </a:fontRef>
-              </p:style>
-              <p:txBody>
-                <a:bodyPr rtlCol="0" anchor="ctr"/>
-                <a:lstStyle/>
-                <a:p>
-                  <a:pPr algn="ctr"/>
-                  <a14:m>
-                    <m:oMathPara xmlns:m="http://schemas.openxmlformats.org/officeDocument/2006/math">
-                      <m:oMathParaPr>
-                        <m:jc m:val="centerGroup"/>
-                      </m:oMathParaPr>
-                      <m:oMath xmlns:m="http://schemas.openxmlformats.org/officeDocument/2006/math">
-                        <m:sSub>
-                          <m:sSubPr>
-                            <m:ctrlPr>
-                              <a:rPr lang="en-US" altLang="ja-JP" sz="1600" b="1" i="1" smtClean="0">
-                                <a:solidFill>
-                                  <a:schemeClr val="tx1">
-                                    <a:lumMod val="75000"/>
-                                    <a:lumOff val="25000"/>
-                                  </a:schemeClr>
-                                </a:solidFill>
-                                <a:latin typeface="Cambria Math" panose="02040503050406030204" pitchFamily="18" charset="0"/>
-                              </a:rPr>
-                            </m:ctrlPr>
-                          </m:sSubPr>
-                          <m:e>
-                            <m:r>
-                              <a:rPr lang="en-US" altLang="ja-JP" sz="1600" b="1" i="1" smtClean="0">
-                                <a:solidFill>
-                                  <a:schemeClr val="tx1">
-                                    <a:lumMod val="75000"/>
-                                    <a:lumOff val="25000"/>
-                                  </a:schemeClr>
-                                </a:solidFill>
-                                <a:latin typeface="Cambria Math" panose="02040503050406030204" pitchFamily="18" charset="0"/>
-                              </a:rPr>
-                              <m:t>𝑺</m:t>
-                            </m:r>
-                          </m:e>
-                          <m:sub>
-                            <m:r>
-                              <a:rPr lang="en-US" altLang="ja-JP" sz="1600" b="1" i="1" smtClean="0">
-                                <a:solidFill>
-                                  <a:schemeClr val="tx1">
-                                    <a:lumMod val="75000"/>
-                                    <a:lumOff val="25000"/>
-                                  </a:schemeClr>
-                                </a:solidFill>
-                                <a:latin typeface="Cambria Math" panose="02040503050406030204" pitchFamily="18" charset="0"/>
-                              </a:rPr>
-                              <m:t>𝟏</m:t>
-                            </m:r>
-                          </m:sub>
-                        </m:sSub>
-                      </m:oMath>
-                    </m:oMathPara>
-                  </a14:m>
-                  <a:endParaRPr lang="ja-JP" altLang="en-US" sz="1600" b="1" dirty="0">
+                  <a:ln>
                     <a:solidFill>
-                      <a:schemeClr val="tx1">
-                        <a:lumMod val="75000"/>
-                        <a:lumOff val="25000"/>
+                      <a:schemeClr val="accent4">
+                        <a:lumMod val="20000"/>
+                        <a:lumOff val="80000"/>
                       </a:schemeClr>
                     </a:solidFill>
-                  </a:endParaRPr>
-                </a:p>
-              </p:txBody>
-            </p:sp>
-          </mc:Choice>
-          <mc:Fallback>
-            <p:sp>
-              <p:nvSpPr>
-                <p:cNvPr id="10" name="四角形: 角を丸くする 9">
-                  <a:extLst>
-                    <a:ext uri="{FF2B5EF4-FFF2-40B4-BE49-F238E27FC236}">
-                      <a16:creationId xmlns:a16="http://schemas.microsoft.com/office/drawing/2014/main" id="{7FE822FB-63B9-4E23-97BE-1B5EB7BAF083}"/>
-                    </a:ext>
-                  </a:extLst>
-                </p:cNvPr>
-                <p:cNvSpPr>
-                  <a:spLocks noRot="1" noChangeAspect="1" noMove="1" noResize="1" noEditPoints="1" noAdjustHandles="1" noChangeArrowheads="1" noChangeShapeType="1" noTextEdit="1"/>
-                </p:cNvSpPr>
-                <p:nvPr/>
-              </p:nvSpPr>
-              <p:spPr>
-                <a:xfrm>
-                  <a:off x="3371791" y="4845754"/>
-                  <a:ext cx="1503768" cy="755288"/>
-                </a:xfrm>
-                <a:prstGeom prst="roundRect">
-                  <a:avLst/>
-                </a:prstGeom>
-                <a:blipFill>
-                  <a:blip r:embed="rId3"/>
-                  <a:stretch>
-                    <a:fillRect/>
-                  </a:stretch>
-                </a:blipFill>
-                <a:ln>
-                  <a:solidFill>
-                    <a:schemeClr val="accent4">
-                      <a:lumMod val="20000"/>
-                      <a:lumOff val="80000"/>
+                  </a:ln>
+                </p:spPr>
+                <p:style>
+                  <a:lnRef idx="2">
+                    <a:schemeClr val="accent1">
+                      <a:shade val="50000"/>
                     </a:schemeClr>
-                  </a:solidFill>
-                </a:ln>
-              </p:spPr>
-              <p:txBody>
-                <a:bodyPr/>
-                <a:lstStyle/>
-                <a:p>
-                  <a:r>
-                    <a:rPr lang="ja-JP" altLang="en-US">
-                      <a:noFill/>
-                    </a:rPr>
-                    <a:t> </a:t>
-                  </a:r>
-                </a:p>
-              </p:txBody>
-            </p:sp>
-          </mc:Fallback>
-        </mc:AlternateContent>
-        <mc:AlternateContent xmlns:mc="http://schemas.openxmlformats.org/markup-compatibility/2006">
-          <mc:Choice xmlns:a14="http://schemas.microsoft.com/office/drawing/2010/main" Requires="a14">
-            <p:sp>
-              <p:nvSpPr>
-                <p:cNvPr id="11" name="四角形: 角を丸くする 10">
-                  <a:extLst>
-                    <a:ext uri="{FF2B5EF4-FFF2-40B4-BE49-F238E27FC236}">
-                      <a16:creationId xmlns:a16="http://schemas.microsoft.com/office/drawing/2014/main" id="{C7BEFDDB-5542-40D4-807F-9FD1652B138D}"/>
-                    </a:ext>
-                  </a:extLst>
-                </p:cNvPr>
-                <p:cNvSpPr/>
-                <p:nvPr/>
-              </p:nvSpPr>
-              <p:spPr>
-                <a:xfrm>
-                  <a:off x="6745302" y="4845754"/>
-                  <a:ext cx="1503768" cy="755288"/>
-                </a:xfrm>
-                <a:prstGeom prst="roundRect">
-                  <a:avLst/>
-                </a:prstGeom>
-                <a:solidFill>
-                  <a:schemeClr val="accent4">
-                    <a:lumMod val="60000"/>
-                    <a:lumOff val="40000"/>
-                    <a:alpha val="50000"/>
-                  </a:schemeClr>
-                </a:solidFill>
-                <a:ln>
-                  <a:solidFill>
-                    <a:schemeClr val="accent4">
-                      <a:lumMod val="20000"/>
-                      <a:lumOff val="80000"/>
-                    </a:schemeClr>
-                  </a:solidFill>
-                </a:ln>
-              </p:spPr>
-              <p:style>
-                <a:lnRef idx="2">
-                  <a:schemeClr val="accent1">
-                    <a:shade val="50000"/>
-                  </a:schemeClr>
-                </a:lnRef>
-                <a:fillRef idx="1">
-                  <a:schemeClr val="accent1"/>
-                </a:fillRef>
-                <a:effectRef idx="0">
-                  <a:schemeClr val="accent1"/>
-                </a:effectRef>
-                <a:fontRef idx="minor">
-                  <a:schemeClr val="lt1"/>
-                </a:fontRef>
-              </p:style>
-              <p:txBody>
-                <a:bodyPr rtlCol="0" anchor="ctr"/>
-                <a:lstStyle/>
-                <a:p>
-                  <a:pPr algn="ctr"/>
-                  <a14:m>
-                    <m:oMathPara xmlns:m="http://schemas.openxmlformats.org/officeDocument/2006/math">
-                      <m:oMathParaPr>
-                        <m:jc m:val="centerGroup"/>
-                      </m:oMathParaPr>
-                      <m:oMath xmlns:m="http://schemas.openxmlformats.org/officeDocument/2006/math">
-                        <m:sSub>
-                          <m:sSubPr>
-                            <m:ctrlPr>
-                              <a:rPr lang="en-US" altLang="ja-JP" sz="1400" b="1" i="1" smtClean="0">
-                                <a:solidFill>
-                                  <a:schemeClr val="tx1">
-                                    <a:lumMod val="75000"/>
-                                    <a:lumOff val="25000"/>
-                                  </a:schemeClr>
-                                </a:solidFill>
-                                <a:latin typeface="Cambria Math" panose="02040503050406030204" pitchFamily="18" charset="0"/>
-                              </a:rPr>
-                            </m:ctrlPr>
-                          </m:sSubPr>
-                          <m:e>
-                            <m:r>
-                              <a:rPr lang="en-US" altLang="ja-JP" sz="1400" b="1" i="1">
-                                <a:solidFill>
-                                  <a:schemeClr val="tx1">
-                                    <a:lumMod val="75000"/>
-                                    <a:lumOff val="25000"/>
-                                  </a:schemeClr>
-                                </a:solidFill>
-                                <a:latin typeface="Cambria Math" panose="02040503050406030204" pitchFamily="18" charset="0"/>
-                              </a:rPr>
-                              <m:t>𝑺</m:t>
-                            </m:r>
-                          </m:e>
-                          <m:sub>
-                            <m:r>
-                              <a:rPr lang="en-US" altLang="ja-JP" sz="1400" b="1" i="1" smtClean="0">
-                                <a:solidFill>
-                                  <a:schemeClr val="tx1">
-                                    <a:lumMod val="75000"/>
-                                    <a:lumOff val="25000"/>
-                                  </a:schemeClr>
-                                </a:solidFill>
-                                <a:latin typeface="Cambria Math" panose="02040503050406030204" pitchFamily="18" charset="0"/>
-                              </a:rPr>
-                              <m:t>𝟑</m:t>
-                            </m:r>
-                          </m:sub>
-                        </m:sSub>
-                      </m:oMath>
-                    </m:oMathPara>
-                  </a14:m>
-                  <a:endParaRPr lang="ja-JP" altLang="en-US" sz="1400" b="1" dirty="0">
+                  </a:lnRef>
+                  <a:fillRef idx="1">
+                    <a:schemeClr val="accent1"/>
+                  </a:fillRef>
+                  <a:effectRef idx="0">
+                    <a:schemeClr val="accent1"/>
+                  </a:effectRef>
+                  <a:fontRef idx="minor">
+                    <a:schemeClr val="lt1"/>
+                  </a:fontRef>
+                </p:style>
+                <p:txBody>
+                  <a:bodyPr rtlCol="0" anchor="ctr"/>
+                  <a:lstStyle/>
+                  <a:p>
+                    <a:pPr algn="ctr"/>
+                    <a14:m>
+                      <m:oMathPara xmlns:m="http://schemas.openxmlformats.org/officeDocument/2006/math">
+                        <m:oMathParaPr>
+                          <m:jc m:val="centerGroup"/>
+                        </m:oMathParaPr>
+                        <m:oMath xmlns:m="http://schemas.openxmlformats.org/officeDocument/2006/math">
+                          <m:sSub>
+                            <m:sSubPr>
+                              <m:ctrlPr>
+                                <a:rPr lang="en-US" altLang="ja-JP" sz="1400" b="1" i="1" smtClean="0">
+                                  <a:solidFill>
+                                    <a:schemeClr val="tx1">
+                                      <a:lumMod val="75000"/>
+                                      <a:lumOff val="25000"/>
+                                    </a:schemeClr>
+                                  </a:solidFill>
+                                  <a:latin typeface="Cambria Math" panose="02040503050406030204" pitchFamily="18" charset="0"/>
+                                </a:rPr>
+                              </m:ctrlPr>
+                            </m:sSubPr>
+                            <m:e>
+                              <m:r>
+                                <a:rPr lang="en-US" altLang="ja-JP" sz="1400" b="1" i="1">
+                                  <a:solidFill>
+                                    <a:schemeClr val="tx1">
+                                      <a:lumMod val="75000"/>
+                                      <a:lumOff val="25000"/>
+                                    </a:schemeClr>
+                                  </a:solidFill>
+                                  <a:latin typeface="Cambria Math" panose="02040503050406030204" pitchFamily="18" charset="0"/>
+                                </a:rPr>
+                                <m:t>𝑺</m:t>
+                              </m:r>
+                            </m:e>
+                            <m:sub>
+                              <m:r>
+                                <a:rPr lang="en-US" altLang="ja-JP" sz="1400" b="1" i="1" smtClean="0">
+                                  <a:solidFill>
+                                    <a:schemeClr val="tx1">
+                                      <a:lumMod val="75000"/>
+                                      <a:lumOff val="25000"/>
+                                    </a:schemeClr>
+                                  </a:solidFill>
+                                  <a:latin typeface="Cambria Math" panose="02040503050406030204" pitchFamily="18" charset="0"/>
+                                </a:rPr>
+                                <m:t>𝟐</m:t>
+                              </m:r>
+                            </m:sub>
+                          </m:sSub>
+                        </m:oMath>
+                      </m:oMathPara>
+                    </a14:m>
+                    <a:endParaRPr lang="ja-JP" altLang="en-US" sz="1400" b="1" dirty="0">
+                      <a:solidFill>
+                        <a:schemeClr val="tx1">
+                          <a:lumMod val="75000"/>
+                          <a:lumOff val="25000"/>
+                        </a:schemeClr>
+                      </a:solidFill>
+                    </a:endParaRPr>
+                  </a:p>
+                </p:txBody>
+              </p:sp>
+            </mc:Choice>
+            <mc:Fallback>
+              <p:sp>
+                <p:nvSpPr>
+                  <p:cNvPr id="11" name="四角形: 角を丸くする 10">
+                    <a:extLst>
+                      <a:ext uri="{FF2B5EF4-FFF2-40B4-BE49-F238E27FC236}">
+                        <a16:creationId xmlns:a16="http://schemas.microsoft.com/office/drawing/2014/main" id="{C7BEFDDB-5542-40D4-807F-9FD1652B138D}"/>
+                      </a:ext>
+                    </a:extLst>
+                  </p:cNvPr>
+                  <p:cNvSpPr>
+                    <a:spLocks noRot="1" noChangeAspect="1" noMove="1" noResize="1" noEditPoints="1" noAdjustHandles="1" noChangeArrowheads="1" noChangeShapeType="1" noTextEdit="1"/>
+                  </p:cNvSpPr>
+                  <p:nvPr/>
+                </p:nvSpPr>
+                <p:spPr>
+                  <a:xfrm>
+                    <a:off x="6745302" y="4845754"/>
+                    <a:ext cx="1503768" cy="755288"/>
+                  </a:xfrm>
+                  <a:prstGeom prst="roundRect">
+                    <a:avLst/>
+                  </a:prstGeom>
+                  <a:blipFill>
+                    <a:blip r:embed="rId4"/>
+                    <a:stretch>
+                      <a:fillRect/>
+                    </a:stretch>
+                  </a:blipFill>
+                  <a:ln>
                     <a:solidFill>
-                      <a:schemeClr val="tx1">
-                        <a:lumMod val="75000"/>
-                        <a:lumOff val="25000"/>
+                      <a:schemeClr val="accent4">
+                        <a:lumMod val="20000"/>
+                        <a:lumOff val="80000"/>
                       </a:schemeClr>
                     </a:solidFill>
-                  </a:endParaRPr>
-                </a:p>
-              </p:txBody>
-            </p:sp>
-          </mc:Choice>
-          <mc:Fallback>
-            <p:sp>
-              <p:nvSpPr>
-                <p:cNvPr id="11" name="四角形: 角を丸くする 10">
-                  <a:extLst>
-                    <a:ext uri="{FF2B5EF4-FFF2-40B4-BE49-F238E27FC236}">
-                      <a16:creationId xmlns:a16="http://schemas.microsoft.com/office/drawing/2014/main" id="{C7BEFDDB-5542-40D4-807F-9FD1652B138D}"/>
-                    </a:ext>
-                  </a:extLst>
-                </p:cNvPr>
-                <p:cNvSpPr>
-                  <a:spLocks noRot="1" noChangeAspect="1" noMove="1" noResize="1" noEditPoints="1" noAdjustHandles="1" noChangeArrowheads="1" noChangeShapeType="1" noTextEdit="1"/>
-                </p:cNvSpPr>
-                <p:nvPr/>
-              </p:nvSpPr>
-              <p:spPr>
-                <a:xfrm>
-                  <a:off x="6745302" y="4845754"/>
-                  <a:ext cx="1503768" cy="755288"/>
-                </a:xfrm>
-                <a:prstGeom prst="roundRect">
-                  <a:avLst/>
-                </a:prstGeom>
-                <a:blipFill>
-                  <a:blip r:embed="rId4"/>
-                  <a:stretch>
-                    <a:fillRect/>
-                  </a:stretch>
-                </a:blipFill>
-                <a:ln>
-                  <a:solidFill>
-                    <a:schemeClr val="accent4">
-                      <a:lumMod val="20000"/>
-                      <a:lumOff val="80000"/>
-                    </a:schemeClr>
-                  </a:solidFill>
-                </a:ln>
-              </p:spPr>
-              <p:txBody>
-                <a:bodyPr/>
-                <a:lstStyle/>
-                <a:p>
-                  <a:r>
-                    <a:rPr lang="ja-JP" altLang="en-US">
-                      <a:noFill/>
-                    </a:rPr>
-                    <a:t> </a:t>
-                  </a:r>
-                </a:p>
-              </p:txBody>
-            </p:sp>
-          </mc:Fallback>
-        </mc:AlternateContent>
-        <p:sp>
-          <p:nvSpPr>
-            <p:cNvPr id="12" name="正方形/長方形 11">
-              <a:extLst>
-                <a:ext uri="{FF2B5EF4-FFF2-40B4-BE49-F238E27FC236}">
-                  <a16:creationId xmlns:a16="http://schemas.microsoft.com/office/drawing/2014/main" id="{D0FF42E4-FDD0-44BC-AC13-CF54AFB238FB}"/>
-                </a:ext>
-              </a:extLst>
-            </p:cNvPr>
-            <p:cNvSpPr/>
-            <p:nvPr/>
-          </p:nvSpPr>
-          <p:spPr>
-            <a:xfrm>
-              <a:off x="3764130" y="3450084"/>
-              <a:ext cx="719091" cy="486052"/>
-            </a:xfrm>
-            <a:prstGeom prst="rect">
-              <a:avLst/>
-            </a:prstGeom>
-            <a:solidFill>
-              <a:schemeClr val="accent6">
-                <a:lumMod val="50000"/>
-              </a:schemeClr>
-            </a:solidFill>
-            <a:ln>
+                  </a:ln>
+                </p:spPr>
+                <p:txBody>
+                  <a:bodyPr/>
+                  <a:lstStyle/>
+                  <a:p>
+                    <a:r>
+                      <a:rPr lang="ja-JP" altLang="en-US">
+                        <a:noFill/>
+                      </a:rPr>
+                      <a:t> </a:t>
+                    </a:r>
+                  </a:p>
+                </p:txBody>
+              </p:sp>
+            </mc:Fallback>
+          </mc:AlternateContent>
+          <p:sp>
+            <p:nvSpPr>
+              <p:cNvPr id="12" name="正方形/長方形 11">
+                <a:extLst>
+                  <a:ext uri="{FF2B5EF4-FFF2-40B4-BE49-F238E27FC236}">
+                    <a16:creationId xmlns:a16="http://schemas.microsoft.com/office/drawing/2014/main" id="{D0FF42E4-FDD0-44BC-AC13-CF54AFB238FB}"/>
+                  </a:ext>
+                </a:extLst>
+              </p:cNvPr>
+              <p:cNvSpPr/>
+              <p:nvPr/>
+            </p:nvSpPr>
+            <p:spPr>
+              <a:xfrm>
+                <a:off x="3764130" y="3450084"/>
+                <a:ext cx="719091" cy="486052"/>
+              </a:xfrm>
+              <a:prstGeom prst="rect">
+                <a:avLst/>
+              </a:prstGeom>
               <a:solidFill>
                 <a:schemeClr val="accent6">
                   <a:lumMod val="50000"/>
                 </a:schemeClr>
               </a:solidFill>
-            </a:ln>
-          </p:spPr>
-          <p:style>
-            <a:lnRef idx="2">
-              <a:schemeClr val="accent1">
-                <a:shade val="50000"/>
-              </a:schemeClr>
-            </a:lnRef>
-            <a:fillRef idx="1">
-              <a:schemeClr val="accent1"/>
-            </a:fillRef>
-            <a:effectRef idx="0">
-              <a:schemeClr val="accent1"/>
-            </a:effectRef>
-            <a:fontRef idx="minor">
-              <a:schemeClr val="lt1"/>
-            </a:fontRef>
-          </p:style>
-          <p:txBody>
-            <a:bodyPr rtlCol="0" anchor="ctr"/>
-            <a:lstStyle/>
-            <a:p>
-              <a:pPr algn="ctr"/>
-              <a:r>
-                <a:rPr kumimoji="1" lang="en-US" altLang="ja-JP" sz="1400" b="1" dirty="0"/>
-                <a:t>[CLS]</a:t>
-              </a:r>
-            </a:p>
-            <a:p>
-              <a:pPr algn="ctr"/>
-              <a:r>
-                <a:rPr lang="en-US" altLang="ja-JP" sz="1400" b="1" dirty="0" err="1"/>
-                <a:t>Vec</a:t>
-              </a:r>
-              <a:r>
-                <a:rPr lang="en-US" altLang="ja-JP" sz="1400" b="1" dirty="0"/>
-                <a:t> 1</a:t>
-              </a:r>
-              <a:endParaRPr kumimoji="1" lang="ja-JP" altLang="en-US" sz="1400" b="1" dirty="0"/>
-            </a:p>
-          </p:txBody>
-        </p:sp>
-        <p:sp>
-          <p:nvSpPr>
-            <p:cNvPr id="13" name="正方形/長方形 12">
-              <a:extLst>
-                <a:ext uri="{FF2B5EF4-FFF2-40B4-BE49-F238E27FC236}">
-                  <a16:creationId xmlns:a16="http://schemas.microsoft.com/office/drawing/2014/main" id="{7965FCAA-57D9-4838-9B9E-609A7164BA18}"/>
-                </a:ext>
-              </a:extLst>
-            </p:cNvPr>
-            <p:cNvSpPr/>
-            <p:nvPr/>
-          </p:nvSpPr>
-          <p:spPr>
-            <a:xfrm>
-              <a:off x="5450888" y="3450084"/>
-              <a:ext cx="719091" cy="486052"/>
-            </a:xfrm>
-            <a:prstGeom prst="rect">
-              <a:avLst/>
-            </a:prstGeom>
-            <a:solidFill>
-              <a:schemeClr val="accent6">
-                <a:lumMod val="50000"/>
-              </a:schemeClr>
-            </a:solidFill>
-            <a:ln>
+              <a:ln>
+                <a:solidFill>
+                  <a:schemeClr val="accent6">
+                    <a:lumMod val="50000"/>
+                  </a:schemeClr>
+                </a:solidFill>
+              </a:ln>
+            </p:spPr>
+            <p:style>
+              <a:lnRef idx="2">
+                <a:schemeClr val="accent1">
+                  <a:shade val="50000"/>
+                </a:schemeClr>
+              </a:lnRef>
+              <a:fillRef idx="1">
+                <a:schemeClr val="accent1"/>
+              </a:fillRef>
+              <a:effectRef idx="0">
+                <a:schemeClr val="accent1"/>
+              </a:effectRef>
+              <a:fontRef idx="minor">
+                <a:schemeClr val="lt1"/>
+              </a:fontRef>
+            </p:style>
+            <p:txBody>
+              <a:bodyPr rtlCol="0" anchor="ctr"/>
+              <a:lstStyle/>
+              <a:p>
+                <a:pPr algn="ctr"/>
+                <a:r>
+                  <a:rPr kumimoji="1" lang="en-US" altLang="ja-JP" sz="900" b="1" dirty="0"/>
+                  <a:t>[CLS]</a:t>
+                </a:r>
+              </a:p>
+              <a:p>
+                <a:pPr algn="ctr"/>
+                <a:r>
+                  <a:rPr lang="en-US" altLang="ja-JP" sz="900" b="1" dirty="0"/>
+                  <a:t>Vec0</a:t>
+                </a:r>
+                <a:endParaRPr kumimoji="1" lang="ja-JP" altLang="en-US" sz="1600" b="1" dirty="0"/>
+              </a:p>
+            </p:txBody>
+          </p:sp>
+          <p:sp>
+            <p:nvSpPr>
+              <p:cNvPr id="13" name="正方形/長方形 12">
+                <a:extLst>
+                  <a:ext uri="{FF2B5EF4-FFF2-40B4-BE49-F238E27FC236}">
+                    <a16:creationId xmlns:a16="http://schemas.microsoft.com/office/drawing/2014/main" id="{7965FCAA-57D9-4838-9B9E-609A7164BA18}"/>
+                  </a:ext>
+                </a:extLst>
+              </p:cNvPr>
+              <p:cNvSpPr/>
+              <p:nvPr/>
+            </p:nvSpPr>
+            <p:spPr>
+              <a:xfrm>
+                <a:off x="5450888" y="3450084"/>
+                <a:ext cx="719091" cy="486052"/>
+              </a:xfrm>
+              <a:prstGeom prst="rect">
+                <a:avLst/>
+              </a:prstGeom>
               <a:solidFill>
                 <a:schemeClr val="accent6">
                   <a:lumMod val="50000"/>
                 </a:schemeClr>
               </a:solidFill>
-            </a:ln>
-          </p:spPr>
-          <p:style>
-            <a:lnRef idx="2">
-              <a:schemeClr val="accent1">
-                <a:shade val="50000"/>
-              </a:schemeClr>
-            </a:lnRef>
-            <a:fillRef idx="1">
-              <a:schemeClr val="accent1"/>
-            </a:fillRef>
-            <a:effectRef idx="0">
-              <a:schemeClr val="accent1"/>
-            </a:effectRef>
-            <a:fontRef idx="minor">
-              <a:schemeClr val="lt1"/>
-            </a:fontRef>
-          </p:style>
-          <p:txBody>
-            <a:bodyPr rtlCol="0" anchor="ctr"/>
-            <a:lstStyle/>
-            <a:p>
-              <a:pPr algn="ctr"/>
-              <a:r>
-                <a:rPr lang="en-US" altLang="ja-JP" sz="1400" b="1" dirty="0"/>
-                <a:t>[CLS]</a:t>
-              </a:r>
-            </a:p>
-            <a:p>
-              <a:pPr algn="ctr"/>
-              <a:r>
-                <a:rPr lang="en-US" altLang="ja-JP" sz="1400" b="1" dirty="0" err="1"/>
-                <a:t>Vec</a:t>
-              </a:r>
-              <a:r>
-                <a:rPr lang="en-US" altLang="ja-JP" sz="1400" b="1" dirty="0"/>
-                <a:t> 2</a:t>
-              </a:r>
-              <a:endParaRPr lang="ja-JP" altLang="en-US" sz="1400" b="1" dirty="0"/>
-            </a:p>
-          </p:txBody>
-        </p:sp>
-        <p:sp>
-          <p:nvSpPr>
-            <p:cNvPr id="14" name="正方形/長方形 13">
-              <a:extLst>
-                <a:ext uri="{FF2B5EF4-FFF2-40B4-BE49-F238E27FC236}">
-                  <a16:creationId xmlns:a16="http://schemas.microsoft.com/office/drawing/2014/main" id="{BF86EF15-8A02-4C3E-B26A-8B4C9B8D73F9}"/>
-                </a:ext>
-              </a:extLst>
-            </p:cNvPr>
-            <p:cNvSpPr/>
-            <p:nvPr/>
-          </p:nvSpPr>
-          <p:spPr>
-            <a:xfrm>
-              <a:off x="7137645" y="3450084"/>
-              <a:ext cx="719091" cy="486052"/>
-            </a:xfrm>
-            <a:prstGeom prst="rect">
-              <a:avLst/>
-            </a:prstGeom>
-            <a:solidFill>
-              <a:schemeClr val="accent6">
-                <a:lumMod val="50000"/>
-              </a:schemeClr>
-            </a:solidFill>
-            <a:ln>
+              <a:ln>
+                <a:solidFill>
+                  <a:schemeClr val="accent6">
+                    <a:lumMod val="50000"/>
+                  </a:schemeClr>
+                </a:solidFill>
+              </a:ln>
+            </p:spPr>
+            <p:style>
+              <a:lnRef idx="2">
+                <a:schemeClr val="accent1">
+                  <a:shade val="50000"/>
+                </a:schemeClr>
+              </a:lnRef>
+              <a:fillRef idx="1">
+                <a:schemeClr val="accent1"/>
+              </a:fillRef>
+              <a:effectRef idx="0">
+                <a:schemeClr val="accent1"/>
+              </a:effectRef>
+              <a:fontRef idx="minor">
+                <a:schemeClr val="lt1"/>
+              </a:fontRef>
+            </p:style>
+            <p:txBody>
+              <a:bodyPr rtlCol="0" anchor="ctr"/>
+              <a:lstStyle/>
+              <a:p>
+                <a:pPr algn="ctr"/>
+                <a:r>
+                  <a:rPr lang="en-US" altLang="ja-JP" sz="900" b="1" dirty="0"/>
+                  <a:t>[CLS]</a:t>
+                </a:r>
+              </a:p>
+              <a:p>
+                <a:pPr algn="ctr"/>
+                <a:r>
+                  <a:rPr lang="en-US" altLang="ja-JP" sz="900" b="1" dirty="0"/>
+                  <a:t>Vec1</a:t>
+                </a:r>
+                <a:endParaRPr lang="ja-JP" altLang="en-US" sz="1600" b="1" dirty="0"/>
+              </a:p>
+            </p:txBody>
+          </p:sp>
+          <p:sp>
+            <p:nvSpPr>
+              <p:cNvPr id="14" name="正方形/長方形 13">
+                <a:extLst>
+                  <a:ext uri="{FF2B5EF4-FFF2-40B4-BE49-F238E27FC236}">
+                    <a16:creationId xmlns:a16="http://schemas.microsoft.com/office/drawing/2014/main" id="{BF86EF15-8A02-4C3E-B26A-8B4C9B8D73F9}"/>
+                  </a:ext>
+                </a:extLst>
+              </p:cNvPr>
+              <p:cNvSpPr/>
+              <p:nvPr/>
+            </p:nvSpPr>
+            <p:spPr>
+              <a:xfrm>
+                <a:off x="7137645" y="3450084"/>
+                <a:ext cx="719091" cy="486052"/>
+              </a:xfrm>
+              <a:prstGeom prst="rect">
+                <a:avLst/>
+              </a:prstGeom>
               <a:solidFill>
                 <a:schemeClr val="accent6">
                   <a:lumMod val="50000"/>
                 </a:schemeClr>
               </a:solidFill>
-            </a:ln>
-          </p:spPr>
-          <p:style>
-            <a:lnRef idx="2">
-              <a:schemeClr val="accent1">
-                <a:shade val="50000"/>
-              </a:schemeClr>
-            </a:lnRef>
-            <a:fillRef idx="1">
-              <a:schemeClr val="accent1"/>
-            </a:fillRef>
-            <a:effectRef idx="0">
-              <a:schemeClr val="accent1"/>
-            </a:effectRef>
-            <a:fontRef idx="minor">
-              <a:schemeClr val="lt1"/>
-            </a:fontRef>
-          </p:style>
-          <p:txBody>
-            <a:bodyPr rtlCol="0" anchor="ctr"/>
-            <a:lstStyle/>
-            <a:p>
-              <a:pPr algn="ctr"/>
-              <a:r>
-                <a:rPr lang="en-US" altLang="ja-JP" sz="1400" b="1" dirty="0"/>
-                <a:t>[CLS]</a:t>
-              </a:r>
-            </a:p>
-            <a:p>
-              <a:pPr algn="ctr"/>
-              <a:r>
-                <a:rPr lang="en-US" altLang="ja-JP" sz="1400" b="1" dirty="0" err="1"/>
-                <a:t>Vec</a:t>
-              </a:r>
-              <a:r>
-                <a:rPr lang="en-US" altLang="ja-JP" sz="1400" b="1" dirty="0"/>
-                <a:t> 3</a:t>
-              </a:r>
-              <a:endParaRPr lang="ja-JP" altLang="en-US" sz="1400" b="1" dirty="0"/>
-            </a:p>
-          </p:txBody>
-        </p:sp>
-        <p:sp>
-          <p:nvSpPr>
-            <p:cNvPr id="16" name="楕円 15">
-              <a:extLst>
-                <a:ext uri="{FF2B5EF4-FFF2-40B4-BE49-F238E27FC236}">
-                  <a16:creationId xmlns:a16="http://schemas.microsoft.com/office/drawing/2014/main" id="{C6340C93-938F-4B78-9588-3A132982C4D6}"/>
-                </a:ext>
-              </a:extLst>
-            </p:cNvPr>
-            <p:cNvSpPr/>
-            <p:nvPr/>
-          </p:nvSpPr>
-          <p:spPr>
-            <a:xfrm>
-              <a:off x="5450887" y="617001"/>
-              <a:ext cx="719091" cy="665825"/>
-            </a:xfrm>
-            <a:prstGeom prst="ellipse">
-              <a:avLst/>
-            </a:prstGeom>
-            <a:solidFill>
-              <a:schemeClr val="bg2"/>
-            </a:solidFill>
-            <a:ln>
+              <a:ln>
+                <a:solidFill>
+                  <a:schemeClr val="accent6">
+                    <a:lumMod val="50000"/>
+                  </a:schemeClr>
+                </a:solidFill>
+              </a:ln>
+            </p:spPr>
+            <p:style>
+              <a:lnRef idx="2">
+                <a:schemeClr val="accent1">
+                  <a:shade val="50000"/>
+                </a:schemeClr>
+              </a:lnRef>
+              <a:fillRef idx="1">
+                <a:schemeClr val="accent1"/>
+              </a:fillRef>
+              <a:effectRef idx="0">
+                <a:schemeClr val="accent1"/>
+              </a:effectRef>
+              <a:fontRef idx="minor">
+                <a:schemeClr val="lt1"/>
+              </a:fontRef>
+            </p:style>
+            <p:txBody>
+              <a:bodyPr rtlCol="0" anchor="ctr"/>
+              <a:lstStyle/>
+              <a:p>
+                <a:pPr algn="ctr"/>
+                <a:r>
+                  <a:rPr lang="en-US" altLang="ja-JP" sz="900" b="1" dirty="0"/>
+                  <a:t>[CLS]</a:t>
+                </a:r>
+              </a:p>
+              <a:p>
+                <a:pPr algn="ctr"/>
+                <a:r>
+                  <a:rPr lang="en-US" altLang="ja-JP" sz="900" b="1" dirty="0"/>
+                  <a:t>Vec2</a:t>
+                </a:r>
+                <a:endParaRPr lang="ja-JP" altLang="en-US" sz="900" b="1" dirty="0"/>
+              </a:p>
+            </p:txBody>
+          </p:sp>
+          <p:sp>
+            <p:nvSpPr>
+              <p:cNvPr id="16" name="楕円 15">
+                <a:extLst>
+                  <a:ext uri="{FF2B5EF4-FFF2-40B4-BE49-F238E27FC236}">
+                    <a16:creationId xmlns:a16="http://schemas.microsoft.com/office/drawing/2014/main" id="{C6340C93-938F-4B78-9588-3A132982C4D6}"/>
+                  </a:ext>
+                </a:extLst>
+              </p:cNvPr>
+              <p:cNvSpPr/>
+              <p:nvPr/>
+            </p:nvSpPr>
+            <p:spPr>
+              <a:xfrm>
+                <a:off x="5437564" y="1057175"/>
+                <a:ext cx="719091" cy="514575"/>
+              </a:xfrm>
+              <a:prstGeom prst="ellipse">
+                <a:avLst/>
+              </a:prstGeom>
               <a:solidFill>
-                <a:schemeClr val="bg2">
-                  <a:lumMod val="50000"/>
+                <a:schemeClr val="bg2"/>
+              </a:solidFill>
+              <a:ln>
+                <a:solidFill>
+                  <a:schemeClr val="bg2">
+                    <a:lumMod val="50000"/>
+                  </a:schemeClr>
+                </a:solidFill>
+              </a:ln>
+            </p:spPr>
+            <p:style>
+              <a:lnRef idx="2">
+                <a:schemeClr val="accent1">
+                  <a:shade val="50000"/>
                 </a:schemeClr>
-              </a:solidFill>
-            </a:ln>
-          </p:spPr>
-          <p:style>
-            <a:lnRef idx="2">
-              <a:schemeClr val="accent1">
-                <a:shade val="50000"/>
-              </a:schemeClr>
-            </a:lnRef>
-            <a:fillRef idx="1">
-              <a:schemeClr val="accent1"/>
-            </a:fillRef>
-            <a:effectRef idx="0">
-              <a:schemeClr val="accent1"/>
-            </a:effectRef>
-            <a:fontRef idx="minor">
-              <a:schemeClr val="lt1"/>
-            </a:fontRef>
-          </p:style>
-          <p:txBody>
-            <a:bodyPr rtlCol="0" anchor="ctr"/>
-            <a:lstStyle/>
-            <a:p>
-              <a:pPr algn="ctr"/>
-              <a:r>
-                <a:rPr kumimoji="1" lang="en-US" altLang="ja-JP" sz="3200" b="1" dirty="0">
+              </a:lnRef>
+              <a:fillRef idx="1">
+                <a:schemeClr val="accent1"/>
+              </a:fillRef>
+              <a:effectRef idx="0">
+                <a:schemeClr val="accent1"/>
+              </a:effectRef>
+              <a:fontRef idx="minor">
+                <a:schemeClr val="lt1"/>
+              </a:fontRef>
+            </p:style>
+            <p:txBody>
+              <a:bodyPr rtlCol="0" anchor="ctr"/>
+              <a:lstStyle/>
+              <a:p>
+                <a:pPr algn="ctr"/>
+                <a:r>
+                  <a:rPr kumimoji="1" lang="en-US" altLang="ja-JP" sz="3200" b="1" dirty="0">
+                    <a:solidFill>
+                      <a:schemeClr val="bg2">
+                        <a:lumMod val="50000"/>
+                      </a:schemeClr>
+                    </a:solidFill>
+                  </a:rPr>
+                  <a:t>+</a:t>
+                </a:r>
+                <a:endParaRPr kumimoji="1" lang="ja-JP" altLang="en-US" sz="3200" b="1" dirty="0">
                   <a:solidFill>
                     <a:schemeClr val="bg2">
                       <a:lumMod val="50000"/>
                     </a:schemeClr>
                   </a:solidFill>
-                </a:rPr>
-                <a:t>+</a:t>
-              </a:r>
-              <a:endParaRPr kumimoji="1" lang="ja-JP" altLang="en-US" sz="3200" b="1" dirty="0">
+                </a:endParaRPr>
+              </a:p>
+            </p:txBody>
+          </p:sp>
+          <p:cxnSp>
+            <p:nvCxnSpPr>
+              <p:cNvPr id="18" name="直線矢印コネクタ 17">
+                <a:extLst>
+                  <a:ext uri="{FF2B5EF4-FFF2-40B4-BE49-F238E27FC236}">
+                    <a16:creationId xmlns:a16="http://schemas.microsoft.com/office/drawing/2014/main" id="{6D331F32-FAB5-4C21-8C81-D7BC3D19E9A4}"/>
+                  </a:ext>
+                </a:extLst>
+              </p:cNvPr>
+              <p:cNvCxnSpPr>
+                <a:cxnSpLocks/>
+                <a:endCxn id="7" idx="2"/>
+              </p:cNvCxnSpPr>
+              <p:nvPr/>
+            </p:nvCxnSpPr>
+            <p:spPr>
+              <a:xfrm flipV="1">
+                <a:off x="4110355" y="2316561"/>
+                <a:ext cx="0" cy="333046"/>
+              </a:xfrm>
+              <a:prstGeom prst="straightConnector1">
+                <a:avLst/>
+              </a:prstGeom>
+              <a:ln w="6350">
                 <a:solidFill>
-                  <a:schemeClr val="bg2">
-                    <a:lumMod val="50000"/>
+                  <a:schemeClr val="accent2">
+                    <a:lumMod val="75000"/>
                   </a:schemeClr>
                 </a:solidFill>
-              </a:endParaRPr>
-            </a:p>
-          </p:txBody>
-        </p:sp>
+                <a:tailEnd type="triangle"/>
+              </a:ln>
+            </p:spPr>
+            <p:style>
+              <a:lnRef idx="1">
+                <a:schemeClr val="accent1"/>
+              </a:lnRef>
+              <a:fillRef idx="0">
+                <a:schemeClr val="accent1"/>
+              </a:fillRef>
+              <a:effectRef idx="0">
+                <a:schemeClr val="accent1"/>
+              </a:effectRef>
+              <a:fontRef idx="minor">
+                <a:schemeClr val="tx1"/>
+              </a:fontRef>
+            </p:style>
+          </p:cxnSp>
+          <p:cxnSp>
+            <p:nvCxnSpPr>
+              <p:cNvPr id="22" name="直線矢印コネクタ 21">
+                <a:extLst>
+                  <a:ext uri="{FF2B5EF4-FFF2-40B4-BE49-F238E27FC236}">
+                    <a16:creationId xmlns:a16="http://schemas.microsoft.com/office/drawing/2014/main" id="{5EFFD011-B342-4071-A9DA-44C3211DDCD5}"/>
+                  </a:ext>
+                </a:extLst>
+              </p:cNvPr>
+              <p:cNvCxnSpPr>
+                <a:cxnSpLocks/>
+                <a:stCxn id="4" idx="0"/>
+                <a:endCxn id="5" idx="2"/>
+              </p:cNvCxnSpPr>
+              <p:nvPr/>
+            </p:nvCxnSpPr>
+            <p:spPr>
+              <a:xfrm flipH="1" flipV="1">
+                <a:off x="5810433" y="2316561"/>
+                <a:ext cx="3" cy="333046"/>
+              </a:xfrm>
+              <a:prstGeom prst="straightConnector1">
+                <a:avLst/>
+              </a:prstGeom>
+              <a:ln w="6350">
+                <a:solidFill>
+                  <a:schemeClr val="accent2">
+                    <a:lumMod val="75000"/>
+                  </a:schemeClr>
+                </a:solidFill>
+                <a:tailEnd type="triangle"/>
+              </a:ln>
+            </p:spPr>
+            <p:style>
+              <a:lnRef idx="1">
+                <a:schemeClr val="accent1"/>
+              </a:lnRef>
+              <a:fillRef idx="0">
+                <a:schemeClr val="accent1"/>
+              </a:fillRef>
+              <a:effectRef idx="0">
+                <a:schemeClr val="accent1"/>
+              </a:effectRef>
+              <a:fontRef idx="minor">
+                <a:schemeClr val="tx1"/>
+              </a:fontRef>
+            </p:style>
+          </p:cxnSp>
+          <p:cxnSp>
+            <p:nvCxnSpPr>
+              <p:cNvPr id="25" name="直線矢印コネクタ 24">
+                <a:extLst>
+                  <a:ext uri="{FF2B5EF4-FFF2-40B4-BE49-F238E27FC236}">
+                    <a16:creationId xmlns:a16="http://schemas.microsoft.com/office/drawing/2014/main" id="{C00DB2CA-B195-46E0-ADC6-C0E1832A65BC}"/>
+                  </a:ext>
+                </a:extLst>
+              </p:cNvPr>
+              <p:cNvCxnSpPr>
+                <a:cxnSpLocks/>
+                <a:endCxn id="6" idx="2"/>
+              </p:cNvCxnSpPr>
+              <p:nvPr/>
+            </p:nvCxnSpPr>
+            <p:spPr>
+              <a:xfrm flipV="1">
+                <a:off x="7483871" y="2316561"/>
+                <a:ext cx="0" cy="333046"/>
+              </a:xfrm>
+              <a:prstGeom prst="straightConnector1">
+                <a:avLst/>
+              </a:prstGeom>
+              <a:ln w="6350">
+                <a:solidFill>
+                  <a:schemeClr val="accent2">
+                    <a:lumMod val="75000"/>
+                  </a:schemeClr>
+                </a:solidFill>
+                <a:tailEnd type="triangle"/>
+              </a:ln>
+            </p:spPr>
+            <p:style>
+              <a:lnRef idx="1">
+                <a:schemeClr val="accent1"/>
+              </a:lnRef>
+              <a:fillRef idx="0">
+                <a:schemeClr val="accent1"/>
+              </a:fillRef>
+              <a:effectRef idx="0">
+                <a:schemeClr val="accent1"/>
+              </a:effectRef>
+              <a:fontRef idx="minor">
+                <a:schemeClr val="tx1"/>
+              </a:fontRef>
+            </p:style>
+          </p:cxnSp>
+          <p:cxnSp>
+            <p:nvCxnSpPr>
+              <p:cNvPr id="28" name="直線矢印コネクタ 27">
+                <a:extLst>
+                  <a:ext uri="{FF2B5EF4-FFF2-40B4-BE49-F238E27FC236}">
+                    <a16:creationId xmlns:a16="http://schemas.microsoft.com/office/drawing/2014/main" id="{57E6488B-081A-43A3-8A58-9954AC8C0519}"/>
+                  </a:ext>
+                </a:extLst>
+              </p:cNvPr>
+              <p:cNvCxnSpPr>
+                <a:cxnSpLocks/>
+                <a:stCxn id="12" idx="0"/>
+              </p:cNvCxnSpPr>
+              <p:nvPr/>
+            </p:nvCxnSpPr>
+            <p:spPr>
+              <a:xfrm flipV="1">
+                <a:off x="4123676" y="3338001"/>
+                <a:ext cx="1" cy="112083"/>
+              </a:xfrm>
+              <a:prstGeom prst="straightConnector1">
+                <a:avLst/>
+              </a:prstGeom>
+              <a:ln w="6350">
+                <a:solidFill>
+                  <a:schemeClr val="accent2">
+                    <a:lumMod val="75000"/>
+                  </a:schemeClr>
+                </a:solidFill>
+                <a:tailEnd type="triangle"/>
+              </a:ln>
+            </p:spPr>
+            <p:style>
+              <a:lnRef idx="1">
+                <a:schemeClr val="accent1"/>
+              </a:lnRef>
+              <a:fillRef idx="0">
+                <a:schemeClr val="accent1"/>
+              </a:fillRef>
+              <a:effectRef idx="0">
+                <a:schemeClr val="accent1"/>
+              </a:effectRef>
+              <a:fontRef idx="minor">
+                <a:schemeClr val="tx1"/>
+              </a:fontRef>
+            </p:style>
+          </p:cxnSp>
+          <p:cxnSp>
+            <p:nvCxnSpPr>
+              <p:cNvPr id="31" name="直線矢印コネクタ 30">
+                <a:extLst>
+                  <a:ext uri="{FF2B5EF4-FFF2-40B4-BE49-F238E27FC236}">
+                    <a16:creationId xmlns:a16="http://schemas.microsoft.com/office/drawing/2014/main" id="{46CF40E6-D02F-45FB-BCED-2C24A6F581F3}"/>
+                  </a:ext>
+                </a:extLst>
+              </p:cNvPr>
+              <p:cNvCxnSpPr>
+                <a:cxnSpLocks/>
+              </p:cNvCxnSpPr>
+              <p:nvPr/>
+            </p:nvCxnSpPr>
+            <p:spPr>
+              <a:xfrm flipV="1">
+                <a:off x="4123674" y="4733672"/>
+                <a:ext cx="1" cy="112083"/>
+              </a:xfrm>
+              <a:prstGeom prst="straightConnector1">
+                <a:avLst/>
+              </a:prstGeom>
+              <a:ln w="6350">
+                <a:solidFill>
+                  <a:schemeClr val="accent2">
+                    <a:lumMod val="75000"/>
+                  </a:schemeClr>
+                </a:solidFill>
+                <a:tailEnd type="triangle"/>
+              </a:ln>
+            </p:spPr>
+            <p:style>
+              <a:lnRef idx="1">
+                <a:schemeClr val="accent1"/>
+              </a:lnRef>
+              <a:fillRef idx="0">
+                <a:schemeClr val="accent1"/>
+              </a:fillRef>
+              <a:effectRef idx="0">
+                <a:schemeClr val="accent1"/>
+              </a:effectRef>
+              <a:fontRef idx="minor">
+                <a:schemeClr val="tx1"/>
+              </a:fontRef>
+            </p:style>
+          </p:cxnSp>
+          <p:cxnSp>
+            <p:nvCxnSpPr>
+              <p:cNvPr id="32" name="直線矢印コネクタ 31">
+                <a:extLst>
+                  <a:ext uri="{FF2B5EF4-FFF2-40B4-BE49-F238E27FC236}">
+                    <a16:creationId xmlns:a16="http://schemas.microsoft.com/office/drawing/2014/main" id="{1AB9F0B0-D608-4A97-B06E-7C5FE7426FB9}"/>
+                  </a:ext>
+                </a:extLst>
+              </p:cNvPr>
+              <p:cNvCxnSpPr>
+                <a:cxnSpLocks/>
+              </p:cNvCxnSpPr>
+              <p:nvPr/>
+            </p:nvCxnSpPr>
+            <p:spPr>
+              <a:xfrm flipV="1">
+                <a:off x="5810431" y="3338000"/>
+                <a:ext cx="1" cy="112083"/>
+              </a:xfrm>
+              <a:prstGeom prst="straightConnector1">
+                <a:avLst/>
+              </a:prstGeom>
+              <a:ln w="6350">
+                <a:solidFill>
+                  <a:schemeClr val="accent2">
+                    <a:lumMod val="75000"/>
+                  </a:schemeClr>
+                </a:solidFill>
+                <a:tailEnd type="triangle"/>
+              </a:ln>
+            </p:spPr>
+            <p:style>
+              <a:lnRef idx="1">
+                <a:schemeClr val="accent1"/>
+              </a:lnRef>
+              <a:fillRef idx="0">
+                <a:schemeClr val="accent1"/>
+              </a:fillRef>
+              <a:effectRef idx="0">
+                <a:schemeClr val="accent1"/>
+              </a:effectRef>
+              <a:fontRef idx="minor">
+                <a:schemeClr val="tx1"/>
+              </a:fontRef>
+            </p:style>
+          </p:cxnSp>
+          <p:cxnSp>
+            <p:nvCxnSpPr>
+              <p:cNvPr id="33" name="直線矢印コネクタ 32">
+                <a:extLst>
+                  <a:ext uri="{FF2B5EF4-FFF2-40B4-BE49-F238E27FC236}">
+                    <a16:creationId xmlns:a16="http://schemas.microsoft.com/office/drawing/2014/main" id="{6146CC50-0A9A-4142-AFF3-B2A6BE9410D0}"/>
+                  </a:ext>
+                </a:extLst>
+              </p:cNvPr>
+              <p:cNvCxnSpPr>
+                <a:cxnSpLocks/>
+              </p:cNvCxnSpPr>
+              <p:nvPr/>
+            </p:nvCxnSpPr>
+            <p:spPr>
+              <a:xfrm flipV="1">
+                <a:off x="5810430" y="4733671"/>
+                <a:ext cx="1" cy="112083"/>
+              </a:xfrm>
+              <a:prstGeom prst="straightConnector1">
+                <a:avLst/>
+              </a:prstGeom>
+              <a:ln w="6350">
+                <a:solidFill>
+                  <a:schemeClr val="accent2">
+                    <a:lumMod val="75000"/>
+                  </a:schemeClr>
+                </a:solidFill>
+                <a:tailEnd type="triangle"/>
+              </a:ln>
+            </p:spPr>
+            <p:style>
+              <a:lnRef idx="1">
+                <a:schemeClr val="accent1"/>
+              </a:lnRef>
+              <a:fillRef idx="0">
+                <a:schemeClr val="accent1"/>
+              </a:fillRef>
+              <a:effectRef idx="0">
+                <a:schemeClr val="accent1"/>
+              </a:effectRef>
+              <a:fontRef idx="minor">
+                <a:schemeClr val="tx1"/>
+              </a:fontRef>
+            </p:style>
+          </p:cxnSp>
+          <p:cxnSp>
+            <p:nvCxnSpPr>
+              <p:cNvPr id="34" name="直線矢印コネクタ 33">
+                <a:extLst>
+                  <a:ext uri="{FF2B5EF4-FFF2-40B4-BE49-F238E27FC236}">
+                    <a16:creationId xmlns:a16="http://schemas.microsoft.com/office/drawing/2014/main" id="{3FFCC8DF-1B2A-4025-8B20-3F495DBAB1F1}"/>
+                  </a:ext>
+                </a:extLst>
+              </p:cNvPr>
+              <p:cNvCxnSpPr>
+                <a:cxnSpLocks/>
+              </p:cNvCxnSpPr>
+              <p:nvPr/>
+            </p:nvCxnSpPr>
+            <p:spPr>
+              <a:xfrm flipV="1">
+                <a:off x="7497186" y="3338000"/>
+                <a:ext cx="1" cy="112083"/>
+              </a:xfrm>
+              <a:prstGeom prst="straightConnector1">
+                <a:avLst/>
+              </a:prstGeom>
+              <a:ln w="6350">
+                <a:solidFill>
+                  <a:schemeClr val="accent2">
+                    <a:lumMod val="75000"/>
+                  </a:schemeClr>
+                </a:solidFill>
+                <a:tailEnd type="triangle"/>
+              </a:ln>
+            </p:spPr>
+            <p:style>
+              <a:lnRef idx="1">
+                <a:schemeClr val="accent1"/>
+              </a:lnRef>
+              <a:fillRef idx="0">
+                <a:schemeClr val="accent1"/>
+              </a:fillRef>
+              <a:effectRef idx="0">
+                <a:schemeClr val="accent1"/>
+              </a:effectRef>
+              <a:fontRef idx="minor">
+                <a:schemeClr val="tx1"/>
+              </a:fontRef>
+            </p:style>
+          </p:cxnSp>
+          <p:cxnSp>
+            <p:nvCxnSpPr>
+              <p:cNvPr id="35" name="直線矢印コネクタ 34">
+                <a:extLst>
+                  <a:ext uri="{FF2B5EF4-FFF2-40B4-BE49-F238E27FC236}">
+                    <a16:creationId xmlns:a16="http://schemas.microsoft.com/office/drawing/2014/main" id="{B6158A02-AF76-4121-871B-F1D1DA0CF916}"/>
+                  </a:ext>
+                </a:extLst>
+              </p:cNvPr>
+              <p:cNvCxnSpPr>
+                <a:cxnSpLocks/>
+              </p:cNvCxnSpPr>
+              <p:nvPr/>
+            </p:nvCxnSpPr>
+            <p:spPr>
+              <a:xfrm flipV="1">
+                <a:off x="7497185" y="4733671"/>
+                <a:ext cx="1" cy="112083"/>
+              </a:xfrm>
+              <a:prstGeom prst="straightConnector1">
+                <a:avLst/>
+              </a:prstGeom>
+              <a:ln w="6350">
+                <a:solidFill>
+                  <a:schemeClr val="accent2">
+                    <a:lumMod val="75000"/>
+                  </a:schemeClr>
+                </a:solidFill>
+                <a:tailEnd type="triangle"/>
+              </a:ln>
+            </p:spPr>
+            <p:style>
+              <a:lnRef idx="1">
+                <a:schemeClr val="accent1"/>
+              </a:lnRef>
+              <a:fillRef idx="0">
+                <a:schemeClr val="accent1"/>
+              </a:fillRef>
+              <a:effectRef idx="0">
+                <a:schemeClr val="accent1"/>
+              </a:effectRef>
+              <a:fontRef idx="minor">
+                <a:schemeClr val="tx1"/>
+              </a:fontRef>
+            </p:style>
+          </p:cxnSp>
+          <p:cxnSp>
+            <p:nvCxnSpPr>
+              <p:cNvPr id="36" name="直線矢印コネクタ 35">
+                <a:extLst>
+                  <a:ext uri="{FF2B5EF4-FFF2-40B4-BE49-F238E27FC236}">
+                    <a16:creationId xmlns:a16="http://schemas.microsoft.com/office/drawing/2014/main" id="{4962119B-7CE0-4007-B9AC-4041732036BA}"/>
+                  </a:ext>
+                </a:extLst>
+              </p:cNvPr>
+              <p:cNvCxnSpPr>
+                <a:cxnSpLocks/>
+                <a:stCxn id="7" idx="0"/>
+                <a:endCxn id="16" idx="2"/>
+              </p:cNvCxnSpPr>
+              <p:nvPr/>
+            </p:nvCxnSpPr>
+            <p:spPr>
+              <a:xfrm flipV="1">
+                <a:off x="4110355" y="1314463"/>
+                <a:ext cx="1327210" cy="516046"/>
+              </a:xfrm>
+              <a:prstGeom prst="straightConnector1">
+                <a:avLst/>
+              </a:prstGeom>
+              <a:ln w="6350">
+                <a:solidFill>
+                  <a:schemeClr val="accent2">
+                    <a:lumMod val="75000"/>
+                  </a:schemeClr>
+                </a:solidFill>
+                <a:tailEnd type="triangle"/>
+              </a:ln>
+            </p:spPr>
+            <p:style>
+              <a:lnRef idx="1">
+                <a:schemeClr val="accent1"/>
+              </a:lnRef>
+              <a:fillRef idx="0">
+                <a:schemeClr val="accent1"/>
+              </a:fillRef>
+              <a:effectRef idx="0">
+                <a:schemeClr val="accent1"/>
+              </a:effectRef>
+              <a:fontRef idx="minor">
+                <a:schemeClr val="tx1"/>
+              </a:fontRef>
+            </p:style>
+          </p:cxnSp>
+          <p:cxnSp>
+            <p:nvCxnSpPr>
+              <p:cNvPr id="40" name="直線矢印コネクタ 39">
+                <a:extLst>
+                  <a:ext uri="{FF2B5EF4-FFF2-40B4-BE49-F238E27FC236}">
+                    <a16:creationId xmlns:a16="http://schemas.microsoft.com/office/drawing/2014/main" id="{069632D4-DEB1-40E3-A2DC-656AA6F4D344}"/>
+                  </a:ext>
+                </a:extLst>
+              </p:cNvPr>
+              <p:cNvCxnSpPr>
+                <a:cxnSpLocks/>
+                <a:stCxn id="5" idx="0"/>
+                <a:endCxn id="16" idx="4"/>
+              </p:cNvCxnSpPr>
+              <p:nvPr/>
+            </p:nvCxnSpPr>
+            <p:spPr>
+              <a:xfrm flipH="1" flipV="1">
+                <a:off x="5797110" y="1571750"/>
+                <a:ext cx="13323" cy="258759"/>
+              </a:xfrm>
+              <a:prstGeom prst="straightConnector1">
+                <a:avLst/>
+              </a:prstGeom>
+              <a:ln w="6350">
+                <a:solidFill>
+                  <a:schemeClr val="accent2">
+                    <a:lumMod val="75000"/>
+                  </a:schemeClr>
+                </a:solidFill>
+                <a:tailEnd type="triangle"/>
+              </a:ln>
+            </p:spPr>
+            <p:style>
+              <a:lnRef idx="1">
+                <a:schemeClr val="accent1"/>
+              </a:lnRef>
+              <a:fillRef idx="0">
+                <a:schemeClr val="accent1"/>
+              </a:fillRef>
+              <a:effectRef idx="0">
+                <a:schemeClr val="accent1"/>
+              </a:effectRef>
+              <a:fontRef idx="minor">
+                <a:schemeClr val="tx1"/>
+              </a:fontRef>
+            </p:style>
+          </p:cxnSp>
+          <p:cxnSp>
+            <p:nvCxnSpPr>
+              <p:cNvPr id="43" name="直線矢印コネクタ 42">
+                <a:extLst>
+                  <a:ext uri="{FF2B5EF4-FFF2-40B4-BE49-F238E27FC236}">
+                    <a16:creationId xmlns:a16="http://schemas.microsoft.com/office/drawing/2014/main" id="{8BE19B32-E700-4C30-9CC7-6B7622100F2E}"/>
+                  </a:ext>
+                </a:extLst>
+              </p:cNvPr>
+              <p:cNvCxnSpPr>
+                <a:cxnSpLocks/>
+                <a:stCxn id="6" idx="0"/>
+                <a:endCxn id="16" idx="6"/>
+              </p:cNvCxnSpPr>
+              <p:nvPr/>
+            </p:nvCxnSpPr>
+            <p:spPr>
+              <a:xfrm flipH="1" flipV="1">
+                <a:off x="6156655" y="1314463"/>
+                <a:ext cx="1327216" cy="516046"/>
+              </a:xfrm>
+              <a:prstGeom prst="straightConnector1">
+                <a:avLst/>
+              </a:prstGeom>
+              <a:ln w="6350">
+                <a:solidFill>
+                  <a:schemeClr val="accent2">
+                    <a:lumMod val="75000"/>
+                  </a:schemeClr>
+                </a:solidFill>
+                <a:tailEnd type="triangle"/>
+              </a:ln>
+            </p:spPr>
+            <p:style>
+              <a:lnRef idx="1">
+                <a:schemeClr val="accent1"/>
+              </a:lnRef>
+              <a:fillRef idx="0">
+                <a:schemeClr val="accent1"/>
+              </a:fillRef>
+              <a:effectRef idx="0">
+                <a:schemeClr val="accent1"/>
+              </a:effectRef>
+              <a:fontRef idx="minor">
+                <a:schemeClr val="tx1"/>
+              </a:fontRef>
+            </p:style>
+          </p:cxnSp>
+          <p:cxnSp>
+            <p:nvCxnSpPr>
+              <p:cNvPr id="27" name="直線矢印コネクタ 26">
+                <a:extLst>
+                  <a:ext uri="{FF2B5EF4-FFF2-40B4-BE49-F238E27FC236}">
+                    <a16:creationId xmlns:a16="http://schemas.microsoft.com/office/drawing/2014/main" id="{B408452D-184A-4575-BAF4-A9EEE69498F4}"/>
+                  </a:ext>
+                </a:extLst>
+              </p:cNvPr>
+              <p:cNvCxnSpPr>
+                <a:cxnSpLocks/>
+              </p:cNvCxnSpPr>
+              <p:nvPr/>
+            </p:nvCxnSpPr>
+            <p:spPr>
+              <a:xfrm flipV="1">
+                <a:off x="4123673" y="3936137"/>
+                <a:ext cx="1" cy="112083"/>
+              </a:xfrm>
+              <a:prstGeom prst="straightConnector1">
+                <a:avLst/>
+              </a:prstGeom>
+              <a:ln w="6350">
+                <a:solidFill>
+                  <a:schemeClr val="accent2">
+                    <a:lumMod val="75000"/>
+                  </a:schemeClr>
+                </a:solidFill>
+                <a:tailEnd type="triangle"/>
+              </a:ln>
+            </p:spPr>
+            <p:style>
+              <a:lnRef idx="1">
+                <a:schemeClr val="accent1"/>
+              </a:lnRef>
+              <a:fillRef idx="0">
+                <a:schemeClr val="accent1"/>
+              </a:fillRef>
+              <a:effectRef idx="0">
+                <a:schemeClr val="accent1"/>
+              </a:effectRef>
+              <a:fontRef idx="minor">
+                <a:schemeClr val="tx1"/>
+              </a:fontRef>
+            </p:style>
+          </p:cxnSp>
+          <p:cxnSp>
+            <p:nvCxnSpPr>
+              <p:cNvPr id="29" name="直線矢印コネクタ 28">
+                <a:extLst>
+                  <a:ext uri="{FF2B5EF4-FFF2-40B4-BE49-F238E27FC236}">
+                    <a16:creationId xmlns:a16="http://schemas.microsoft.com/office/drawing/2014/main" id="{C8869595-4C34-4E42-9667-E705DF70F9C3}"/>
+                  </a:ext>
+                </a:extLst>
+              </p:cNvPr>
+              <p:cNvCxnSpPr>
+                <a:cxnSpLocks/>
+              </p:cNvCxnSpPr>
+              <p:nvPr/>
+            </p:nvCxnSpPr>
+            <p:spPr>
+              <a:xfrm flipV="1">
+                <a:off x="5810429" y="3936136"/>
+                <a:ext cx="1" cy="112083"/>
+              </a:xfrm>
+              <a:prstGeom prst="straightConnector1">
+                <a:avLst/>
+              </a:prstGeom>
+              <a:ln w="6350">
+                <a:solidFill>
+                  <a:schemeClr val="accent2">
+                    <a:lumMod val="75000"/>
+                  </a:schemeClr>
+                </a:solidFill>
+                <a:tailEnd type="triangle"/>
+              </a:ln>
+            </p:spPr>
+            <p:style>
+              <a:lnRef idx="1">
+                <a:schemeClr val="accent1"/>
+              </a:lnRef>
+              <a:fillRef idx="0">
+                <a:schemeClr val="accent1"/>
+              </a:fillRef>
+              <a:effectRef idx="0">
+                <a:schemeClr val="accent1"/>
+              </a:effectRef>
+              <a:fontRef idx="minor">
+                <a:schemeClr val="tx1"/>
+              </a:fontRef>
+            </p:style>
+          </p:cxnSp>
+          <p:cxnSp>
+            <p:nvCxnSpPr>
+              <p:cNvPr id="30" name="直線矢印コネクタ 29">
+                <a:extLst>
+                  <a:ext uri="{FF2B5EF4-FFF2-40B4-BE49-F238E27FC236}">
+                    <a16:creationId xmlns:a16="http://schemas.microsoft.com/office/drawing/2014/main" id="{5386954F-F6F7-4C60-9E0B-E1450EB67A3B}"/>
+                  </a:ext>
+                </a:extLst>
+              </p:cNvPr>
+              <p:cNvCxnSpPr>
+                <a:cxnSpLocks/>
+              </p:cNvCxnSpPr>
+              <p:nvPr/>
+            </p:nvCxnSpPr>
+            <p:spPr>
+              <a:xfrm flipV="1">
+                <a:off x="7497184" y="3936136"/>
+                <a:ext cx="1" cy="112083"/>
+              </a:xfrm>
+              <a:prstGeom prst="straightConnector1">
+                <a:avLst/>
+              </a:prstGeom>
+              <a:ln w="6350">
+                <a:solidFill>
+                  <a:schemeClr val="accent2">
+                    <a:lumMod val="75000"/>
+                  </a:schemeClr>
+                </a:solidFill>
+                <a:tailEnd type="triangle"/>
+              </a:ln>
+            </p:spPr>
+            <p:style>
+              <a:lnRef idx="1">
+                <a:schemeClr val="accent1"/>
+              </a:lnRef>
+              <a:fillRef idx="0">
+                <a:schemeClr val="accent1"/>
+              </a:fillRef>
+              <a:effectRef idx="0">
+                <a:schemeClr val="accent1"/>
+              </a:effectRef>
+              <a:fontRef idx="minor">
+                <a:schemeClr val="tx1"/>
+              </a:fontRef>
+            </p:style>
+          </p:cxnSp>
+          <p:sp>
+            <p:nvSpPr>
+              <p:cNvPr id="2" name="正方形/長方形 1">
+                <a:extLst>
+                  <a:ext uri="{FF2B5EF4-FFF2-40B4-BE49-F238E27FC236}">
+                    <a16:creationId xmlns:a16="http://schemas.microsoft.com/office/drawing/2014/main" id="{D3186BDE-4196-4486-A945-D9D7974A8A94}"/>
+                  </a:ext>
+                </a:extLst>
+              </p:cNvPr>
+              <p:cNvSpPr/>
+              <p:nvPr/>
+            </p:nvSpPr>
+            <p:spPr>
+              <a:xfrm>
+                <a:off x="3446109" y="4048219"/>
+                <a:ext cx="4728640" cy="685451"/>
+              </a:xfrm>
+              <a:prstGeom prst="rect">
+                <a:avLst/>
+              </a:prstGeom>
+              <a:solidFill>
+                <a:schemeClr val="accent4"/>
+              </a:solidFill>
+              <a:ln>
+                <a:solidFill>
+                  <a:schemeClr val="accent4">
+                    <a:lumMod val="75000"/>
+                  </a:schemeClr>
+                </a:solidFill>
+              </a:ln>
+            </p:spPr>
+            <p:style>
+              <a:lnRef idx="2">
+                <a:schemeClr val="accent1">
+                  <a:shade val="50000"/>
+                </a:schemeClr>
+              </a:lnRef>
+              <a:fillRef idx="1">
+                <a:schemeClr val="accent1"/>
+              </a:fillRef>
+              <a:effectRef idx="0">
+                <a:schemeClr val="accent1"/>
+              </a:effectRef>
+              <a:fontRef idx="minor">
+                <a:schemeClr val="lt1"/>
+              </a:fontRef>
+            </p:style>
+            <p:txBody>
+              <a:bodyPr rtlCol="0" anchor="ctr"/>
+              <a:lstStyle/>
+              <a:p>
+                <a:pPr algn="ctr"/>
+                <a:r>
+                  <a:rPr kumimoji="1" lang="en-US" altLang="ja-JP" sz="3600" b="1" dirty="0"/>
+                  <a:t>BERT</a:t>
+                </a:r>
+                <a:r>
+                  <a:rPr kumimoji="1" lang="ja-JP" altLang="en-US" dirty="0"/>
+                  <a:t> </a:t>
+                </a:r>
+              </a:p>
+            </p:txBody>
+          </p:sp>
+          <p:sp>
+            <p:nvSpPr>
+              <p:cNvPr id="17" name="テキスト ボックス 16">
+                <a:extLst>
+                  <a:ext uri="{FF2B5EF4-FFF2-40B4-BE49-F238E27FC236}">
+                    <a16:creationId xmlns:a16="http://schemas.microsoft.com/office/drawing/2014/main" id="{79D28BB4-3D88-43B7-A51E-C5BE913235D5}"/>
+                  </a:ext>
+                </a:extLst>
+              </p:cNvPr>
+              <p:cNvSpPr txBox="1"/>
+              <p:nvPr/>
+            </p:nvSpPr>
+            <p:spPr>
+              <a:xfrm>
+                <a:off x="3092769" y="5761985"/>
+                <a:ext cx="5435320" cy="343206"/>
+              </a:xfrm>
+              <a:prstGeom prst="rect">
+                <a:avLst/>
+              </a:prstGeom>
+              <a:noFill/>
+            </p:spPr>
+            <p:txBody>
+              <a:bodyPr wrap="square" rtlCol="0">
+                <a:spAutoFit/>
+              </a:bodyPr>
+              <a:lstStyle/>
+              <a:p>
+                <a:pPr algn="ctr"/>
+                <a:r>
+                  <a:rPr kumimoji="1" lang="ja-JP" altLang="en-US" sz="1600" dirty="0"/>
+                  <a:t>連続する </a:t>
+                </a:r>
+                <a:r>
+                  <a:rPr kumimoji="1" lang="en-US" altLang="ja-JP" sz="1600" dirty="0"/>
+                  <a:t>n </a:t>
+                </a:r>
+                <a:r>
+                  <a:rPr kumimoji="1" lang="ja-JP" altLang="en-US" sz="1600" dirty="0"/>
+                  <a:t>文のセリフの </a:t>
+                </a:r>
+                <a:r>
+                  <a:rPr kumimoji="1" lang="en-US" altLang="ja-JP" sz="1600" dirty="0"/>
+                  <a:t>BERT</a:t>
+                </a:r>
+                <a:r>
+                  <a:rPr kumimoji="1" lang="ja-JP" altLang="en-US" sz="1600" dirty="0"/>
+                  <a:t> </a:t>
+                </a:r>
+                <a:r>
+                  <a:rPr kumimoji="1" lang="en-US" altLang="ja-JP" sz="1600" dirty="0"/>
+                  <a:t>id </a:t>
+                </a:r>
+                <a:r>
+                  <a:rPr kumimoji="1" lang="ja-JP" altLang="en-US" sz="1600" dirty="0"/>
+                  <a:t>列</a:t>
+                </a:r>
+              </a:p>
+            </p:txBody>
+          </p:sp>
+        </p:grpSp>
         <p:cxnSp>
           <p:nvCxnSpPr>
-            <p:cNvPr id="18" name="直線矢印コネクタ 17">
+            <p:cNvPr id="50" name="直線矢印コネクタ 49">
               <a:extLst>
                 <a:ext uri="{FF2B5EF4-FFF2-40B4-BE49-F238E27FC236}">
-                  <a16:creationId xmlns:a16="http://schemas.microsoft.com/office/drawing/2014/main" id="{6D331F32-FAB5-4C21-8C81-D7BC3D19E9A4}"/>
+                  <a16:creationId xmlns:a16="http://schemas.microsoft.com/office/drawing/2014/main" id="{DBF64EC3-63C7-40EB-95B4-ABC76E12B8C1}"/>
                 </a:ext>
               </a:extLst>
             </p:cNvPr>
             <p:cNvCxnSpPr>
               <a:cxnSpLocks/>
-              <a:endCxn id="7" idx="2"/>
-            </p:cNvCxnSpPr>
-            <p:nvPr/>
-          </p:nvCxnSpPr>
-          <p:spPr>
-            <a:xfrm flipV="1">
-              <a:off x="4123677" y="2120654"/>
-              <a:ext cx="0" cy="301841"/>
-            </a:xfrm>
-            <a:prstGeom prst="straightConnector1">
-              <a:avLst/>
-            </a:prstGeom>
-            <a:ln w="6350">
-              <a:solidFill>
-                <a:schemeClr val="accent2">
-                  <a:lumMod val="75000"/>
-                </a:schemeClr>
-              </a:solidFill>
-              <a:tailEnd type="triangle"/>
-            </a:ln>
-          </p:spPr>
-          <p:style>
-            <a:lnRef idx="1">
-              <a:schemeClr val="accent1"/>
-            </a:lnRef>
-            <a:fillRef idx="0">
-              <a:schemeClr val="accent1"/>
-            </a:fillRef>
-            <a:effectRef idx="0">
-              <a:schemeClr val="accent1"/>
-            </a:effectRef>
-            <a:fontRef idx="minor">
-              <a:schemeClr val="tx1"/>
-            </a:fontRef>
-          </p:style>
-        </p:cxnSp>
-        <p:cxnSp>
-          <p:nvCxnSpPr>
-            <p:cNvPr id="22" name="直線矢印コネクタ 21">
-              <a:extLst>
-                <a:ext uri="{FF2B5EF4-FFF2-40B4-BE49-F238E27FC236}">
-                  <a16:creationId xmlns:a16="http://schemas.microsoft.com/office/drawing/2014/main" id="{5EFFD011-B342-4071-A9DA-44C3211DDCD5}"/>
-                </a:ext>
-              </a:extLst>
-            </p:cNvPr>
-            <p:cNvCxnSpPr>
-              <a:cxnSpLocks/>
-              <a:stCxn id="4" idx="0"/>
-              <a:endCxn id="5" idx="2"/>
-            </p:cNvCxnSpPr>
-            <p:nvPr/>
-          </p:nvCxnSpPr>
-          <p:spPr>
-            <a:xfrm flipV="1">
-              <a:off x="5810435" y="2120654"/>
-              <a:ext cx="0" cy="298897"/>
-            </a:xfrm>
-            <a:prstGeom prst="straightConnector1">
-              <a:avLst/>
-            </a:prstGeom>
-            <a:ln w="6350">
-              <a:solidFill>
-                <a:schemeClr val="accent2">
-                  <a:lumMod val="75000"/>
-                </a:schemeClr>
-              </a:solidFill>
-              <a:tailEnd type="triangle"/>
-            </a:ln>
-          </p:spPr>
-          <p:style>
-            <a:lnRef idx="1">
-              <a:schemeClr val="accent1"/>
-            </a:lnRef>
-            <a:fillRef idx="0">
-              <a:schemeClr val="accent1"/>
-            </a:fillRef>
-            <a:effectRef idx="0">
-              <a:schemeClr val="accent1"/>
-            </a:effectRef>
-            <a:fontRef idx="minor">
-              <a:schemeClr val="tx1"/>
-            </a:fontRef>
-          </p:style>
-        </p:cxnSp>
-        <p:cxnSp>
-          <p:nvCxnSpPr>
-            <p:cNvPr id="25" name="直線矢印コネクタ 24">
-              <a:extLst>
-                <a:ext uri="{FF2B5EF4-FFF2-40B4-BE49-F238E27FC236}">
-                  <a16:creationId xmlns:a16="http://schemas.microsoft.com/office/drawing/2014/main" id="{C00DB2CA-B195-46E0-ADC6-C0E1832A65BC}"/>
-                </a:ext>
-              </a:extLst>
-            </p:cNvPr>
-            <p:cNvCxnSpPr>
-              <a:cxnSpLocks/>
-              <a:endCxn id="6" idx="2"/>
-            </p:cNvCxnSpPr>
-            <p:nvPr/>
-          </p:nvCxnSpPr>
-          <p:spPr>
-            <a:xfrm flipV="1">
-              <a:off x="7497193" y="2120654"/>
-              <a:ext cx="0" cy="301841"/>
-            </a:xfrm>
-            <a:prstGeom prst="straightConnector1">
-              <a:avLst/>
-            </a:prstGeom>
-            <a:ln w="6350">
-              <a:solidFill>
-                <a:schemeClr val="accent2">
-                  <a:lumMod val="75000"/>
-                </a:schemeClr>
-              </a:solidFill>
-              <a:tailEnd type="triangle"/>
-            </a:ln>
-          </p:spPr>
-          <p:style>
-            <a:lnRef idx="1">
-              <a:schemeClr val="accent1"/>
-            </a:lnRef>
-            <a:fillRef idx="0">
-              <a:schemeClr val="accent1"/>
-            </a:fillRef>
-            <a:effectRef idx="0">
-              <a:schemeClr val="accent1"/>
-            </a:effectRef>
-            <a:fontRef idx="minor">
-              <a:schemeClr val="tx1"/>
-            </a:fontRef>
-          </p:style>
-        </p:cxnSp>
-        <p:cxnSp>
-          <p:nvCxnSpPr>
-            <p:cNvPr id="28" name="直線矢印コネクタ 27">
-              <a:extLst>
-                <a:ext uri="{FF2B5EF4-FFF2-40B4-BE49-F238E27FC236}">
-                  <a16:creationId xmlns:a16="http://schemas.microsoft.com/office/drawing/2014/main" id="{57E6488B-081A-43A3-8A58-9954AC8C0519}"/>
-                </a:ext>
-              </a:extLst>
-            </p:cNvPr>
-            <p:cNvCxnSpPr>
-              <a:cxnSpLocks/>
-              <a:stCxn id="12" idx="0"/>
-            </p:cNvCxnSpPr>
-            <p:nvPr/>
-          </p:nvCxnSpPr>
-          <p:spPr>
-            <a:xfrm flipV="1">
-              <a:off x="4123676" y="3338001"/>
-              <a:ext cx="1" cy="112083"/>
-            </a:xfrm>
-            <a:prstGeom prst="straightConnector1">
-              <a:avLst/>
-            </a:prstGeom>
-            <a:ln w="6350">
-              <a:solidFill>
-                <a:schemeClr val="accent2">
-                  <a:lumMod val="75000"/>
-                </a:schemeClr>
-              </a:solidFill>
-              <a:tailEnd type="triangle"/>
-            </a:ln>
-          </p:spPr>
-          <p:style>
-            <a:lnRef idx="1">
-              <a:schemeClr val="accent1"/>
-            </a:lnRef>
-            <a:fillRef idx="0">
-              <a:schemeClr val="accent1"/>
-            </a:fillRef>
-            <a:effectRef idx="0">
-              <a:schemeClr val="accent1"/>
-            </a:effectRef>
-            <a:fontRef idx="minor">
-              <a:schemeClr val="tx1"/>
-            </a:fontRef>
-          </p:style>
-        </p:cxnSp>
-        <p:cxnSp>
-          <p:nvCxnSpPr>
-            <p:cNvPr id="31" name="直線矢印コネクタ 30">
-              <a:extLst>
-                <a:ext uri="{FF2B5EF4-FFF2-40B4-BE49-F238E27FC236}">
-                  <a16:creationId xmlns:a16="http://schemas.microsoft.com/office/drawing/2014/main" id="{46CF40E6-D02F-45FB-BCED-2C24A6F581F3}"/>
-                </a:ext>
-              </a:extLst>
-            </p:cNvPr>
-            <p:cNvCxnSpPr>
-              <a:cxnSpLocks/>
-            </p:cNvCxnSpPr>
-            <p:nvPr/>
-          </p:nvCxnSpPr>
-          <p:spPr>
-            <a:xfrm flipV="1">
-              <a:off x="4123674" y="4733672"/>
-              <a:ext cx="1" cy="112083"/>
-            </a:xfrm>
-            <a:prstGeom prst="straightConnector1">
-              <a:avLst/>
-            </a:prstGeom>
-            <a:ln w="6350">
-              <a:solidFill>
-                <a:schemeClr val="accent2">
-                  <a:lumMod val="75000"/>
-                </a:schemeClr>
-              </a:solidFill>
-              <a:tailEnd type="triangle"/>
-            </a:ln>
-          </p:spPr>
-          <p:style>
-            <a:lnRef idx="1">
-              <a:schemeClr val="accent1"/>
-            </a:lnRef>
-            <a:fillRef idx="0">
-              <a:schemeClr val="accent1"/>
-            </a:fillRef>
-            <a:effectRef idx="0">
-              <a:schemeClr val="accent1"/>
-            </a:effectRef>
-            <a:fontRef idx="minor">
-              <a:schemeClr val="tx1"/>
-            </a:fontRef>
-          </p:style>
-        </p:cxnSp>
-        <p:cxnSp>
-          <p:nvCxnSpPr>
-            <p:cNvPr id="32" name="直線矢印コネクタ 31">
-              <a:extLst>
-                <a:ext uri="{FF2B5EF4-FFF2-40B4-BE49-F238E27FC236}">
-                  <a16:creationId xmlns:a16="http://schemas.microsoft.com/office/drawing/2014/main" id="{1AB9F0B0-D608-4A97-B06E-7C5FE7426FB9}"/>
-                </a:ext>
-              </a:extLst>
-            </p:cNvPr>
-            <p:cNvCxnSpPr>
-              <a:cxnSpLocks/>
-            </p:cNvCxnSpPr>
-            <p:nvPr/>
-          </p:nvCxnSpPr>
-          <p:spPr>
-            <a:xfrm flipV="1">
-              <a:off x="5810431" y="3338000"/>
-              <a:ext cx="1" cy="112083"/>
-            </a:xfrm>
-            <a:prstGeom prst="straightConnector1">
-              <a:avLst/>
-            </a:prstGeom>
-            <a:ln w="6350">
-              <a:solidFill>
-                <a:schemeClr val="accent2">
-                  <a:lumMod val="75000"/>
-                </a:schemeClr>
-              </a:solidFill>
-              <a:tailEnd type="triangle"/>
-            </a:ln>
-          </p:spPr>
-          <p:style>
-            <a:lnRef idx="1">
-              <a:schemeClr val="accent1"/>
-            </a:lnRef>
-            <a:fillRef idx="0">
-              <a:schemeClr val="accent1"/>
-            </a:fillRef>
-            <a:effectRef idx="0">
-              <a:schemeClr val="accent1"/>
-            </a:effectRef>
-            <a:fontRef idx="minor">
-              <a:schemeClr val="tx1"/>
-            </a:fontRef>
-          </p:style>
-        </p:cxnSp>
-        <p:cxnSp>
-          <p:nvCxnSpPr>
-            <p:cNvPr id="33" name="直線矢印コネクタ 32">
-              <a:extLst>
-                <a:ext uri="{FF2B5EF4-FFF2-40B4-BE49-F238E27FC236}">
-                  <a16:creationId xmlns:a16="http://schemas.microsoft.com/office/drawing/2014/main" id="{6146CC50-0A9A-4142-AFF3-B2A6BE9410D0}"/>
-                </a:ext>
-              </a:extLst>
-            </p:cNvPr>
-            <p:cNvCxnSpPr>
-              <a:cxnSpLocks/>
-            </p:cNvCxnSpPr>
-            <p:nvPr/>
-          </p:nvCxnSpPr>
-          <p:spPr>
-            <a:xfrm flipV="1">
-              <a:off x="5810430" y="4733671"/>
-              <a:ext cx="1" cy="112083"/>
-            </a:xfrm>
-            <a:prstGeom prst="straightConnector1">
-              <a:avLst/>
-            </a:prstGeom>
-            <a:ln w="6350">
-              <a:solidFill>
-                <a:schemeClr val="accent2">
-                  <a:lumMod val="75000"/>
-                </a:schemeClr>
-              </a:solidFill>
-              <a:tailEnd type="triangle"/>
-            </a:ln>
-          </p:spPr>
-          <p:style>
-            <a:lnRef idx="1">
-              <a:schemeClr val="accent1"/>
-            </a:lnRef>
-            <a:fillRef idx="0">
-              <a:schemeClr val="accent1"/>
-            </a:fillRef>
-            <a:effectRef idx="0">
-              <a:schemeClr val="accent1"/>
-            </a:effectRef>
-            <a:fontRef idx="minor">
-              <a:schemeClr val="tx1"/>
-            </a:fontRef>
-          </p:style>
-        </p:cxnSp>
-        <p:cxnSp>
-          <p:nvCxnSpPr>
-            <p:cNvPr id="34" name="直線矢印コネクタ 33">
-              <a:extLst>
-                <a:ext uri="{FF2B5EF4-FFF2-40B4-BE49-F238E27FC236}">
-                  <a16:creationId xmlns:a16="http://schemas.microsoft.com/office/drawing/2014/main" id="{3FFCC8DF-1B2A-4025-8B20-3F495DBAB1F1}"/>
-                </a:ext>
-              </a:extLst>
-            </p:cNvPr>
-            <p:cNvCxnSpPr>
-              <a:cxnSpLocks/>
-            </p:cNvCxnSpPr>
-            <p:nvPr/>
-          </p:nvCxnSpPr>
-          <p:spPr>
-            <a:xfrm flipV="1">
-              <a:off x="7497186" y="3338000"/>
-              <a:ext cx="1" cy="112083"/>
-            </a:xfrm>
-            <a:prstGeom prst="straightConnector1">
-              <a:avLst/>
-            </a:prstGeom>
-            <a:ln w="6350">
-              <a:solidFill>
-                <a:schemeClr val="accent2">
-                  <a:lumMod val="75000"/>
-                </a:schemeClr>
-              </a:solidFill>
-              <a:tailEnd type="triangle"/>
-            </a:ln>
-          </p:spPr>
-          <p:style>
-            <a:lnRef idx="1">
-              <a:schemeClr val="accent1"/>
-            </a:lnRef>
-            <a:fillRef idx="0">
-              <a:schemeClr val="accent1"/>
-            </a:fillRef>
-            <a:effectRef idx="0">
-              <a:schemeClr val="accent1"/>
-            </a:effectRef>
-            <a:fontRef idx="minor">
-              <a:schemeClr val="tx1"/>
-            </a:fontRef>
-          </p:style>
-        </p:cxnSp>
-        <p:cxnSp>
-          <p:nvCxnSpPr>
-            <p:cNvPr id="35" name="直線矢印コネクタ 34">
-              <a:extLst>
-                <a:ext uri="{FF2B5EF4-FFF2-40B4-BE49-F238E27FC236}">
-                  <a16:creationId xmlns:a16="http://schemas.microsoft.com/office/drawing/2014/main" id="{B6158A02-AF76-4121-871B-F1D1DA0CF916}"/>
-                </a:ext>
-              </a:extLst>
-            </p:cNvPr>
-            <p:cNvCxnSpPr>
-              <a:cxnSpLocks/>
-            </p:cNvCxnSpPr>
-            <p:nvPr/>
-          </p:nvCxnSpPr>
-          <p:spPr>
-            <a:xfrm flipV="1">
-              <a:off x="7497185" y="4733671"/>
-              <a:ext cx="1" cy="112083"/>
-            </a:xfrm>
-            <a:prstGeom prst="straightConnector1">
-              <a:avLst/>
-            </a:prstGeom>
-            <a:ln w="6350">
-              <a:solidFill>
-                <a:schemeClr val="accent2">
-                  <a:lumMod val="75000"/>
-                </a:schemeClr>
-              </a:solidFill>
-              <a:tailEnd type="triangle"/>
-            </a:ln>
-          </p:spPr>
-          <p:style>
-            <a:lnRef idx="1">
-              <a:schemeClr val="accent1"/>
-            </a:lnRef>
-            <a:fillRef idx="0">
-              <a:schemeClr val="accent1"/>
-            </a:fillRef>
-            <a:effectRef idx="0">
-              <a:schemeClr val="accent1"/>
-            </a:effectRef>
-            <a:fontRef idx="minor">
-              <a:schemeClr val="tx1"/>
-            </a:fontRef>
-          </p:style>
-        </p:cxnSp>
-        <p:cxnSp>
-          <p:nvCxnSpPr>
-            <p:cNvPr id="36" name="直線矢印コネクタ 35">
-              <a:extLst>
-                <a:ext uri="{FF2B5EF4-FFF2-40B4-BE49-F238E27FC236}">
-                  <a16:creationId xmlns:a16="http://schemas.microsoft.com/office/drawing/2014/main" id="{4962119B-7CE0-4007-B9AC-4041732036BA}"/>
-                </a:ext>
-              </a:extLst>
-            </p:cNvPr>
-            <p:cNvCxnSpPr>
-              <a:cxnSpLocks/>
-              <a:stCxn id="7" idx="0"/>
-              <a:endCxn id="16" idx="2"/>
-            </p:cNvCxnSpPr>
-            <p:nvPr/>
-          </p:nvCxnSpPr>
-          <p:spPr>
-            <a:xfrm flipV="1">
-              <a:off x="4123677" y="949914"/>
-              <a:ext cx="1327210" cy="684688"/>
-            </a:xfrm>
-            <a:prstGeom prst="straightConnector1">
-              <a:avLst/>
-            </a:prstGeom>
-            <a:ln w="6350">
-              <a:solidFill>
-                <a:schemeClr val="accent2">
-                  <a:lumMod val="75000"/>
-                </a:schemeClr>
-              </a:solidFill>
-              <a:tailEnd type="triangle"/>
-            </a:ln>
-          </p:spPr>
-          <p:style>
-            <a:lnRef idx="1">
-              <a:schemeClr val="accent1"/>
-            </a:lnRef>
-            <a:fillRef idx="0">
-              <a:schemeClr val="accent1"/>
-            </a:fillRef>
-            <a:effectRef idx="0">
-              <a:schemeClr val="accent1"/>
-            </a:effectRef>
-            <a:fontRef idx="minor">
-              <a:schemeClr val="tx1"/>
-            </a:fontRef>
-          </p:style>
-        </p:cxnSp>
-        <p:cxnSp>
-          <p:nvCxnSpPr>
-            <p:cNvPr id="40" name="直線矢印コネクタ 39">
-              <a:extLst>
-                <a:ext uri="{FF2B5EF4-FFF2-40B4-BE49-F238E27FC236}">
-                  <a16:creationId xmlns:a16="http://schemas.microsoft.com/office/drawing/2014/main" id="{069632D4-DEB1-40E3-A2DC-656AA6F4D344}"/>
-                </a:ext>
-              </a:extLst>
-            </p:cNvPr>
-            <p:cNvCxnSpPr>
-              <a:cxnSpLocks/>
-              <a:stCxn id="5" idx="0"/>
-              <a:endCxn id="16" idx="4"/>
+              <a:stCxn id="16" idx="0"/>
             </p:cNvCxnSpPr>
             <p:nvPr/>
           </p:nvCxnSpPr>
           <p:spPr>
             <a:xfrm flipH="1" flipV="1">
-              <a:off x="5810433" y="1282826"/>
-              <a:ext cx="2" cy="351776"/>
-            </a:xfrm>
-            <a:prstGeom prst="straightConnector1">
-              <a:avLst/>
-            </a:prstGeom>
-            <a:ln w="6350">
-              <a:solidFill>
-                <a:schemeClr val="accent2">
-                  <a:lumMod val="75000"/>
-                </a:schemeClr>
-              </a:solidFill>
-              <a:tailEnd type="triangle"/>
-            </a:ln>
-          </p:spPr>
-          <p:style>
-            <a:lnRef idx="1">
-              <a:schemeClr val="accent1"/>
-            </a:lnRef>
-            <a:fillRef idx="0">
-              <a:schemeClr val="accent1"/>
-            </a:fillRef>
-            <a:effectRef idx="0">
-              <a:schemeClr val="accent1"/>
-            </a:effectRef>
-            <a:fontRef idx="minor">
-              <a:schemeClr val="tx1"/>
-            </a:fontRef>
-          </p:style>
-        </p:cxnSp>
-        <p:cxnSp>
-          <p:nvCxnSpPr>
-            <p:cNvPr id="43" name="直線矢印コネクタ 42">
-              <a:extLst>
-                <a:ext uri="{FF2B5EF4-FFF2-40B4-BE49-F238E27FC236}">
-                  <a16:creationId xmlns:a16="http://schemas.microsoft.com/office/drawing/2014/main" id="{8BE19B32-E700-4C30-9CC7-6B7622100F2E}"/>
-                </a:ext>
-              </a:extLst>
-            </p:cNvPr>
-            <p:cNvCxnSpPr>
-              <a:cxnSpLocks/>
-              <a:stCxn id="6" idx="0"/>
-              <a:endCxn id="16" idx="6"/>
-            </p:cNvCxnSpPr>
-            <p:nvPr/>
-          </p:nvCxnSpPr>
-          <p:spPr>
-            <a:xfrm flipH="1" flipV="1">
-              <a:off x="6169978" y="949914"/>
-              <a:ext cx="1327215" cy="684688"/>
-            </a:xfrm>
-            <a:prstGeom prst="straightConnector1">
-              <a:avLst/>
-            </a:prstGeom>
-            <a:ln w="6350">
-              <a:solidFill>
-                <a:schemeClr val="accent2">
-                  <a:lumMod val="75000"/>
-                </a:schemeClr>
-              </a:solidFill>
-              <a:tailEnd type="triangle"/>
-            </a:ln>
-          </p:spPr>
-          <p:style>
-            <a:lnRef idx="1">
-              <a:schemeClr val="accent1"/>
-            </a:lnRef>
-            <a:fillRef idx="0">
-              <a:schemeClr val="accent1"/>
-            </a:fillRef>
-            <a:effectRef idx="0">
-              <a:schemeClr val="accent1"/>
-            </a:effectRef>
-            <a:fontRef idx="minor">
-              <a:schemeClr val="tx1"/>
-            </a:fontRef>
-          </p:style>
-        </p:cxnSp>
-        <p:cxnSp>
-          <p:nvCxnSpPr>
-            <p:cNvPr id="27" name="直線矢印コネクタ 26">
-              <a:extLst>
-                <a:ext uri="{FF2B5EF4-FFF2-40B4-BE49-F238E27FC236}">
-                  <a16:creationId xmlns:a16="http://schemas.microsoft.com/office/drawing/2014/main" id="{B408452D-184A-4575-BAF4-A9EEE69498F4}"/>
-                </a:ext>
-              </a:extLst>
-            </p:cNvPr>
-            <p:cNvCxnSpPr>
-              <a:cxnSpLocks/>
-            </p:cNvCxnSpPr>
-            <p:nvPr/>
-          </p:nvCxnSpPr>
-          <p:spPr>
-            <a:xfrm flipV="1">
-              <a:off x="4123673" y="3936137"/>
-              <a:ext cx="1" cy="112083"/>
-            </a:xfrm>
-            <a:prstGeom prst="straightConnector1">
-              <a:avLst/>
-            </a:prstGeom>
-            <a:ln w="6350">
-              <a:solidFill>
-                <a:schemeClr val="accent2">
-                  <a:lumMod val="75000"/>
-                </a:schemeClr>
-              </a:solidFill>
-              <a:tailEnd type="triangle"/>
-            </a:ln>
-          </p:spPr>
-          <p:style>
-            <a:lnRef idx="1">
-              <a:schemeClr val="accent1"/>
-            </a:lnRef>
-            <a:fillRef idx="0">
-              <a:schemeClr val="accent1"/>
-            </a:fillRef>
-            <a:effectRef idx="0">
-              <a:schemeClr val="accent1"/>
-            </a:effectRef>
-            <a:fontRef idx="minor">
-              <a:schemeClr val="tx1"/>
-            </a:fontRef>
-          </p:style>
-        </p:cxnSp>
-        <p:cxnSp>
-          <p:nvCxnSpPr>
-            <p:cNvPr id="29" name="直線矢印コネクタ 28">
-              <a:extLst>
-                <a:ext uri="{FF2B5EF4-FFF2-40B4-BE49-F238E27FC236}">
-                  <a16:creationId xmlns:a16="http://schemas.microsoft.com/office/drawing/2014/main" id="{C8869595-4C34-4E42-9667-E705DF70F9C3}"/>
-                </a:ext>
-              </a:extLst>
-            </p:cNvPr>
-            <p:cNvCxnSpPr>
-              <a:cxnSpLocks/>
-            </p:cNvCxnSpPr>
-            <p:nvPr/>
-          </p:nvCxnSpPr>
-          <p:spPr>
-            <a:xfrm flipV="1">
-              <a:off x="5810429" y="3936136"/>
-              <a:ext cx="1" cy="112083"/>
-            </a:xfrm>
-            <a:prstGeom prst="straightConnector1">
-              <a:avLst/>
-            </a:prstGeom>
-            <a:ln w="6350">
-              <a:solidFill>
-                <a:schemeClr val="accent2">
-                  <a:lumMod val="75000"/>
-                </a:schemeClr>
-              </a:solidFill>
-              <a:tailEnd type="triangle"/>
-            </a:ln>
-          </p:spPr>
-          <p:style>
-            <a:lnRef idx="1">
-              <a:schemeClr val="accent1"/>
-            </a:lnRef>
-            <a:fillRef idx="0">
-              <a:schemeClr val="accent1"/>
-            </a:fillRef>
-            <a:effectRef idx="0">
-              <a:schemeClr val="accent1"/>
-            </a:effectRef>
-            <a:fontRef idx="minor">
-              <a:schemeClr val="tx1"/>
-            </a:fontRef>
-          </p:style>
-        </p:cxnSp>
-        <p:cxnSp>
-          <p:nvCxnSpPr>
-            <p:cNvPr id="30" name="直線矢印コネクタ 29">
-              <a:extLst>
-                <a:ext uri="{FF2B5EF4-FFF2-40B4-BE49-F238E27FC236}">
-                  <a16:creationId xmlns:a16="http://schemas.microsoft.com/office/drawing/2014/main" id="{5386954F-F6F7-4C60-9E0B-E1450EB67A3B}"/>
-                </a:ext>
-              </a:extLst>
-            </p:cNvPr>
-            <p:cNvCxnSpPr>
-              <a:cxnSpLocks/>
-            </p:cNvCxnSpPr>
-            <p:nvPr/>
-          </p:nvCxnSpPr>
-          <p:spPr>
-            <a:xfrm flipV="1">
-              <a:off x="7497184" y="3936136"/>
-              <a:ext cx="1" cy="112083"/>
+              <a:off x="4926149" y="620053"/>
+              <a:ext cx="1" cy="195895"/>
             </a:xfrm>
             <a:prstGeom prst="straightConnector1">
               <a:avLst/>
@@ -7063,73 +7242,10 @@
         </p:cxnSp>
         <p:sp>
           <p:nvSpPr>
-            <p:cNvPr id="2" name="正方形/長方形 1">
+            <p:cNvPr id="54" name="テキスト ボックス 53">
               <a:extLst>
                 <a:ext uri="{FF2B5EF4-FFF2-40B4-BE49-F238E27FC236}">
-                  <a16:creationId xmlns:a16="http://schemas.microsoft.com/office/drawing/2014/main" id="{D3186BDE-4196-4486-A945-D9D7974A8A94}"/>
-                </a:ext>
-              </a:extLst>
-            </p:cNvPr>
-            <p:cNvSpPr/>
-            <p:nvPr/>
-          </p:nvSpPr>
-          <p:spPr>
-            <a:xfrm>
-              <a:off x="3446109" y="4048219"/>
-              <a:ext cx="4728640" cy="685451"/>
-            </a:xfrm>
-            <a:prstGeom prst="rect">
-              <a:avLst/>
-            </a:prstGeom>
-            <a:solidFill>
-              <a:schemeClr val="accent4"/>
-            </a:solidFill>
-            <a:ln>
-              <a:solidFill>
-                <a:schemeClr val="accent4">
-                  <a:lumMod val="75000"/>
-                </a:schemeClr>
-              </a:solidFill>
-            </a:ln>
-          </p:spPr>
-          <p:style>
-            <a:lnRef idx="2">
-              <a:schemeClr val="accent1">
-                <a:shade val="50000"/>
-              </a:schemeClr>
-            </a:lnRef>
-            <a:fillRef idx="1">
-              <a:schemeClr val="accent1"/>
-            </a:fillRef>
-            <a:effectRef idx="0">
-              <a:schemeClr val="accent1"/>
-            </a:effectRef>
-            <a:fontRef idx="minor">
-              <a:schemeClr val="lt1"/>
-            </a:fontRef>
-          </p:style>
-          <p:txBody>
-            <a:bodyPr rtlCol="0" anchor="ctr"/>
-            <a:lstStyle/>
-            <a:p>
-              <a:pPr algn="ctr"/>
-              <a:r>
-                <a:rPr kumimoji="1" lang="en-US" altLang="ja-JP" sz="3600" b="1" dirty="0"/>
-                <a:t>BERT</a:t>
-              </a:r>
-              <a:r>
-                <a:rPr kumimoji="1" lang="ja-JP" altLang="en-US" dirty="0"/>
-                <a:t> </a:t>
-              </a:r>
-            </a:p>
-          </p:txBody>
-        </p:sp>
-        <p:sp>
-          <p:nvSpPr>
-            <p:cNvPr id="17" name="テキスト ボックス 16">
-              <a:extLst>
-                <a:ext uri="{FF2B5EF4-FFF2-40B4-BE49-F238E27FC236}">
-                  <a16:creationId xmlns:a16="http://schemas.microsoft.com/office/drawing/2014/main" id="{79D28BB4-3D88-43B7-A51E-C5BE913235D5}"/>
+                  <a16:creationId xmlns:a16="http://schemas.microsoft.com/office/drawing/2014/main" id="{68F2641F-07C0-4EEA-BBA4-5DB232F4DB28}"/>
                 </a:ext>
               </a:extLst>
             </p:cNvPr>
@@ -7138,8 +7254,8 @@
           </p:nvSpPr>
           <p:spPr>
             <a:xfrm>
-              <a:off x="3726101" y="5713125"/>
-              <a:ext cx="4168656" cy="369332"/>
+              <a:off x="3003468" y="318633"/>
+              <a:ext cx="3845362" cy="338554"/>
             </a:xfrm>
             <a:prstGeom prst="rect">
               <a:avLst/>
@@ -7152,34 +7268,12 @@
             </a:bodyPr>
             <a:lstStyle/>
             <a:p>
+              <a:pPr algn="ctr"/>
               <a:r>
-                <a:rPr kumimoji="1" lang="ja-JP" altLang="en-US" dirty="0"/>
-                <a:t>連続する </a:t>
+                <a:rPr lang="en-US" altLang="ja-JP" sz="1600" dirty="0"/>
+                <a:t>Output</a:t>
               </a:r>
-              <a:r>
-                <a:rPr kumimoji="1" lang="en-US" altLang="ja-JP" dirty="0"/>
-                <a:t>n </a:t>
-              </a:r>
-              <a:r>
-                <a:rPr kumimoji="1" lang="ja-JP" altLang="en-US" dirty="0"/>
-                <a:t>文のセリフの </a:t>
-              </a:r>
-              <a:r>
-                <a:rPr kumimoji="1" lang="en-US" altLang="ja-JP" dirty="0"/>
-                <a:t>BERT</a:t>
-              </a:r>
-              <a:r>
-                <a:rPr kumimoji="1" lang="ja-JP" altLang="en-US" dirty="0"/>
-                <a:t> </a:t>
-              </a:r>
-              <a:r>
-                <a:rPr kumimoji="1" lang="en-US" altLang="ja-JP" dirty="0"/>
-                <a:t>id </a:t>
-              </a:r>
-              <a:r>
-                <a:rPr kumimoji="1" lang="ja-JP" altLang="en-US" dirty="0"/>
-                <a:t>列</a:t>
-              </a:r>
+              <a:endParaRPr kumimoji="1" lang="ja-JP" altLang="en-US" sz="1600" dirty="0"/>
             </a:p>
           </p:txBody>
         </p:sp>
